--- a/Dapper.pptx
+++ b/Dapper.pptx
@@ -6,8 +6,11 @@
     <p:sldMasterId id="2147483648" r:id="rId2"/>
   </p:sldMasterIdLst>
   <p:notesMasterIdLst>
-    <p:notesMasterId r:id="rId31"/>
+    <p:notesMasterId r:id="rId32"/>
   </p:notesMasterIdLst>
+  <p:handoutMasterIdLst>
+    <p:handoutMasterId r:id="rId33"/>
+  </p:handoutMasterIdLst>
   <p:sldIdLst>
     <p:sldId id="256" r:id="rId3"/>
     <p:sldId id="269" r:id="rId4"/>
@@ -22,21 +25,22 @@
     <p:sldId id="258" r:id="rId13"/>
     <p:sldId id="261" r:id="rId14"/>
     <p:sldId id="260" r:id="rId15"/>
-    <p:sldId id="259" r:id="rId16"/>
-    <p:sldId id="263" r:id="rId17"/>
-    <p:sldId id="267" r:id="rId18"/>
-    <p:sldId id="268" r:id="rId19"/>
-    <p:sldId id="279" r:id="rId20"/>
-    <p:sldId id="280" r:id="rId21"/>
-    <p:sldId id="278" r:id="rId22"/>
-    <p:sldId id="281" r:id="rId23"/>
-    <p:sldId id="282" r:id="rId24"/>
-    <p:sldId id="277" r:id="rId25"/>
-    <p:sldId id="283" r:id="rId26"/>
-    <p:sldId id="286" r:id="rId27"/>
-    <p:sldId id="284" r:id="rId28"/>
-    <p:sldId id="288" r:id="rId29"/>
-    <p:sldId id="275" r:id="rId30"/>
+    <p:sldId id="290" r:id="rId16"/>
+    <p:sldId id="259" r:id="rId17"/>
+    <p:sldId id="263" r:id="rId18"/>
+    <p:sldId id="267" r:id="rId19"/>
+    <p:sldId id="268" r:id="rId20"/>
+    <p:sldId id="279" r:id="rId21"/>
+    <p:sldId id="280" r:id="rId22"/>
+    <p:sldId id="278" r:id="rId23"/>
+    <p:sldId id="281" r:id="rId24"/>
+    <p:sldId id="282" r:id="rId25"/>
+    <p:sldId id="277" r:id="rId26"/>
+    <p:sldId id="283" r:id="rId27"/>
+    <p:sldId id="286" r:id="rId28"/>
+    <p:sldId id="284" r:id="rId29"/>
+    <p:sldId id="288" r:id="rId30"/>
+    <p:sldId id="275" r:id="rId31"/>
   </p:sldIdLst>
   <p:sldSz cx="12192000" cy="6858000"/>
   <p:notesSz cx="6858000" cy="9144000"/>
@@ -139,8 +143,1207 @@
     <p:ext uri="{EFAFB233-063F-42B5-8137-9DF3F51BA10A}">
       <p15:sldGuideLst xmlns:p15="http://schemas.microsoft.com/office/powerpoint/2012/main"/>
     </p:ext>
+    <p:ext uri="{2D200454-40CA-4A62-9FC3-DE9A4176ACB9}">
+      <p15:notesGuideLst xmlns:p15="http://schemas.microsoft.com/office/powerpoint/2012/main"/>
+    </p:ext>
   </p:extLst>
 </p:presentation>
+</file>
+
+<file path=ppt/charts/chart1.xml><?xml version="1.0" encoding="utf-8"?>
+<c:chartSpace xmlns:c="http://schemas.openxmlformats.org/drawingml/2006/chart" xmlns:a="http://schemas.openxmlformats.org/drawingml/2006/main" xmlns:r="http://schemas.openxmlformats.org/officeDocument/2006/relationships" xmlns:c16r2="http://schemas.microsoft.com/office/drawing/2015/06/chart">
+  <c:date1904 val="0"/>
+  <c:lang val="en-US"/>
+  <c:roundedCorners val="0"/>
+  <mc:AlternateContent xmlns:mc="http://schemas.openxmlformats.org/markup-compatibility/2006">
+    <mc:Choice xmlns:c14="http://schemas.microsoft.com/office/drawing/2007/8/2/chart" Requires="c14">
+      <c14:style val="102"/>
+    </mc:Choice>
+    <mc:Fallback>
+      <c:style val="2"/>
+    </mc:Fallback>
+  </mc:AlternateContent>
+  <c:chart>
+    <c:title>
+      <c:tx>
+        <c:rich>
+          <a:bodyPr rot="0" spcFirstLastPara="1" vertOverflow="ellipsis" vert="horz" wrap="square" anchor="ctr" anchorCtr="1"/>
+          <a:lstStyle/>
+          <a:p>
+            <a:pPr>
+              <a:defRPr sz="2200" b="1" i="0" u="none" strike="noStrike" kern="1200" baseline="0">
+                <a:solidFill>
+                  <a:schemeClr val="dk1">
+                    <a:lumMod val="75000"/>
+                    <a:lumOff val="25000"/>
+                  </a:schemeClr>
+                </a:solidFill>
+                <a:latin typeface="+mn-lt"/>
+                <a:ea typeface="+mn-ea"/>
+                <a:cs typeface="+mn-cs"/>
+              </a:defRPr>
+            </a:pPr>
+            <a:r>
+              <a:rPr lang="en-US" dirty="0" smtClean="0"/>
+              <a:t>Duration (</a:t>
+            </a:r>
+            <a:r>
+              <a:rPr lang="en-US" dirty="0" err="1" smtClean="0"/>
+              <a:t>ms</a:t>
+            </a:r>
+            <a:r>
+              <a:rPr lang="en-US" dirty="0" smtClean="0"/>
+              <a:t>)</a:t>
+            </a:r>
+            <a:endParaRPr lang="en-US" dirty="0"/>
+          </a:p>
+        </c:rich>
+      </c:tx>
+      <c:overlay val="0"/>
+      <c:spPr>
+        <a:noFill/>
+        <a:ln>
+          <a:noFill/>
+        </a:ln>
+        <a:effectLst/>
+      </c:spPr>
+      <c:txPr>
+        <a:bodyPr rot="0" spcFirstLastPara="1" vertOverflow="ellipsis" vert="horz" wrap="square" anchor="ctr" anchorCtr="1"/>
+        <a:lstStyle/>
+        <a:p>
+          <a:pPr>
+            <a:defRPr sz="2200" b="1" i="0" u="none" strike="noStrike" kern="1200" baseline="0">
+              <a:solidFill>
+                <a:schemeClr val="dk1">
+                  <a:lumMod val="75000"/>
+                  <a:lumOff val="25000"/>
+                </a:schemeClr>
+              </a:solidFill>
+              <a:latin typeface="+mn-lt"/>
+              <a:ea typeface="+mn-ea"/>
+              <a:cs typeface="+mn-cs"/>
+            </a:defRPr>
+          </a:pPr>
+          <a:endParaRPr lang="en-US"/>
+        </a:p>
+      </c:txPr>
+    </c:title>
+    <c:autoTitleDeleted val="0"/>
+    <c:plotArea>
+      <c:layout>
+        <c:manualLayout>
+          <c:layoutTarget val="inner"/>
+          <c:xMode val="edge"/>
+          <c:yMode val="edge"/>
+          <c:x val="0.12553070856242049"/>
+          <c:y val="0.10282368606924444"/>
+          <c:w val="0.80538046605641223"/>
+          <c:h val="0.62445831694939136"/>
+        </c:manualLayout>
+      </c:layout>
+      <c:barChart>
+        <c:barDir val="col"/>
+        <c:grouping val="clustered"/>
+        <c:varyColors val="0"/>
+        <c:ser>
+          <c:idx val="0"/>
+          <c:order val="0"/>
+          <c:tx>
+            <c:strRef>
+              <c:f>Sheet1!$B$1</c:f>
+              <c:strCache>
+                <c:ptCount val="1"/>
+                <c:pt idx="0">
+                  <c:v>Duration</c:v>
+                </c:pt>
+              </c:strCache>
+            </c:strRef>
+          </c:tx>
+          <c:spPr>
+            <a:solidFill>
+              <a:schemeClr val="accent1">
+                <a:alpha val="85000"/>
+              </a:schemeClr>
+            </a:solidFill>
+            <a:ln w="9525" cap="flat" cmpd="sng" algn="ctr">
+              <a:solidFill>
+                <a:schemeClr val="lt1">
+                  <a:alpha val="50000"/>
+                </a:schemeClr>
+              </a:solidFill>
+              <a:round/>
+            </a:ln>
+            <a:effectLst/>
+          </c:spPr>
+          <c:invertIfNegative val="0"/>
+          <c:dLbls>
+            <c:spPr>
+              <a:noFill/>
+              <a:ln>
+                <a:noFill/>
+              </a:ln>
+              <a:effectLst/>
+            </c:spPr>
+            <c:txPr>
+              <a:bodyPr rot="0" spcFirstLastPara="1" vertOverflow="ellipsis" vert="horz" wrap="square" lIns="38100" tIns="19050" rIns="38100" bIns="19050" anchor="ctr" anchorCtr="1">
+                <a:spAutoFit/>
+              </a:bodyPr>
+              <a:lstStyle/>
+              <a:p>
+                <a:pPr>
+                  <a:defRPr sz="1197" b="1" i="0" u="none" strike="noStrike" kern="1200" baseline="0">
+                    <a:solidFill>
+                      <a:schemeClr val="lt1"/>
+                    </a:solidFill>
+                    <a:latin typeface="+mn-lt"/>
+                    <a:ea typeface="+mn-ea"/>
+                    <a:cs typeface="+mn-cs"/>
+                  </a:defRPr>
+                </a:pPr>
+                <a:endParaRPr lang="en-US"/>
+              </a:p>
+            </c:txPr>
+            <c:dLblPos val="inEnd"/>
+            <c:showLegendKey val="0"/>
+            <c:showVal val="1"/>
+            <c:showCatName val="0"/>
+            <c:showSerName val="0"/>
+            <c:showPercent val="0"/>
+            <c:showBubbleSize val="0"/>
+            <c:showLeaderLines val="0"/>
+            <c:extLst>
+              <c:ext xmlns:c15="http://schemas.microsoft.com/office/drawing/2012/chart" uri="{CE6537A1-D6FC-4f65-9D91-7224C49458BB}">
+                <c15:showLeaderLines val="1"/>
+                <c15:leaderLines>
+                  <c:spPr>
+                    <a:ln w="9525">
+                      <a:solidFill>
+                        <a:schemeClr val="dk1">
+                          <a:lumMod val="50000"/>
+                          <a:lumOff val="50000"/>
+                        </a:schemeClr>
+                      </a:solidFill>
+                    </a:ln>
+                    <a:effectLst/>
+                  </c:spPr>
+                </c15:leaderLines>
+              </c:ext>
+            </c:extLst>
+          </c:dLbls>
+          <c:cat>
+            <c:strRef>
+              <c:f>Sheet1!$A$2:$A$10</c:f>
+              <c:strCache>
+                <c:ptCount val="9"/>
+                <c:pt idx="0">
+                  <c:v>ADO.NET</c:v>
+                </c:pt>
+                <c:pt idx="1">
+                  <c:v>Dapper</c:v>
+                </c:pt>
+                <c:pt idx="2">
+                  <c:v>ServiveStack</c:v>
+                </c:pt>
+                <c:pt idx="3">
+                  <c:v>PetaPoco</c:v>
+                </c:pt>
+                <c:pt idx="4">
+                  <c:v>BLToolkit</c:v>
+                </c:pt>
+                <c:pt idx="5">
+                  <c:v>SubSonic</c:v>
+                </c:pt>
+                <c:pt idx="6">
+                  <c:v>NHibernate SQL</c:v>
+                </c:pt>
+                <c:pt idx="7">
+                  <c:v>Linq 2 SQL</c:v>
+                </c:pt>
+                <c:pt idx="8">
+                  <c:v>Entity Framework</c:v>
+                </c:pt>
+              </c:strCache>
+            </c:strRef>
+          </c:cat>
+          <c:val>
+            <c:numRef>
+              <c:f>Sheet1!$B$2:$B$10</c:f>
+              <c:numCache>
+                <c:formatCode>General</c:formatCode>
+                <c:ptCount val="9"/>
+                <c:pt idx="0">
+                  <c:v>47</c:v>
+                </c:pt>
+                <c:pt idx="1">
+                  <c:v>49</c:v>
+                </c:pt>
+                <c:pt idx="2">
+                  <c:v>50</c:v>
+                </c:pt>
+                <c:pt idx="3">
+                  <c:v>52</c:v>
+                </c:pt>
+                <c:pt idx="4">
+                  <c:v>80</c:v>
+                </c:pt>
+                <c:pt idx="5">
+                  <c:v>107</c:v>
+                </c:pt>
+                <c:pt idx="6">
+                  <c:v>104</c:v>
+                </c:pt>
+                <c:pt idx="7">
+                  <c:v>181</c:v>
+                </c:pt>
+                <c:pt idx="8">
+                  <c:v>631</c:v>
+                </c:pt>
+              </c:numCache>
+            </c:numRef>
+          </c:val>
+          <c:extLst>
+            <c:ext xmlns:c16="http://schemas.microsoft.com/office/drawing/2014/chart" uri="{C3380CC4-5D6E-409C-BE32-E72D297353CC}">
+              <c16:uniqueId val="{00000000-0A6F-41D2-B800-964C5911E980}"/>
+            </c:ext>
+          </c:extLst>
+        </c:ser>
+        <c:dLbls>
+          <c:dLblPos val="inEnd"/>
+          <c:showLegendKey val="0"/>
+          <c:showVal val="1"/>
+          <c:showCatName val="0"/>
+          <c:showSerName val="0"/>
+          <c:showPercent val="0"/>
+          <c:showBubbleSize val="0"/>
+        </c:dLbls>
+        <c:gapWidth val="65"/>
+        <c:axId val="494992928"/>
+        <c:axId val="494992600"/>
+      </c:barChart>
+      <c:catAx>
+        <c:axId val="494992928"/>
+        <c:scaling>
+          <c:orientation val="minMax"/>
+        </c:scaling>
+        <c:delete val="0"/>
+        <c:axPos val="b"/>
+        <c:numFmt formatCode="General" sourceLinked="1"/>
+        <c:majorTickMark val="none"/>
+        <c:minorTickMark val="none"/>
+        <c:tickLblPos val="nextTo"/>
+        <c:spPr>
+          <a:noFill/>
+          <a:ln w="19050" cap="flat" cmpd="sng" algn="ctr">
+            <a:solidFill>
+              <a:schemeClr val="dk1">
+                <a:lumMod val="75000"/>
+                <a:lumOff val="25000"/>
+              </a:schemeClr>
+            </a:solidFill>
+            <a:round/>
+          </a:ln>
+          <a:effectLst/>
+        </c:spPr>
+        <c:txPr>
+          <a:bodyPr rot="-60000000" spcFirstLastPara="1" vertOverflow="ellipsis" vert="horz" wrap="square" anchor="ctr" anchorCtr="1"/>
+          <a:lstStyle/>
+          <a:p>
+            <a:pPr>
+              <a:defRPr sz="1197" b="0" i="0" u="none" strike="noStrike" kern="1200" cap="all" baseline="0">
+                <a:solidFill>
+                  <a:schemeClr val="dk1">
+                    <a:lumMod val="75000"/>
+                    <a:lumOff val="25000"/>
+                  </a:schemeClr>
+                </a:solidFill>
+                <a:latin typeface="+mn-lt"/>
+                <a:ea typeface="+mn-ea"/>
+                <a:cs typeface="+mn-cs"/>
+              </a:defRPr>
+            </a:pPr>
+            <a:endParaRPr lang="en-US"/>
+          </a:p>
+        </c:txPr>
+        <c:crossAx val="494992600"/>
+        <c:crosses val="autoZero"/>
+        <c:auto val="1"/>
+        <c:lblAlgn val="ctr"/>
+        <c:lblOffset val="100"/>
+        <c:noMultiLvlLbl val="0"/>
+      </c:catAx>
+      <c:valAx>
+        <c:axId val="494992600"/>
+        <c:scaling>
+          <c:orientation val="minMax"/>
+        </c:scaling>
+        <c:delete val="1"/>
+        <c:axPos val="l"/>
+        <c:majorGridlines>
+          <c:spPr>
+            <a:ln w="9525" cap="flat" cmpd="sng" algn="ctr">
+              <a:gradFill>
+                <a:gsLst>
+                  <a:gs pos="100000">
+                    <a:schemeClr val="dk1">
+                      <a:lumMod val="95000"/>
+                      <a:lumOff val="5000"/>
+                      <a:alpha val="42000"/>
+                    </a:schemeClr>
+                  </a:gs>
+                  <a:gs pos="0">
+                    <a:schemeClr val="lt1">
+                      <a:lumMod val="75000"/>
+                      <a:alpha val="36000"/>
+                    </a:schemeClr>
+                  </a:gs>
+                </a:gsLst>
+                <a:lin ang="5400000" scaled="0"/>
+              </a:gradFill>
+              <a:round/>
+            </a:ln>
+            <a:effectLst/>
+          </c:spPr>
+        </c:majorGridlines>
+        <c:numFmt formatCode="General" sourceLinked="1"/>
+        <c:majorTickMark val="none"/>
+        <c:minorTickMark val="none"/>
+        <c:tickLblPos val="nextTo"/>
+        <c:crossAx val="494992928"/>
+        <c:crosses val="autoZero"/>
+        <c:crossBetween val="between"/>
+      </c:valAx>
+      <c:spPr>
+        <a:noFill/>
+        <a:ln>
+          <a:noFill/>
+        </a:ln>
+        <a:effectLst/>
+      </c:spPr>
+    </c:plotArea>
+    <c:plotVisOnly val="1"/>
+    <c:dispBlanksAs val="gap"/>
+    <c:showDLblsOverMax val="0"/>
+  </c:chart>
+  <c:spPr>
+    <a:gradFill flip="none" rotWithShape="1">
+      <a:gsLst>
+        <a:gs pos="0">
+          <a:schemeClr val="lt1"/>
+        </a:gs>
+        <a:gs pos="39000">
+          <a:schemeClr val="lt1"/>
+        </a:gs>
+        <a:gs pos="100000">
+          <a:schemeClr val="lt1">
+            <a:lumMod val="75000"/>
+          </a:schemeClr>
+        </a:gs>
+      </a:gsLst>
+      <a:path path="circle">
+        <a:fillToRect l="50000" t="-80000" r="50000" b="180000"/>
+      </a:path>
+      <a:tileRect/>
+    </a:gradFill>
+    <a:ln w="9525" cap="flat" cmpd="sng" algn="ctr">
+      <a:solidFill>
+        <a:schemeClr val="dk1">
+          <a:lumMod val="25000"/>
+          <a:lumOff val="75000"/>
+        </a:schemeClr>
+      </a:solidFill>
+      <a:round/>
+    </a:ln>
+    <a:effectLst/>
+  </c:spPr>
+  <c:txPr>
+    <a:bodyPr/>
+    <a:lstStyle/>
+    <a:p>
+      <a:pPr>
+        <a:defRPr/>
+      </a:pPr>
+      <a:endParaRPr lang="en-US"/>
+    </a:p>
+  </c:txPr>
+  <c:externalData r:id="rId3">
+    <c:autoUpdate val="0"/>
+  </c:externalData>
+</c:chartSpace>
+</file>
+
+<file path=ppt/charts/colors1.xml><?xml version="1.0" encoding="utf-8"?>
+<cs:colorStyle xmlns:cs="http://schemas.microsoft.com/office/drawing/2012/chartStyle" xmlns:a="http://schemas.openxmlformats.org/drawingml/2006/main" meth="cycle" id="10">
+  <a:schemeClr val="accent1"/>
+  <a:schemeClr val="accent2"/>
+  <a:schemeClr val="accent3"/>
+  <a:schemeClr val="accent4"/>
+  <a:schemeClr val="accent5"/>
+  <a:schemeClr val="accent6"/>
+  <cs:variation/>
+  <cs:variation>
+    <a:lumMod val="60000"/>
+  </cs:variation>
+  <cs:variation>
+    <a:lumMod val="80000"/>
+    <a:lumOff val="20000"/>
+  </cs:variation>
+  <cs:variation>
+    <a:lumMod val="80000"/>
+  </cs:variation>
+  <cs:variation>
+    <a:lumMod val="60000"/>
+    <a:lumOff val="40000"/>
+  </cs:variation>
+  <cs:variation>
+    <a:lumMod val="50000"/>
+  </cs:variation>
+  <cs:variation>
+    <a:lumMod val="70000"/>
+    <a:lumOff val="30000"/>
+  </cs:variation>
+  <cs:variation>
+    <a:lumMod val="70000"/>
+  </cs:variation>
+  <cs:variation>
+    <a:lumMod val="50000"/>
+    <a:lumOff val="50000"/>
+  </cs:variation>
+</cs:colorStyle>
+</file>
+
+<file path=ppt/charts/style1.xml><?xml version="1.0" encoding="utf-8"?>
+<cs:chartStyle xmlns:cs="http://schemas.microsoft.com/office/drawing/2012/chartStyle" xmlns:a="http://schemas.openxmlformats.org/drawingml/2006/main" id="205">
+  <cs:axisTitle>
+    <cs:lnRef idx="0"/>
+    <cs:fillRef idx="0"/>
+    <cs:effectRef idx="0"/>
+    <cs:fontRef idx="minor">
+      <a:schemeClr val="dk1">
+        <a:lumMod val="75000"/>
+        <a:lumOff val="25000"/>
+      </a:schemeClr>
+    </cs:fontRef>
+    <cs:defRPr sz="1197" b="1" kern="1200"/>
+  </cs:axisTitle>
+  <cs:categoryAxis>
+    <cs:lnRef idx="0"/>
+    <cs:fillRef idx="0"/>
+    <cs:effectRef idx="0"/>
+    <cs:fontRef idx="minor">
+      <a:schemeClr val="dk1">
+        <a:lumMod val="75000"/>
+        <a:lumOff val="25000"/>
+      </a:schemeClr>
+    </cs:fontRef>
+    <cs:spPr>
+      <a:ln w="19050" cap="flat" cmpd="sng" algn="ctr">
+        <a:solidFill>
+          <a:schemeClr val="dk1">
+            <a:lumMod val="75000"/>
+            <a:lumOff val="25000"/>
+          </a:schemeClr>
+        </a:solidFill>
+        <a:round/>
+      </a:ln>
+    </cs:spPr>
+    <cs:defRPr sz="1197" kern="1200" cap="all" baseline="0"/>
+  </cs:categoryAxis>
+  <cs:chartArea>
+    <cs:lnRef idx="0"/>
+    <cs:fillRef idx="0"/>
+    <cs:effectRef idx="0"/>
+    <cs:fontRef idx="minor">
+      <a:schemeClr val="dk1"/>
+    </cs:fontRef>
+    <cs:spPr>
+      <a:gradFill flip="none" rotWithShape="1">
+        <a:gsLst>
+          <a:gs pos="0">
+            <a:schemeClr val="lt1"/>
+          </a:gs>
+          <a:gs pos="39000">
+            <a:schemeClr val="lt1"/>
+          </a:gs>
+          <a:gs pos="100000">
+            <a:schemeClr val="lt1">
+              <a:lumMod val="75000"/>
+            </a:schemeClr>
+          </a:gs>
+        </a:gsLst>
+        <a:path path="circle">
+          <a:fillToRect l="50000" t="-80000" r="50000" b="180000"/>
+        </a:path>
+        <a:tileRect/>
+      </a:gradFill>
+      <a:ln w="9525" cap="flat" cmpd="sng" algn="ctr">
+        <a:solidFill>
+          <a:schemeClr val="dk1">
+            <a:lumMod val="25000"/>
+            <a:lumOff val="75000"/>
+          </a:schemeClr>
+        </a:solidFill>
+        <a:round/>
+      </a:ln>
+    </cs:spPr>
+    <cs:defRPr sz="1197" kern="1200"/>
+  </cs:chartArea>
+  <cs:dataLabel>
+    <cs:lnRef idx="0"/>
+    <cs:fillRef idx="0"/>
+    <cs:effectRef idx="0"/>
+    <cs:fontRef idx="minor">
+      <a:schemeClr val="lt1"/>
+    </cs:fontRef>
+    <cs:defRPr sz="1197" b="1" i="0" u="none" strike="noStrike" kern="1200" baseline="0"/>
+  </cs:dataLabel>
+  <cs:dataLabelCallout>
+    <cs:lnRef idx="0"/>
+    <cs:fillRef idx="0"/>
+    <cs:effectRef idx="0"/>
+    <cs:fontRef idx="minor">
+      <a:schemeClr val="lt1"/>
+    </cs:fontRef>
+    <cs:spPr>
+      <a:solidFill>
+        <a:schemeClr val="dk1">
+          <a:lumMod val="65000"/>
+          <a:lumOff val="35000"/>
+          <a:alpha val="75000"/>
+        </a:schemeClr>
+      </a:solidFill>
+    </cs:spPr>
+    <cs:defRPr sz="1197" b="1" kern="1200"/>
+    <cs:bodyPr rot="0" spcFirstLastPara="1" vertOverflow="clip" horzOverflow="clip" vert="horz" wrap="square" lIns="36576" tIns="18288" rIns="36576" bIns="18288" anchor="ctr" anchorCtr="1">
+      <a:spAutoFit/>
+    </cs:bodyPr>
+  </cs:dataLabelCallout>
+  <cs:dataPoint>
+    <cs:lnRef idx="0"/>
+    <cs:fillRef idx="0">
+      <cs:styleClr val="auto"/>
+    </cs:fillRef>
+    <cs:effectRef idx="0"/>
+    <cs:fontRef idx="minor">
+      <a:schemeClr val="dk1"/>
+    </cs:fontRef>
+    <cs:spPr>
+      <a:solidFill>
+        <a:schemeClr val="phClr">
+          <a:alpha val="85000"/>
+        </a:schemeClr>
+      </a:solidFill>
+      <a:ln w="9525" cap="flat" cmpd="sng" algn="ctr">
+        <a:solidFill>
+          <a:schemeClr val="lt1">
+            <a:alpha val="50000"/>
+          </a:schemeClr>
+        </a:solidFill>
+        <a:round/>
+      </a:ln>
+    </cs:spPr>
+  </cs:dataPoint>
+  <cs:dataPoint3D>
+    <cs:lnRef idx="0"/>
+    <cs:fillRef idx="0">
+      <cs:styleClr val="auto"/>
+    </cs:fillRef>
+    <cs:effectRef idx="0"/>
+    <cs:fontRef idx="minor">
+      <a:schemeClr val="dk1"/>
+    </cs:fontRef>
+    <cs:spPr>
+      <a:solidFill>
+        <a:schemeClr val="phClr">
+          <a:alpha val="85000"/>
+        </a:schemeClr>
+      </a:solidFill>
+      <a:ln w="9525" cap="flat" cmpd="sng" algn="ctr">
+        <a:solidFill>
+          <a:schemeClr val="lt1">
+            <a:alpha val="50000"/>
+          </a:schemeClr>
+        </a:solidFill>
+        <a:round/>
+      </a:ln>
+    </cs:spPr>
+  </cs:dataPoint3D>
+  <cs:dataPointLine>
+    <cs:lnRef idx="0">
+      <cs:styleClr val="auto"/>
+    </cs:lnRef>
+    <cs:fillRef idx="0"/>
+    <cs:effectRef idx="0"/>
+    <cs:fontRef idx="minor">
+      <a:schemeClr val="dk1"/>
+    </cs:fontRef>
+    <cs:spPr>
+      <a:ln w="31750" cap="rnd">
+        <a:solidFill>
+          <a:schemeClr val="phClr">
+            <a:alpha val="85000"/>
+          </a:schemeClr>
+        </a:solidFill>
+        <a:round/>
+      </a:ln>
+    </cs:spPr>
+  </cs:dataPointLine>
+  <cs:dataPointMarker>
+    <cs:lnRef idx="0"/>
+    <cs:fillRef idx="0">
+      <cs:styleClr val="auto"/>
+    </cs:fillRef>
+    <cs:effectRef idx="0"/>
+    <cs:fontRef idx="minor">
+      <a:schemeClr val="dk1"/>
+    </cs:fontRef>
+    <cs:spPr>
+      <a:solidFill>
+        <a:schemeClr val="phClr">
+          <a:alpha val="85000"/>
+        </a:schemeClr>
+      </a:solidFill>
+    </cs:spPr>
+  </cs:dataPointMarker>
+  <cs:dataPointMarkerLayout symbol="circle" size="6"/>
+  <cs:dataPointWireframe>
+    <cs:lnRef idx="0">
+      <cs:styleClr val="auto"/>
+    </cs:lnRef>
+    <cs:fillRef idx="0"/>
+    <cs:effectRef idx="0"/>
+    <cs:fontRef idx="minor">
+      <a:schemeClr val="dk1"/>
+    </cs:fontRef>
+    <cs:spPr>
+      <a:ln w="9525" cap="rnd">
+        <a:solidFill>
+          <a:schemeClr val="phClr"/>
+        </a:solidFill>
+        <a:round/>
+      </a:ln>
+    </cs:spPr>
+  </cs:dataPointWireframe>
+  <cs:dataTable>
+    <cs:lnRef idx="0"/>
+    <cs:fillRef idx="0"/>
+    <cs:effectRef idx="0"/>
+    <cs:fontRef idx="minor">
+      <a:schemeClr val="dk1">
+        <a:lumMod val="75000"/>
+        <a:lumOff val="25000"/>
+      </a:schemeClr>
+    </cs:fontRef>
+    <cs:spPr>
+      <a:ln w="9525">
+        <a:solidFill>
+          <a:schemeClr val="dk1">
+            <a:lumMod val="35000"/>
+            <a:lumOff val="65000"/>
+          </a:schemeClr>
+        </a:solidFill>
+      </a:ln>
+    </cs:spPr>
+    <cs:defRPr sz="1197" kern="1200"/>
+  </cs:dataTable>
+  <cs:downBar>
+    <cs:lnRef idx="0"/>
+    <cs:fillRef idx="0"/>
+    <cs:effectRef idx="0"/>
+    <cs:fontRef idx="minor">
+      <a:schemeClr val="dk1"/>
+    </cs:fontRef>
+    <cs:spPr>
+      <a:solidFill>
+        <a:schemeClr val="dk1">
+          <a:lumMod val="50000"/>
+          <a:lumOff val="50000"/>
+        </a:schemeClr>
+      </a:solidFill>
+      <a:ln w="9525">
+        <a:solidFill>
+          <a:schemeClr val="dk1">
+            <a:lumMod val="65000"/>
+            <a:lumOff val="35000"/>
+          </a:schemeClr>
+        </a:solidFill>
+      </a:ln>
+    </cs:spPr>
+  </cs:downBar>
+  <cs:dropLine>
+    <cs:lnRef idx="0"/>
+    <cs:fillRef idx="0"/>
+    <cs:effectRef idx="0"/>
+    <cs:fontRef idx="minor">
+      <a:schemeClr val="dk1"/>
+    </cs:fontRef>
+    <cs:spPr>
+      <a:ln w="9525">
+        <a:solidFill>
+          <a:schemeClr val="dk1">
+            <a:lumMod val="35000"/>
+            <a:lumOff val="65000"/>
+          </a:schemeClr>
+        </a:solidFill>
+        <a:prstDash val="dash"/>
+      </a:ln>
+    </cs:spPr>
+  </cs:dropLine>
+  <cs:errorBar>
+    <cs:lnRef idx="0"/>
+    <cs:fillRef idx="0"/>
+    <cs:effectRef idx="0"/>
+    <cs:fontRef idx="minor">
+      <a:schemeClr val="dk1"/>
+    </cs:fontRef>
+    <cs:spPr>
+      <a:ln w="9525">
+        <a:solidFill>
+          <a:schemeClr val="dk1">
+            <a:lumMod val="65000"/>
+            <a:lumOff val="35000"/>
+          </a:schemeClr>
+        </a:solidFill>
+        <a:round/>
+      </a:ln>
+    </cs:spPr>
+  </cs:errorBar>
+  <cs:floor>
+    <cs:lnRef idx="0"/>
+    <cs:fillRef idx="0"/>
+    <cs:effectRef idx="0"/>
+    <cs:fontRef idx="minor">
+      <a:schemeClr val="dk1"/>
+    </cs:fontRef>
+  </cs:floor>
+  <cs:gridlineMajor>
+    <cs:lnRef idx="0"/>
+    <cs:fillRef idx="0"/>
+    <cs:effectRef idx="0"/>
+    <cs:fontRef idx="minor">
+      <a:schemeClr val="dk1"/>
+    </cs:fontRef>
+    <cs:spPr>
+      <a:ln w="9525" cap="flat" cmpd="sng" algn="ctr">
+        <a:gradFill>
+          <a:gsLst>
+            <a:gs pos="100000">
+              <a:schemeClr val="dk1">
+                <a:lumMod val="95000"/>
+                <a:lumOff val="5000"/>
+                <a:alpha val="42000"/>
+              </a:schemeClr>
+            </a:gs>
+            <a:gs pos="0">
+              <a:schemeClr val="lt1">
+                <a:lumMod val="75000"/>
+                <a:alpha val="36000"/>
+              </a:schemeClr>
+            </a:gs>
+          </a:gsLst>
+          <a:lin ang="5400000" scaled="0"/>
+        </a:gradFill>
+        <a:round/>
+      </a:ln>
+    </cs:spPr>
+  </cs:gridlineMajor>
+  <cs:gridlineMinor>
+    <cs:lnRef idx="0"/>
+    <cs:fillRef idx="0"/>
+    <cs:effectRef idx="0"/>
+    <cs:fontRef idx="minor">
+      <a:schemeClr val="dk1"/>
+    </cs:fontRef>
+    <cs:spPr>
+      <a:ln>
+        <a:gradFill>
+          <a:gsLst>
+            <a:gs pos="100000">
+              <a:schemeClr val="dk1">
+                <a:lumMod val="95000"/>
+                <a:lumOff val="5000"/>
+                <a:alpha val="42000"/>
+              </a:schemeClr>
+            </a:gs>
+            <a:gs pos="0">
+              <a:schemeClr val="lt1">
+                <a:lumMod val="75000"/>
+                <a:alpha val="36000"/>
+              </a:schemeClr>
+            </a:gs>
+          </a:gsLst>
+          <a:lin ang="5400000" scaled="0"/>
+        </a:gradFill>
+      </a:ln>
+    </cs:spPr>
+  </cs:gridlineMinor>
+  <cs:hiLoLine>
+    <cs:lnRef idx="0"/>
+    <cs:fillRef idx="0"/>
+    <cs:effectRef idx="0"/>
+    <cs:fontRef idx="minor">
+      <a:schemeClr val="dk1"/>
+    </cs:fontRef>
+    <cs:spPr>
+      <a:ln w="9525">
+        <a:solidFill>
+          <a:schemeClr val="dk1">
+            <a:lumMod val="35000"/>
+            <a:lumOff val="65000"/>
+          </a:schemeClr>
+        </a:solidFill>
+        <a:prstDash val="dash"/>
+      </a:ln>
+    </cs:spPr>
+  </cs:hiLoLine>
+  <cs:leaderLine>
+    <cs:lnRef idx="0"/>
+    <cs:fillRef idx="0"/>
+    <cs:effectRef idx="0"/>
+    <cs:fontRef idx="minor">
+      <a:schemeClr val="dk1"/>
+    </cs:fontRef>
+    <cs:spPr>
+      <a:ln w="9525">
+        <a:solidFill>
+          <a:schemeClr val="dk1">
+            <a:lumMod val="50000"/>
+            <a:lumOff val="50000"/>
+          </a:schemeClr>
+        </a:solidFill>
+      </a:ln>
+    </cs:spPr>
+  </cs:leaderLine>
+  <cs:legend>
+    <cs:lnRef idx="0"/>
+    <cs:fillRef idx="0"/>
+    <cs:effectRef idx="0"/>
+    <cs:fontRef idx="minor">
+      <a:schemeClr val="dk1">
+        <a:lumMod val="75000"/>
+        <a:lumOff val="25000"/>
+      </a:schemeClr>
+    </cs:fontRef>
+    <cs:spPr>
+      <a:solidFill>
+        <a:schemeClr val="lt1">
+          <a:lumMod val="95000"/>
+          <a:alpha val="39000"/>
+        </a:schemeClr>
+      </a:solidFill>
+    </cs:spPr>
+    <cs:defRPr sz="1197" kern="1200"/>
+  </cs:legend>
+  <cs:plotArea>
+    <cs:lnRef idx="0"/>
+    <cs:fillRef idx="0"/>
+    <cs:effectRef idx="0"/>
+    <cs:fontRef idx="minor">
+      <a:schemeClr val="dk1"/>
+    </cs:fontRef>
+  </cs:plotArea>
+  <cs:plotArea3D>
+    <cs:lnRef idx="0"/>
+    <cs:fillRef idx="0"/>
+    <cs:effectRef idx="0"/>
+    <cs:fontRef idx="minor">
+      <a:schemeClr val="dk1"/>
+    </cs:fontRef>
+  </cs:plotArea3D>
+  <cs:seriesAxis>
+    <cs:lnRef idx="0"/>
+    <cs:fillRef idx="0"/>
+    <cs:effectRef idx="0"/>
+    <cs:fontRef idx="minor">
+      <a:schemeClr val="dk1">
+        <a:lumMod val="75000"/>
+        <a:lumOff val="25000"/>
+      </a:schemeClr>
+    </cs:fontRef>
+    <cs:spPr>
+      <a:ln w="31750" cap="flat" cmpd="sng" algn="ctr">
+        <a:solidFill>
+          <a:schemeClr val="dk1">
+            <a:lumMod val="75000"/>
+            <a:lumOff val="25000"/>
+          </a:schemeClr>
+        </a:solidFill>
+        <a:round/>
+      </a:ln>
+    </cs:spPr>
+    <cs:defRPr sz="1197" kern="1200"/>
+  </cs:seriesAxis>
+  <cs:seriesLine>
+    <cs:lnRef idx="0"/>
+    <cs:fillRef idx="0"/>
+    <cs:effectRef idx="0"/>
+    <cs:fontRef idx="minor">
+      <a:schemeClr val="dk1"/>
+    </cs:fontRef>
+    <cs:spPr>
+      <a:ln w="9525">
+        <a:solidFill>
+          <a:schemeClr val="dk1">
+            <a:lumMod val="50000"/>
+            <a:lumOff val="50000"/>
+          </a:schemeClr>
+        </a:solidFill>
+        <a:round/>
+      </a:ln>
+    </cs:spPr>
+  </cs:seriesLine>
+  <cs:title>
+    <cs:lnRef idx="0"/>
+    <cs:fillRef idx="0"/>
+    <cs:effectRef idx="0"/>
+    <cs:fontRef idx="minor">
+      <a:schemeClr val="dk1">
+        <a:lumMod val="75000"/>
+        <a:lumOff val="25000"/>
+      </a:schemeClr>
+    </cs:fontRef>
+    <cs:defRPr sz="2200" b="1" kern="1200" baseline="0"/>
+  </cs:title>
+  <cs:trendline>
+    <cs:lnRef idx="0">
+      <cs:styleClr val="auto"/>
+    </cs:lnRef>
+    <cs:fillRef idx="0"/>
+    <cs:effectRef idx="0"/>
+    <cs:fontRef idx="minor">
+      <a:schemeClr val="dk1"/>
+    </cs:fontRef>
+    <cs:spPr>
+      <a:ln w="19050" cap="rnd">
+        <a:solidFill>
+          <a:schemeClr val="phClr"/>
+        </a:solidFill>
+      </a:ln>
+    </cs:spPr>
+  </cs:trendline>
+  <cs:trendlineLabel>
+    <cs:lnRef idx="0"/>
+    <cs:fillRef idx="0"/>
+    <cs:effectRef idx="0"/>
+    <cs:fontRef idx="minor">
+      <a:schemeClr val="dk1">
+        <a:lumMod val="75000"/>
+        <a:lumOff val="25000"/>
+      </a:schemeClr>
+    </cs:fontRef>
+    <cs:defRPr sz="1197" kern="1200"/>
+  </cs:trendlineLabel>
+  <cs:upBar>
+    <cs:lnRef idx="0"/>
+    <cs:fillRef idx="0"/>
+    <cs:effectRef idx="0"/>
+    <cs:fontRef idx="minor">
+      <a:schemeClr val="dk1"/>
+    </cs:fontRef>
+    <cs:spPr>
+      <a:solidFill>
+        <a:schemeClr val="lt1"/>
+      </a:solidFill>
+      <a:ln w="9525">
+        <a:solidFill>
+          <a:schemeClr val="dk1">
+            <a:lumMod val="65000"/>
+            <a:lumOff val="35000"/>
+          </a:schemeClr>
+        </a:solidFill>
+      </a:ln>
+    </cs:spPr>
+  </cs:upBar>
+  <cs:valueAxis>
+    <cs:lnRef idx="0"/>
+    <cs:fillRef idx="0"/>
+    <cs:effectRef idx="0"/>
+    <cs:fontRef idx="minor">
+      <a:schemeClr val="dk1">
+        <a:lumMod val="75000"/>
+        <a:lumOff val="25000"/>
+      </a:schemeClr>
+    </cs:fontRef>
+    <cs:spPr>
+      <a:ln>
+        <a:noFill/>
+      </a:ln>
+    </cs:spPr>
+    <cs:defRPr sz="1197" kern="1200"/>
+  </cs:valueAxis>
+  <cs:wall>
+    <cs:lnRef idx="0"/>
+    <cs:fillRef idx="0"/>
+    <cs:effectRef idx="0"/>
+    <cs:fontRef idx="minor">
+      <a:schemeClr val="dk1"/>
+    </cs:fontRef>
+  </cs:wall>
+</cs:chartStyle>
+</file>
+
+<file path=ppt/handoutMasters/handoutMaster1.xml><?xml version="1.0" encoding="utf-8"?>
+<p:handoutMaster xmlns:a="http://schemas.openxmlformats.org/drawingml/2006/main" xmlns:r="http://schemas.openxmlformats.org/officeDocument/2006/relationships" xmlns:p="http://schemas.openxmlformats.org/presentationml/2006/main">
+  <p:cSld>
+    <p:bg>
+      <p:bgRef idx="1001">
+        <a:schemeClr val="bg1"/>
+      </p:bgRef>
+    </p:bg>
+    <p:spTree>
+      <p:nvGrpSpPr>
+        <p:cNvPr id="1" name=""/>
+        <p:cNvGrpSpPr/>
+        <p:nvPr/>
+      </p:nvGrpSpPr>
+      <p:grpSpPr>
+        <a:xfrm>
+          <a:off x="0" y="0"/>
+          <a:ext cx="0" cy="0"/>
+          <a:chOff x="0" y="0"/>
+          <a:chExt cx="0" cy="0"/>
+        </a:xfrm>
+      </p:grpSpPr>
+      <p:sp>
+        <p:nvSpPr>
+          <p:cNvPr id="2" name="Header Placeholder 1"/>
+          <p:cNvSpPr>
+            <a:spLocks noGrp="1"/>
+          </p:cNvSpPr>
+          <p:nvPr>
+            <p:ph type="hdr" sz="quarter"/>
+          </p:nvPr>
+        </p:nvSpPr>
+        <p:spPr>
+          <a:xfrm>
+            <a:off x="0" y="0"/>
+            <a:ext cx="2971800" cy="458788"/>
+          </a:xfrm>
+          <a:prstGeom prst="rect">
+            <a:avLst/>
+          </a:prstGeom>
+        </p:spPr>
+        <p:txBody>
+          <a:bodyPr vert="horz" lIns="91440" tIns="45720" rIns="91440" bIns="45720" rtlCol="0"/>
+          <a:lstStyle>
+            <a:lvl1pPr algn="l">
+              <a:defRPr sz="1200"/>
+            </a:lvl1pPr>
+          </a:lstStyle>
+          <a:p>
+            <a:endParaRPr lang="en-US"/>
+          </a:p>
+        </p:txBody>
+      </p:sp>
+      <p:sp>
+        <p:nvSpPr>
+          <p:cNvPr id="3" name="Date Placeholder 2"/>
+          <p:cNvSpPr>
+            <a:spLocks noGrp="1"/>
+          </p:cNvSpPr>
+          <p:nvPr>
+            <p:ph type="dt" sz="quarter" idx="1"/>
+          </p:nvPr>
+        </p:nvSpPr>
+        <p:spPr>
+          <a:xfrm>
+            <a:off x="3884613" y="0"/>
+            <a:ext cx="2971800" cy="458788"/>
+          </a:xfrm>
+          <a:prstGeom prst="rect">
+            <a:avLst/>
+          </a:prstGeom>
+        </p:spPr>
+        <p:txBody>
+          <a:bodyPr vert="horz" lIns="91440" tIns="45720" rIns="91440" bIns="45720" rtlCol="0"/>
+          <a:lstStyle>
+            <a:lvl1pPr algn="r">
+              <a:defRPr sz="1200"/>
+            </a:lvl1pPr>
+          </a:lstStyle>
+          <a:p>
+            <a:fld id="{4CA4494A-DB8B-44E5-8660-E6DD714E8D06}" type="datetimeFigureOut">
+              <a:rPr lang="en-US" smtClean="0"/>
+              <a:t>2/17/2016</a:t>
+            </a:fld>
+            <a:endParaRPr lang="en-US"/>
+          </a:p>
+        </p:txBody>
+      </p:sp>
+      <p:sp>
+        <p:nvSpPr>
+          <p:cNvPr id="4" name="Footer Placeholder 3"/>
+          <p:cNvSpPr>
+            <a:spLocks noGrp="1"/>
+          </p:cNvSpPr>
+          <p:nvPr>
+            <p:ph type="ftr" sz="quarter" idx="2"/>
+          </p:nvPr>
+        </p:nvSpPr>
+        <p:spPr>
+          <a:xfrm>
+            <a:off x="0" y="8685213"/>
+            <a:ext cx="2971800" cy="458787"/>
+          </a:xfrm>
+          <a:prstGeom prst="rect">
+            <a:avLst/>
+          </a:prstGeom>
+        </p:spPr>
+        <p:txBody>
+          <a:bodyPr vert="horz" lIns="91440" tIns="45720" rIns="91440" bIns="45720" rtlCol="0" anchor="b"/>
+          <a:lstStyle>
+            <a:lvl1pPr algn="l">
+              <a:defRPr sz="1200"/>
+            </a:lvl1pPr>
+          </a:lstStyle>
+          <a:p>
+            <a:endParaRPr lang="en-US"/>
+          </a:p>
+        </p:txBody>
+      </p:sp>
+      <p:sp>
+        <p:nvSpPr>
+          <p:cNvPr id="5" name="Slide Number Placeholder 4"/>
+          <p:cNvSpPr>
+            <a:spLocks noGrp="1"/>
+          </p:cNvSpPr>
+          <p:nvPr>
+            <p:ph type="sldNum" sz="quarter" idx="3"/>
+          </p:nvPr>
+        </p:nvSpPr>
+        <p:spPr>
+          <a:xfrm>
+            <a:off x="3884613" y="8685213"/>
+            <a:ext cx="2971800" cy="458787"/>
+          </a:xfrm>
+          <a:prstGeom prst="rect">
+            <a:avLst/>
+          </a:prstGeom>
+        </p:spPr>
+        <p:txBody>
+          <a:bodyPr vert="horz" lIns="91440" tIns="45720" rIns="91440" bIns="45720" rtlCol="0" anchor="b"/>
+          <a:lstStyle>
+            <a:lvl1pPr algn="r">
+              <a:defRPr sz="1200"/>
+            </a:lvl1pPr>
+          </a:lstStyle>
+          <a:p>
+            <a:fld id="{BF6409E9-FBED-4FBD-A46C-35F1FF458FF4}" type="slidenum">
+              <a:rPr lang="en-US" smtClean="0"/>
+              <a:t>‹#›</a:t>
+            </a:fld>
+            <a:endParaRPr lang="en-US"/>
+          </a:p>
+        </p:txBody>
+      </p:sp>
+    </p:spTree>
+    <p:extLst>
+      <p:ext uri="{BB962C8B-B14F-4D97-AF65-F5344CB8AC3E}">
+        <p14:creationId xmlns:p14="http://schemas.microsoft.com/office/powerpoint/2010/main" val="1512147121"/>
+      </p:ext>
+    </p:extLst>
+  </p:cSld>
+  <p:clrMap bg1="lt1" tx1="dk1" bg2="lt2" tx2="dk2" accent1="accent1" accent2="accent2" accent3="accent3" accent4="accent4" accent5="accent5" accent6="accent6" hlink="hlink" folHlink="folHlink"/>
+</p:handoutMaster>
 </file>
 
 <file path=ppt/notesMasters/notesMaster1.xml><?xml version="1.0" encoding="utf-8"?>
@@ -225,7 +1428,7 @@
           <a:p>
             <a:fld id="{495387CA-2C03-48B6-9DDE-A78390D24756}" type="datetimeFigureOut">
               <a:rPr lang="en-US" smtClean="0"/>
-              <a:t>2/16/2016</a:t>
+              <a:t>2/17/2016</a:t>
             </a:fld>
             <a:endParaRPr lang="en-US"/>
           </a:p>
@@ -624,7 +1827,7 @@
           <a:p>
             <a:fld id="{C4314155-5D83-4D56-8D28-5EC7E1D25712}" type="datetimeFigureOut">
               <a:rPr lang="en-US" smtClean="0"/>
-              <a:t>2/16/2016</a:t>
+              <a:t>2/17/2016</a:t>
             </a:fld>
             <a:endParaRPr lang="en-US"/>
           </a:p>
@@ -794,7 +1997,7 @@
           <a:p>
             <a:fld id="{C4314155-5D83-4D56-8D28-5EC7E1D25712}" type="datetimeFigureOut">
               <a:rPr lang="en-US" smtClean="0"/>
-              <a:t>2/16/2016</a:t>
+              <a:t>2/17/2016</a:t>
             </a:fld>
             <a:endParaRPr lang="en-US"/>
           </a:p>
@@ -974,7 +2177,7 @@
           <a:p>
             <a:fld id="{C4314155-5D83-4D56-8D28-5EC7E1D25712}" type="datetimeFigureOut">
               <a:rPr lang="en-US" smtClean="0"/>
-              <a:t>2/16/2016</a:t>
+              <a:t>2/17/2016</a:t>
             </a:fld>
             <a:endParaRPr lang="en-US"/>
           </a:p>
@@ -1221,7 +2424,7 @@
           <a:p>
             <a:fld id="{4AAD347D-5ACD-4C99-B74B-A9C85AD731AF}" type="datetimeFigureOut">
               <a:rPr lang="en-US" dirty="0"/>
-              <a:t>2/16/2016</a:t>
+              <a:t>2/17/2016</a:t>
             </a:fld>
             <a:endParaRPr lang="en-US" dirty="0"/>
           </a:p>
@@ -1386,7 +2589,7 @@
           <a:p>
             <a:fld id="{4509A250-FF31-4206-8172-F9D3106AACB1}" type="datetimeFigureOut">
               <a:rPr lang="en-US" dirty="0"/>
-              <a:t>2/16/2016</a:t>
+              <a:t>2/17/2016</a:t>
             </a:fld>
             <a:endParaRPr lang="en-US" dirty="0"/>
           </a:p>
@@ -1628,7 +2831,7 @@
           <a:p>
             <a:fld id="{9796027F-7875-4030-9381-8BD8C4F21935}" type="datetimeFigureOut">
               <a:rPr lang="en-US" dirty="0"/>
-              <a:t>2/16/2016</a:t>
+              <a:t>2/17/2016</a:t>
             </a:fld>
             <a:endParaRPr lang="en-US" dirty="0"/>
           </a:p>
@@ -1915,7 +3118,7 @@
           <a:p>
             <a:fld id="{9796027F-7875-4030-9381-8BD8C4F21935}" type="datetimeFigureOut">
               <a:rPr lang="en-US" dirty="0"/>
-              <a:t>2/16/2016</a:t>
+              <a:t>2/17/2016</a:t>
             </a:fld>
             <a:endParaRPr lang="en-US" dirty="0"/>
           </a:p>
@@ -2354,7 +3557,7 @@
           <a:p>
             <a:fld id="{9796027F-7875-4030-9381-8BD8C4F21935}" type="datetimeFigureOut">
               <a:rPr lang="en-US" dirty="0"/>
-              <a:t>2/16/2016</a:t>
+              <a:t>2/17/2016</a:t>
             </a:fld>
             <a:endParaRPr lang="en-US" dirty="0"/>
           </a:p>
@@ -2467,7 +3670,7 @@
           <a:p>
             <a:fld id="{4509A250-FF31-4206-8172-F9D3106AACB1}" type="datetimeFigureOut">
               <a:rPr lang="en-US" dirty="0"/>
-              <a:t>2/16/2016</a:t>
+              <a:t>2/17/2016</a:t>
             </a:fld>
             <a:endParaRPr lang="en-US" dirty="0"/>
           </a:p>
@@ -2557,7 +3760,7 @@
           <a:p>
             <a:fld id="{4509A250-FF31-4206-8172-F9D3106AACB1}" type="datetimeFigureOut">
               <a:rPr lang="en-US" dirty="0"/>
-              <a:t>2/16/2016</a:t>
+              <a:t>2/17/2016</a:t>
             </a:fld>
             <a:endParaRPr lang="en-US" dirty="0"/>
           </a:p>
@@ -2831,7 +4034,7 @@
           <a:p>
             <a:fld id="{4509A250-FF31-4206-8172-F9D3106AACB1}" type="datetimeFigureOut">
               <a:rPr lang="en-US" dirty="0"/>
-              <a:t>2/16/2016</a:t>
+              <a:t>2/17/2016</a:t>
             </a:fld>
             <a:endParaRPr lang="en-US" dirty="0"/>
           </a:p>
@@ -2996,7 +4199,7 @@
           <a:p>
             <a:fld id="{C4314155-5D83-4D56-8D28-5EC7E1D25712}" type="datetimeFigureOut">
               <a:rPr lang="en-US" smtClean="0"/>
-              <a:t>2/16/2016</a:t>
+              <a:t>2/17/2016</a:t>
             </a:fld>
             <a:endParaRPr lang="en-US"/>
           </a:p>
@@ -3271,7 +4474,7 @@
           <a:p>
             <a:fld id="{4509A250-FF31-4206-8172-F9D3106AACB1}" type="datetimeFigureOut">
               <a:rPr lang="en-US" dirty="0"/>
-              <a:t>2/16/2016</a:t>
+              <a:t>2/17/2016</a:t>
             </a:fld>
             <a:endParaRPr lang="en-US" dirty="0"/>
           </a:p>
@@ -3541,7 +4744,7 @@
           <a:p>
             <a:fld id="{4509A250-FF31-4206-8172-F9D3106AACB1}" type="datetimeFigureOut">
               <a:rPr lang="en-US" dirty="0"/>
-              <a:t>2/16/2016</a:t>
+              <a:t>2/17/2016</a:t>
             </a:fld>
             <a:endParaRPr lang="en-US" dirty="0"/>
           </a:p>
@@ -3730,7 +4933,7 @@
           <a:p>
             <a:fld id="{4509A250-FF31-4206-8172-F9D3106AACB1}" type="datetimeFigureOut">
               <a:rPr lang="en-US" dirty="0"/>
-              <a:t>2/16/2016</a:t>
+              <a:t>2/17/2016</a:t>
             </a:fld>
             <a:endParaRPr lang="en-US" dirty="0"/>
           </a:p>
@@ -3998,7 +5201,7 @@
           <a:p>
             <a:fld id="{4509A250-FF31-4206-8172-F9D3106AACB1}" type="datetimeFigureOut">
               <a:rPr lang="en-US" dirty="0"/>
-              <a:t>2/16/2016</a:t>
+              <a:t>2/17/2016</a:t>
             </a:fld>
             <a:endParaRPr lang="en-US" dirty="0"/>
           </a:p>
@@ -4334,7 +5537,7 @@
           <a:p>
             <a:fld id="{4509A250-FF31-4206-8172-F9D3106AACB1}" type="datetimeFigureOut">
               <a:rPr lang="en-US" dirty="0"/>
-              <a:t>2/16/2016</a:t>
+              <a:t>2/17/2016</a:t>
             </a:fld>
             <a:endParaRPr lang="en-US" dirty="0"/>
           </a:p>
@@ -4952,7 +6155,7 @@
           <a:p>
             <a:fld id="{4509A250-FF31-4206-8172-F9D3106AACB1}" type="datetimeFigureOut">
               <a:rPr lang="en-US" dirty="0"/>
-              <a:t>2/16/2016</a:t>
+              <a:t>2/17/2016</a:t>
             </a:fld>
             <a:endParaRPr lang="en-US" dirty="0"/>
           </a:p>
@@ -5807,7 +7010,7 @@
           <a:p>
             <a:fld id="{4509A250-FF31-4206-8172-F9D3106AACB1}" type="datetimeFigureOut">
               <a:rPr lang="en-US" dirty="0"/>
-              <a:t>2/16/2016</a:t>
+              <a:t>2/17/2016</a:t>
             </a:fld>
             <a:endParaRPr lang="en-US" dirty="0"/>
           </a:p>
@@ -5972,7 +7175,7 @@
           <a:p>
             <a:fld id="{4509A250-FF31-4206-8172-F9D3106AACB1}" type="datetimeFigureOut">
               <a:rPr lang="en-US" dirty="0"/>
-              <a:t>2/16/2016</a:t>
+              <a:t>2/17/2016</a:t>
             </a:fld>
             <a:endParaRPr lang="en-US" dirty="0"/>
           </a:p>
@@ -6147,7 +7350,7 @@
           <a:p>
             <a:fld id="{4509A250-FF31-4206-8172-F9D3106AACB1}" type="datetimeFigureOut">
               <a:rPr lang="en-US" dirty="0"/>
-              <a:t>2/16/2016</a:t>
+              <a:t>2/17/2016</a:t>
             </a:fld>
             <a:endParaRPr lang="en-US" dirty="0"/>
           </a:p>
@@ -6388,7 +7591,7 @@
           <a:p>
             <a:fld id="{C4314155-5D83-4D56-8D28-5EC7E1D25712}" type="datetimeFigureOut">
               <a:rPr lang="en-US" smtClean="0"/>
-              <a:t>2/16/2016</a:t>
+              <a:t>2/17/2016</a:t>
             </a:fld>
             <a:endParaRPr lang="en-US"/>
           </a:p>
@@ -6620,7 +7823,7 @@
           <a:p>
             <a:fld id="{C4314155-5D83-4D56-8D28-5EC7E1D25712}" type="datetimeFigureOut">
               <a:rPr lang="en-US" smtClean="0"/>
-              <a:t>2/16/2016</a:t>
+              <a:t>2/17/2016</a:t>
             </a:fld>
             <a:endParaRPr lang="en-US"/>
           </a:p>
@@ -6987,7 +8190,7 @@
           <a:p>
             <a:fld id="{C4314155-5D83-4D56-8D28-5EC7E1D25712}" type="datetimeFigureOut">
               <a:rPr lang="en-US" smtClean="0"/>
-              <a:t>2/16/2016</a:t>
+              <a:t>2/17/2016</a:t>
             </a:fld>
             <a:endParaRPr lang="en-US"/>
           </a:p>
@@ -7105,7 +8308,7 @@
           <a:p>
             <a:fld id="{C4314155-5D83-4D56-8D28-5EC7E1D25712}" type="datetimeFigureOut">
               <a:rPr lang="en-US" smtClean="0"/>
-              <a:t>2/16/2016</a:t>
+              <a:t>2/17/2016</a:t>
             </a:fld>
             <a:endParaRPr lang="en-US"/>
           </a:p>
@@ -7200,7 +8403,7 @@
           <a:p>
             <a:fld id="{C4314155-5D83-4D56-8D28-5EC7E1D25712}" type="datetimeFigureOut">
               <a:rPr lang="en-US" smtClean="0"/>
-              <a:t>2/16/2016</a:t>
+              <a:t>2/17/2016</a:t>
             </a:fld>
             <a:endParaRPr lang="en-US"/>
           </a:p>
@@ -7477,7 +8680,7 @@
           <a:p>
             <a:fld id="{C4314155-5D83-4D56-8D28-5EC7E1D25712}" type="datetimeFigureOut">
               <a:rPr lang="en-US" smtClean="0"/>
-              <a:t>2/16/2016</a:t>
+              <a:t>2/17/2016</a:t>
             </a:fld>
             <a:endParaRPr lang="en-US"/>
           </a:p>
@@ -7730,7 +8933,7 @@
           <a:p>
             <a:fld id="{C4314155-5D83-4D56-8D28-5EC7E1D25712}" type="datetimeFigureOut">
               <a:rPr lang="en-US" smtClean="0"/>
-              <a:t>2/16/2016</a:t>
+              <a:t>2/17/2016</a:t>
             </a:fld>
             <a:endParaRPr lang="en-US"/>
           </a:p>
@@ -7943,7 +9146,7 @@
           <a:p>
             <a:fld id="{C4314155-5D83-4D56-8D28-5EC7E1D25712}" type="datetimeFigureOut">
               <a:rPr lang="en-US" smtClean="0"/>
-              <a:t>2/16/2016</a:t>
+              <a:t>2/17/2016</a:t>
             </a:fld>
             <a:endParaRPr lang="en-US"/>
           </a:p>
@@ -8534,42 +9737,6 @@
       </p:pic>
       <p:sp>
         <p:nvSpPr>
-          <p:cNvPr id="14" name="Rectangle 13"/>
-          <p:cNvSpPr/>
-          <p:nvPr/>
-        </p:nvSpPr>
-        <p:spPr>
-          <a:xfrm>
-            <a:off x="10437812" y="0"/>
-            <a:ext cx="685800" cy="1143000"/>
-          </a:xfrm>
-          <a:prstGeom prst="rect">
-            <a:avLst/>
-          </a:prstGeom>
-          <a:solidFill>
-            <a:schemeClr val="accent1"/>
-          </a:solidFill>
-          <a:ln>
-            <a:noFill/>
-          </a:ln>
-        </p:spPr>
-        <p:style>
-          <a:lnRef idx="1">
-            <a:schemeClr val="accent1"/>
-          </a:lnRef>
-          <a:fillRef idx="3">
-            <a:schemeClr val="accent1"/>
-          </a:fillRef>
-          <a:effectRef idx="2">
-            <a:schemeClr val="accent1"/>
-          </a:effectRef>
-          <a:fontRef idx="minor">
-            <a:schemeClr val="lt1"/>
-          </a:fontRef>
-        </p:style>
-      </p:sp>
-      <p:sp>
-        <p:nvSpPr>
           <p:cNvPr id="2" name="Title Placeholder 1"/>
           <p:cNvSpPr>
             <a:spLocks noGrp="1"/>
@@ -8699,7 +9866,7 @@
           <a:p>
             <a:fld id="{4AAD347D-5ACD-4C99-B74B-A9C85AD731AF}" type="datetimeFigureOut">
               <a:rPr lang="en-US" dirty="0"/>
-              <a:t>2/16/2016</a:t>
+              <a:t>2/17/2016</a:t>
             </a:fld>
             <a:endParaRPr lang="en-US" dirty="0"/>
           </a:p>
@@ -10828,7 +11995,7 @@
           <a:p>
             <a:r>
               <a:rPr lang="en-US" dirty="0" smtClean="0"/>
-              <a:t>How it Works</a:t>
+              <a:t>Performance</a:t>
             </a:r>
             <a:endParaRPr lang="en-US" dirty="0"/>
           </a:p>
@@ -10850,86 +12017,55 @@
           <a:lstStyle/>
           <a:p>
             <a:r>
-              <a:rPr lang="en-US" dirty="0" smtClean="0"/>
-              <a:t>Sits right on top of ADO.NET</a:t>
-            </a:r>
-          </a:p>
-          <a:p>
-            <a:r>
-              <a:rPr lang="en-US" dirty="0" smtClean="0"/>
-              <a:t>“Close to the metal”</a:t>
-            </a:r>
-          </a:p>
-          <a:p>
-            <a:r>
-              <a:rPr lang="en-US" dirty="0" smtClean="0"/>
-              <a:t>Extension methods for </a:t>
-            </a:r>
-            <a:r>
-              <a:rPr lang="en-US" dirty="0" err="1" smtClean="0"/>
-              <a:t>IDBConnection</a:t>
-            </a:r>
-            <a:r>
-              <a:rPr lang="en-US" dirty="0" smtClean="0"/>
-              <a:t> &amp; </a:t>
-            </a:r>
-            <a:r>
-              <a:rPr lang="en-US" dirty="0" err="1" smtClean="0"/>
-              <a:t>DataTable</a:t>
+              <a:rPr lang="en-US" b="1" dirty="0"/>
+              <a:t>SELECT mapping </a:t>
+            </a:r>
+            <a:r>
+              <a:rPr lang="en-US" b="1" dirty="0" smtClean="0"/>
+              <a:t>over</a:t>
+            </a:r>
+            <a:br>
+              <a:rPr lang="en-US" b="1" dirty="0" smtClean="0"/>
+            </a:br>
+            <a:r>
+              <a:rPr lang="en-US" b="1" dirty="0" smtClean="0"/>
+              <a:t>500 iterations</a:t>
             </a:r>
             <a:endParaRPr lang="en-US" dirty="0" smtClean="0"/>
           </a:p>
           <a:p>
-            <a:r>
-              <a:rPr lang="en-US" dirty="0" smtClean="0"/>
-              <a:t>Found in Dapper namespace</a:t>
-            </a:r>
-          </a:p>
-          <a:p>
-            <a:r>
-              <a:rPr lang="en-US" dirty="0" smtClean="0"/>
-              <a:t>Methods return as </a:t>
-            </a:r>
-            <a:r>
-              <a:rPr lang="en-US" dirty="0" err="1" smtClean="0"/>
-              <a:t>IEnumerable</a:t>
-            </a:r>
-            <a:r>
-              <a:rPr lang="en-US" dirty="0" smtClean="0"/>
-              <a:t>&lt;T&gt;</a:t>
-            </a:r>
-          </a:p>
-          <a:p>
-            <a:r>
-              <a:rPr lang="en-US" dirty="0" smtClean="0"/>
-              <a:t>Doesn’t generate SQL for you*</a:t>
-            </a:r>
-          </a:p>
-          <a:p>
-            <a:endParaRPr lang="en-US" dirty="0"/>
-          </a:p>
-          <a:p>
-            <a:endParaRPr lang="en-US" dirty="0" smtClean="0"/>
-          </a:p>
-          <a:p>
-            <a:pPr marL="0" indent="0">
-              <a:buNone/>
-            </a:pPr>
-            <a:r>
-              <a:rPr lang="en-US" sz="1200" dirty="0" smtClean="0"/>
-              <a:t>* But some extensions do</a:t>
-            </a:r>
-            <a:endParaRPr lang="en-US" dirty="0" smtClean="0"/>
-          </a:p>
-          <a:p>
-            <a:endParaRPr lang="en-US" dirty="0"/>
-          </a:p>
-        </p:txBody>
-      </p:sp>
+            <a:endParaRPr lang="en-US" b="1" dirty="0"/>
+          </a:p>
+        </p:txBody>
+      </p:sp>
+      <p:graphicFrame>
+        <p:nvGraphicFramePr>
+          <p:cNvPr id="5" name="Chart 4"/>
+          <p:cNvGraphicFramePr>
+            <a:graphicFrameLocks/>
+          </p:cNvGraphicFramePr>
+          <p:nvPr>
+            <p:extLst>
+              <p:ext uri="{D42A27DB-BD31-4B8C-83A1-F6EECF244321}">
+                <p14:modId xmlns:p14="http://schemas.microsoft.com/office/powerpoint/2010/main" val="3645384510"/>
+              </p:ext>
+            </p:extLst>
+          </p:nvPr>
+        </p:nvGraphicFramePr>
+        <p:xfrm>
+          <a:off x="4957260" y="709938"/>
+          <a:ext cx="6617568" cy="5429605"/>
+        </p:xfrm>
+        <a:graphic>
+          <a:graphicData uri="http://schemas.openxmlformats.org/drawingml/2006/chart">
+            <c:chart xmlns:c="http://schemas.openxmlformats.org/drawingml/2006/chart" xmlns:r="http://schemas.openxmlformats.org/officeDocument/2006/relationships" r:id="rId2"/>
+          </a:graphicData>
+        </a:graphic>
+      </p:graphicFrame>
     </p:spTree>
     <p:extLst>
       <p:ext uri="{BB962C8B-B14F-4D97-AF65-F5344CB8AC3E}">
-        <p14:creationId xmlns:p14="http://schemas.microsoft.com/office/powerpoint/2010/main" val="1741546007"/>
+        <p14:creationId xmlns:p14="http://schemas.microsoft.com/office/powerpoint/2010/main" val="43185429"/>
       </p:ext>
     </p:extLst>
   </p:cSld>
@@ -10973,7 +12109,7 @@
           <a:p>
             <a:r>
               <a:rPr lang="en-US" dirty="0" smtClean="0"/>
-              <a:t>Feature Demos</a:t>
+              <a:t>How it Works</a:t>
             </a:r>
             <a:endParaRPr lang="en-US" dirty="0"/>
           </a:p>
@@ -10986,7 +12122,7 @@
             <a:spLocks noGrp="1"/>
           </p:cNvSpPr>
           <p:nvPr>
-            <p:ph type="body" idx="1"/>
+            <p:ph idx="1"/>
           </p:nvPr>
         </p:nvSpPr>
         <p:spPr/>
@@ -10995,21 +12131,78 @@
           <a:lstStyle/>
           <a:p>
             <a:r>
+              <a:rPr lang="en-US" dirty="0" smtClean="0"/>
+              <a:t>Sits right on top of ADO.NET</a:t>
+            </a:r>
+          </a:p>
+          <a:p>
+            <a:r>
+              <a:rPr lang="en-US" dirty="0" smtClean="0"/>
+              <a:t>“Close to the metal”</a:t>
+            </a:r>
+          </a:p>
+          <a:p>
+            <a:r>
+              <a:rPr lang="en-US" dirty="0" smtClean="0"/>
+              <a:t>Extension methods for </a:t>
+            </a:r>
+            <a:r>
               <a:rPr lang="en-US" dirty="0" err="1" smtClean="0"/>
-              <a:t>Dapper’s</a:t>
+              <a:t>IDBConnection</a:t>
             </a:r>
             <a:r>
               <a:rPr lang="en-US" dirty="0" smtClean="0"/>
-              <a:t> Great Features </a:t>
-            </a:r>
-            <a:r>
-              <a:rPr lang="en-US" dirty="0"/>
-              <a:t>(</a:t>
-            </a:r>
+              <a:t> &amp; </a:t>
+            </a:r>
+            <a:r>
+              <a:rPr lang="en-US" dirty="0" err="1" smtClean="0"/>
+              <a:t>DataTable</a:t>
+            </a:r>
+            <a:endParaRPr lang="en-US" dirty="0" smtClean="0"/>
+          </a:p>
+          <a:p>
             <a:r>
               <a:rPr lang="en-US" dirty="0" smtClean="0"/>
-              <a:t>in Demo-Form)</a:t>
-            </a:r>
+              <a:t>Found in Dapper namespace</a:t>
+            </a:r>
+          </a:p>
+          <a:p>
+            <a:r>
+              <a:rPr lang="en-US" dirty="0" smtClean="0"/>
+              <a:t>Methods return as </a:t>
+            </a:r>
+            <a:r>
+              <a:rPr lang="en-US" dirty="0" err="1" smtClean="0"/>
+              <a:t>IEnumerable</a:t>
+            </a:r>
+            <a:r>
+              <a:rPr lang="en-US" dirty="0" smtClean="0"/>
+              <a:t>&lt;T&gt;</a:t>
+            </a:r>
+          </a:p>
+          <a:p>
+            <a:r>
+              <a:rPr lang="en-US" dirty="0" smtClean="0"/>
+              <a:t>Doesn’t generate SQL for you*</a:t>
+            </a:r>
+          </a:p>
+          <a:p>
+            <a:endParaRPr lang="en-US" dirty="0"/>
+          </a:p>
+          <a:p>
+            <a:endParaRPr lang="en-US" dirty="0" smtClean="0"/>
+          </a:p>
+          <a:p>
+            <a:pPr marL="0" indent="0">
+              <a:buNone/>
+            </a:pPr>
+            <a:r>
+              <a:rPr lang="en-US" sz="1200" dirty="0" smtClean="0"/>
+              <a:t>* But some extensions do</a:t>
+            </a:r>
+            <a:endParaRPr lang="en-US" dirty="0" smtClean="0"/>
+          </a:p>
+          <a:p>
             <a:endParaRPr lang="en-US" dirty="0"/>
           </a:p>
         </p:txBody>
@@ -11017,7 +12210,7 @@
     </p:spTree>
     <p:extLst>
       <p:ext uri="{BB962C8B-B14F-4D97-AF65-F5344CB8AC3E}">
-        <p14:creationId xmlns:p14="http://schemas.microsoft.com/office/powerpoint/2010/main" val="3044789676"/>
+        <p14:creationId xmlns:p14="http://schemas.microsoft.com/office/powerpoint/2010/main" val="1741546007"/>
       </p:ext>
     </p:extLst>
   </p:cSld>
@@ -11061,7 +12254,7 @@
           <a:p>
             <a:r>
               <a:rPr lang="en-US" dirty="0" smtClean="0"/>
-              <a:t>Extensions</a:t>
+              <a:t>Feature Demos</a:t>
             </a:r>
             <a:endParaRPr lang="en-US" dirty="0"/>
           </a:p>
@@ -11069,7 +12262,7 @@
       </p:sp>
       <p:sp>
         <p:nvSpPr>
-          <p:cNvPr id="4" name="Text Placeholder 3"/>
+          <p:cNvPr id="3" name="Content Placeholder 2"/>
           <p:cNvSpPr>
             <a:spLocks noGrp="1"/>
           </p:cNvSpPr>
@@ -11083,8 +12276,20 @@
           <a:lstStyle/>
           <a:p>
             <a:r>
+              <a:rPr lang="en-US" dirty="0" err="1" smtClean="0"/>
+              <a:t>Dapper’s</a:t>
+            </a:r>
+            <a:r>
               <a:rPr lang="en-US" dirty="0" smtClean="0"/>
-              <a:t>Making Dapper even Better</a:t>
+              <a:t> Great Features </a:t>
+            </a:r>
+            <a:r>
+              <a:rPr lang="en-US" dirty="0"/>
+              <a:t>(</a:t>
+            </a:r>
+            <a:r>
+              <a:rPr lang="en-US" dirty="0" smtClean="0"/>
+              <a:t>in Demo-Form)</a:t>
             </a:r>
             <a:endParaRPr lang="en-US" dirty="0"/>
           </a:p>
@@ -11093,7 +12298,7 @@
     </p:spTree>
     <p:extLst>
       <p:ext uri="{BB962C8B-B14F-4D97-AF65-F5344CB8AC3E}">
-        <p14:creationId xmlns:p14="http://schemas.microsoft.com/office/powerpoint/2010/main" val="2813789955"/>
+        <p14:creationId xmlns:p14="http://schemas.microsoft.com/office/powerpoint/2010/main" val="3044789676"/>
       </p:ext>
     </p:extLst>
   </p:cSld>
@@ -11122,7 +12327,7 @@
       </p:grpSpPr>
       <p:sp>
         <p:nvSpPr>
-          <p:cNvPr id="4" name="Title 3"/>
+          <p:cNvPr id="2" name="Title 1"/>
           <p:cNvSpPr>
             <a:spLocks noGrp="1"/>
           </p:cNvSpPr>
@@ -11137,7 +12342,7 @@
           <a:p>
             <a:r>
               <a:rPr lang="en-US" dirty="0" smtClean="0"/>
-              <a:t>Dapper Extensions</a:t>
+              <a:t>Extensions</a:t>
             </a:r>
             <a:endParaRPr lang="en-US" dirty="0"/>
           </a:p>
@@ -11145,129 +12350,23 @@
       </p:sp>
       <p:sp>
         <p:nvSpPr>
-          <p:cNvPr id="5" name="Content Placeholder 4"/>
-          <p:cNvSpPr>
-            <a:spLocks noGrp="1"/>
-          </p:cNvSpPr>
-          <p:nvPr>
-            <p:ph idx="1"/>
+          <p:cNvPr id="4" name="Text Placeholder 3"/>
+          <p:cNvSpPr>
+            <a:spLocks noGrp="1"/>
+          </p:cNvSpPr>
+          <p:nvPr>
+            <p:ph type="body" idx="1"/>
           </p:nvPr>
         </p:nvSpPr>
         <p:spPr/>
         <p:txBody>
-          <a:bodyPr numCol="2">
-            <a:normAutofit/>
-          </a:bodyPr>
+          <a:bodyPr/>
           <a:lstStyle/>
           <a:p>
             <a:r>
-              <a:rPr lang="en-US" b="1" dirty="0" err="1" smtClean="0"/>
-              <a:t>Dapper.Rainbow</a:t>
-            </a:r>
-            <a:endParaRPr lang="en-US" b="1" dirty="0"/>
-          </a:p>
-          <a:p>
-            <a:r>
-              <a:rPr lang="en-US" b="1" dirty="0" err="1"/>
-              <a:t>Dapper.Contrib</a:t>
-            </a:r>
-            <a:endParaRPr lang="en-US" b="1" dirty="0"/>
-          </a:p>
-          <a:p>
-            <a:r>
-              <a:rPr lang="en-US" b="1" dirty="0" err="1"/>
-              <a:t>Dapper.SqlBuilder</a:t>
-            </a:r>
-            <a:endParaRPr lang="en-US" b="1" dirty="0"/>
-          </a:p>
-          <a:p>
-            <a:pPr marL="0" indent="0">
-              <a:buNone/>
-            </a:pPr>
-            <a:endParaRPr lang="en-US" dirty="0" smtClean="0"/>
-          </a:p>
-          <a:p>
-            <a:pPr marL="0" indent="0">
-              <a:buNone/>
-            </a:pPr>
-            <a:endParaRPr lang="en-US" dirty="0"/>
-          </a:p>
-          <a:p>
-            <a:pPr marL="0" indent="0">
-              <a:buNone/>
-            </a:pPr>
-            <a:endParaRPr lang="en-US" dirty="0" smtClean="0"/>
-          </a:p>
-          <a:p>
-            <a:pPr marL="0" indent="0">
-              <a:buNone/>
-            </a:pPr>
-            <a:endParaRPr lang="en-US" dirty="0"/>
-          </a:p>
-          <a:p>
-            <a:pPr marL="0" indent="0">
-              <a:buNone/>
-            </a:pPr>
-            <a:endParaRPr lang="en-US" dirty="0" smtClean="0"/>
-          </a:p>
-          <a:p>
-            <a:pPr marL="0" indent="0">
-              <a:buNone/>
-            </a:pPr>
-            <a:endParaRPr lang="en-US" dirty="0"/>
-          </a:p>
-          <a:p>
-            <a:pPr marL="0" indent="0">
-              <a:buNone/>
-            </a:pPr>
-            <a:r>
-              <a:rPr lang="en-US" b="1" dirty="0"/>
-              <a:t>3rd party </a:t>
-            </a:r>
-            <a:r>
-              <a:rPr lang="en-US" b="1" dirty="0" smtClean="0"/>
-              <a:t>extensions</a:t>
-            </a:r>
-            <a:endParaRPr lang="en-US" b="1" dirty="0"/>
-          </a:p>
-          <a:p>
-            <a:r>
-              <a:rPr lang="en-US" b="1" dirty="0"/>
-              <a:t>Dapper Extensions</a:t>
-            </a:r>
-          </a:p>
-          <a:p>
-            <a:r>
-              <a:rPr lang="en-US" dirty="0" err="1"/>
-              <a:t>SQLinq</a:t>
-            </a:r>
-            <a:endParaRPr lang="en-US" dirty="0"/>
-          </a:p>
-          <a:p>
-            <a:r>
-              <a:rPr lang="en-US" dirty="0" err="1"/>
-              <a:t>SalarDbCodeGenerator</a:t>
-            </a:r>
-            <a:endParaRPr lang="en-US" dirty="0"/>
-          </a:p>
-          <a:p>
-            <a:r>
-              <a:rPr lang="en-US" dirty="0" err="1"/>
-              <a:t>Dapper.FluentMap</a:t>
-            </a:r>
-            <a:endParaRPr lang="en-US" dirty="0"/>
-          </a:p>
-          <a:p>
-            <a:r>
-              <a:rPr lang="en-US" b="1" dirty="0" err="1" smtClean="0"/>
-              <a:t>Dapper.SimpleCRUD</a:t>
-            </a:r>
-            <a:endParaRPr lang="en-US" b="1" dirty="0"/>
-          </a:p>
-          <a:p>
-            <a:endParaRPr lang="en-US" dirty="0"/>
-          </a:p>
-          <a:p>
+              <a:rPr lang="en-US" dirty="0" smtClean="0"/>
+              <a:t>Making Dapper even Better</a:t>
+            </a:r>
             <a:endParaRPr lang="en-US" dirty="0"/>
           </a:p>
         </p:txBody>
@@ -11275,7 +12374,7 @@
     </p:spTree>
     <p:extLst>
       <p:ext uri="{BB962C8B-B14F-4D97-AF65-F5344CB8AC3E}">
-        <p14:creationId xmlns:p14="http://schemas.microsoft.com/office/powerpoint/2010/main" val="375491702"/>
+        <p14:creationId xmlns:p14="http://schemas.microsoft.com/office/powerpoint/2010/main" val="2813789955"/>
       </p:ext>
     </p:extLst>
   </p:cSld>
@@ -11304,7 +12403,7 @@
       </p:grpSpPr>
       <p:sp>
         <p:nvSpPr>
-          <p:cNvPr id="2" name="Title 1"/>
+          <p:cNvPr id="4" name="Title 3"/>
           <p:cNvSpPr>
             <a:spLocks noGrp="1"/>
           </p:cNvSpPr>
@@ -11318,50 +12417,49 @@
           <a:lstStyle/>
           <a:p>
             <a:r>
-              <a:rPr lang="en-US" dirty="0" err="1" smtClean="0"/>
+              <a:rPr lang="en-US" dirty="0" smtClean="0"/>
+              <a:t>Dapper Extensions</a:t>
+            </a:r>
+            <a:endParaRPr lang="en-US" dirty="0"/>
+          </a:p>
+        </p:txBody>
+      </p:sp>
+      <p:sp>
+        <p:nvSpPr>
+          <p:cNvPr id="5" name="Content Placeholder 4"/>
+          <p:cNvSpPr>
+            <a:spLocks noGrp="1"/>
+          </p:cNvSpPr>
+          <p:nvPr>
+            <p:ph idx="1"/>
+          </p:nvPr>
+        </p:nvSpPr>
+        <p:spPr/>
+        <p:txBody>
+          <a:bodyPr numCol="2">
+            <a:normAutofit/>
+          </a:bodyPr>
+          <a:lstStyle/>
+          <a:p>
+            <a:r>
+              <a:rPr lang="en-US" u="sng" dirty="0" err="1" smtClean="0"/>
+              <a:t>Dapper.Rainbow</a:t>
+            </a:r>
+            <a:endParaRPr lang="en-US" u="sng" dirty="0"/>
+          </a:p>
+          <a:p>
+            <a:r>
+              <a:rPr lang="en-US" u="sng" dirty="0" err="1"/>
               <a:t>Dapper.Contrib</a:t>
             </a:r>
-            <a:endParaRPr lang="en-US" dirty="0"/>
-          </a:p>
-        </p:txBody>
-      </p:sp>
-      <p:sp>
-        <p:nvSpPr>
-          <p:cNvPr id="4" name="Text Placeholder 3"/>
-          <p:cNvSpPr>
-            <a:spLocks noGrp="1"/>
-          </p:cNvSpPr>
-          <p:nvPr>
-            <p:ph idx="1"/>
-          </p:nvPr>
-        </p:nvSpPr>
-        <p:spPr/>
-        <p:txBody>
-          <a:bodyPr/>
-          <a:lstStyle/>
-          <a:p>
-            <a:r>
-              <a:rPr lang="en-US" dirty="0" smtClean="0"/>
-              <a:t>Additional helper methods</a:t>
-            </a:r>
-          </a:p>
-          <a:p>
-            <a:r>
-              <a:rPr lang="en-US" dirty="0" smtClean="0"/>
-              <a:t>Automatically writes basic SQL statements</a:t>
-            </a:r>
-          </a:p>
-          <a:p>
-            <a:r>
-              <a:rPr lang="en-US" dirty="0" smtClean="0"/>
-              <a:t>Basic change tracking via interfaces</a:t>
-            </a:r>
-          </a:p>
-          <a:p>
-            <a:r>
-              <a:rPr lang="en-US" dirty="0" smtClean="0"/>
-              <a:t>Mapping customization via Attributes</a:t>
-            </a:r>
+            <a:endParaRPr lang="en-US" u="sng" dirty="0"/>
+          </a:p>
+          <a:p>
+            <a:r>
+              <a:rPr lang="en-US" u="sng" dirty="0" err="1"/>
+              <a:t>Dapper.SqlBuilder</a:t>
+            </a:r>
+            <a:endParaRPr lang="en-US" u="sng" dirty="0"/>
           </a:p>
           <a:p>
             <a:pPr marL="0" indent="0">
@@ -11370,10 +12468,87 @@
             <a:endParaRPr lang="en-US" dirty="0" smtClean="0"/>
           </a:p>
           <a:p>
-            <a:r>
-              <a:rPr lang="en-US" dirty="0" smtClean="0"/>
-              <a:t>DEMOS</a:t>
-            </a:r>
+            <a:pPr marL="0" indent="0">
+              <a:buNone/>
+            </a:pPr>
+            <a:endParaRPr lang="en-US" dirty="0"/>
+          </a:p>
+          <a:p>
+            <a:pPr marL="0" indent="0">
+              <a:buNone/>
+            </a:pPr>
+            <a:endParaRPr lang="en-US" dirty="0" smtClean="0"/>
+          </a:p>
+          <a:p>
+            <a:pPr marL="0" indent="0">
+              <a:buNone/>
+            </a:pPr>
+            <a:endParaRPr lang="en-US" dirty="0"/>
+          </a:p>
+          <a:p>
+            <a:pPr marL="0" indent="0">
+              <a:buNone/>
+            </a:pPr>
+            <a:endParaRPr lang="en-US" dirty="0" smtClean="0"/>
+          </a:p>
+          <a:p>
+            <a:pPr marL="0" indent="0">
+              <a:buNone/>
+            </a:pPr>
+            <a:endParaRPr lang="en-US" dirty="0"/>
+          </a:p>
+          <a:p>
+            <a:pPr marL="0" indent="0">
+              <a:buNone/>
+            </a:pPr>
+            <a:r>
+              <a:rPr lang="en-US" b="1" dirty="0"/>
+              <a:t>3rd party </a:t>
+            </a:r>
+            <a:r>
+              <a:rPr lang="en-US" b="1" dirty="0" smtClean="0"/>
+              <a:t>extensions</a:t>
+            </a:r>
+            <a:endParaRPr lang="en-US" b="1" dirty="0"/>
+          </a:p>
+          <a:p>
+            <a:r>
+              <a:rPr lang="en-US" u="sng" dirty="0"/>
+              <a:t>Dapper Extensions</a:t>
+            </a:r>
+          </a:p>
+          <a:p>
+            <a:r>
+              <a:rPr lang="en-US" dirty="0" err="1"/>
+              <a:t>SQLinq</a:t>
+            </a:r>
+            <a:endParaRPr lang="en-US" dirty="0"/>
+          </a:p>
+          <a:p>
+            <a:r>
+              <a:rPr lang="en-US" dirty="0" err="1"/>
+              <a:t>SalarDbCodeGenerator</a:t>
+            </a:r>
+            <a:endParaRPr lang="en-US" dirty="0"/>
+          </a:p>
+          <a:p>
+            <a:r>
+              <a:rPr lang="en-US" dirty="0" err="1"/>
+              <a:t>Dapper.FluentMap</a:t>
+            </a:r>
+            <a:endParaRPr lang="en-US" dirty="0"/>
+          </a:p>
+          <a:p>
+            <a:r>
+              <a:rPr lang="en-US" u="sng" dirty="0" err="1" smtClean="0"/>
+              <a:t>Dapper.SimpleCRUD</a:t>
+            </a:r>
+            <a:endParaRPr lang="en-US" u="sng" dirty="0"/>
+          </a:p>
+          <a:p>
+            <a:endParaRPr lang="en-US" dirty="0"/>
+          </a:p>
+          <a:p>
             <a:endParaRPr lang="en-US" dirty="0"/>
           </a:p>
         </p:txBody>
@@ -11381,7 +12556,7 @@
     </p:spTree>
     <p:extLst>
       <p:ext uri="{BB962C8B-B14F-4D97-AF65-F5344CB8AC3E}">
-        <p14:creationId xmlns:p14="http://schemas.microsoft.com/office/powerpoint/2010/main" val="3400298408"/>
+        <p14:creationId xmlns:p14="http://schemas.microsoft.com/office/powerpoint/2010/main" val="375491702"/>
       </p:ext>
     </p:extLst>
   </p:cSld>
@@ -11425,7 +12600,7 @@
           <a:p>
             <a:r>
               <a:rPr lang="en-US" dirty="0" err="1" smtClean="0"/>
-              <a:t>Dapper.SQLBuilder</a:t>
+              <a:t>Dapper.Contrib</a:t>
             </a:r>
             <a:endParaRPr lang="en-US" dirty="0"/>
           </a:p>
@@ -11433,7 +12608,7 @@
       </p:sp>
       <p:sp>
         <p:nvSpPr>
-          <p:cNvPr id="3" name="Content Placeholder 2"/>
+          <p:cNvPr id="4" name="Text Placeholder 3"/>
           <p:cNvSpPr>
             <a:spLocks noGrp="1"/>
           </p:cNvSpPr>
@@ -11448,23 +12623,32 @@
           <a:p>
             <a:r>
               <a:rPr lang="en-US" dirty="0" smtClean="0"/>
-              <a:t>Builds parameterized SQL queries</a:t>
+              <a:t>Additional helper methods</a:t>
             </a:r>
           </a:p>
           <a:p>
             <a:r>
               <a:rPr lang="en-US" dirty="0" smtClean="0"/>
-              <a:t>Dynamic SQL</a:t>
+              <a:t>Automatically writes basic SQL statements</a:t>
             </a:r>
           </a:p>
           <a:p>
             <a:r>
               <a:rPr lang="en-US" dirty="0" smtClean="0"/>
-              <a:t>Good for search/list screens</a:t>
-            </a:r>
-          </a:p>
-          <a:p>
-            <a:endParaRPr lang="en-US" dirty="0"/>
+              <a:t>Basic change tracking via interfaces</a:t>
+            </a:r>
+          </a:p>
+          <a:p>
+            <a:r>
+              <a:rPr lang="en-US" dirty="0" smtClean="0"/>
+              <a:t>Mapping customization via Attributes</a:t>
+            </a:r>
+          </a:p>
+          <a:p>
+            <a:pPr marL="0" indent="0">
+              <a:buNone/>
+            </a:pPr>
+            <a:endParaRPr lang="en-US" dirty="0" smtClean="0"/>
           </a:p>
           <a:p>
             <a:r>
@@ -11478,7 +12662,7 @@
     </p:spTree>
     <p:extLst>
       <p:ext uri="{BB962C8B-B14F-4D97-AF65-F5344CB8AC3E}">
-        <p14:creationId xmlns:p14="http://schemas.microsoft.com/office/powerpoint/2010/main" val="4109502316"/>
+        <p14:creationId xmlns:p14="http://schemas.microsoft.com/office/powerpoint/2010/main" val="3400298408"/>
       </p:ext>
     </p:extLst>
   </p:cSld>
@@ -11572,10 +12756,6 @@
             <a:r>
               <a:rPr lang="en-US" dirty="0" smtClean="0"/>
               <a:t>Consultant, Partner</a:t>
-            </a:r>
-            <a:r>
-              <a:rPr lang="en-US" dirty="0" smtClean="0"/>
-              <a:t/>
             </a:r>
             <a:br>
               <a:rPr lang="en-US" dirty="0" smtClean="0"/>
@@ -11752,7 +12932,7 @@
           <a:p>
             <a:r>
               <a:rPr lang="en-US" dirty="0" err="1" smtClean="0"/>
-              <a:t>Dapper.Rainbow</a:t>
+              <a:t>Dapper.SQLBuilder</a:t>
             </a:r>
             <a:endParaRPr lang="en-US" dirty="0"/>
           </a:p>
@@ -11760,7 +12940,7 @@
       </p:sp>
       <p:sp>
         <p:nvSpPr>
-          <p:cNvPr id="4" name="Text Placeholder 3"/>
+          <p:cNvPr id="3" name="Content Placeholder 2"/>
           <p:cNvSpPr>
             <a:spLocks noGrp="1"/>
           </p:cNvSpPr>
@@ -11774,38 +12954,24 @@
           <a:lstStyle/>
           <a:p>
             <a:r>
-              <a:rPr lang="en-US" dirty="0"/>
-              <a:t>EF Context-Like Database </a:t>
-            </a:r>
-            <a:r>
               <a:rPr lang="en-US" dirty="0" smtClean="0"/>
-              <a:t>entry-point class</a:t>
-            </a:r>
+              <a:t>Builds parameterized SQL queries</a:t>
+            </a:r>
+          </a:p>
+          <a:p>
+            <a:r>
+              <a:rPr lang="en-US" dirty="0" smtClean="0"/>
+              <a:t>Dynamic SQL</a:t>
+            </a:r>
+          </a:p>
+          <a:p>
+            <a:r>
+              <a:rPr lang="en-US" dirty="0" smtClean="0"/>
+              <a:t>Good for search/list screens</a:t>
+            </a:r>
+          </a:p>
+          <a:p>
             <a:endParaRPr lang="en-US" dirty="0"/>
-          </a:p>
-          <a:p>
-            <a:r>
-              <a:rPr lang="en-US" dirty="0"/>
-              <a:t>Change tracking via </a:t>
-            </a:r>
-            <a:r>
-              <a:rPr lang="en-US" dirty="0" err="1" smtClean="0"/>
-              <a:t>Snapshotter</a:t>
-            </a:r>
-            <a:r>
-              <a:rPr lang="en-US" dirty="0" smtClean="0"/>
-              <a:t> class</a:t>
-            </a:r>
-          </a:p>
-          <a:p>
-            <a:r>
-              <a:rPr lang="en-US" dirty="0" smtClean="0"/>
-              <a:t>Mapping customizations via Attributes</a:t>
-            </a:r>
-            <a:endParaRPr lang="en-US" dirty="0"/>
-          </a:p>
-          <a:p>
-            <a:endParaRPr lang="en-US" dirty="0" smtClean="0"/>
           </a:p>
           <a:p>
             <a:r>
@@ -11819,7 +12985,7 @@
     </p:spTree>
     <p:extLst>
       <p:ext uri="{BB962C8B-B14F-4D97-AF65-F5344CB8AC3E}">
-        <p14:creationId xmlns:p14="http://schemas.microsoft.com/office/powerpoint/2010/main" val="4143228822"/>
+        <p14:creationId xmlns:p14="http://schemas.microsoft.com/office/powerpoint/2010/main" val="4109502316"/>
       </p:ext>
     </p:extLst>
   </p:cSld>
@@ -11862,8 +13028,8 @@
           <a:lstStyle/>
           <a:p>
             <a:r>
-              <a:rPr lang="en-US" dirty="0" smtClean="0"/>
-              <a:t>Dapper Extensions</a:t>
+              <a:rPr lang="en-US" dirty="0" err="1" smtClean="0"/>
+              <a:t>Dapper.Rainbow</a:t>
             </a:r>
             <a:endParaRPr lang="en-US" dirty="0"/>
           </a:p>
@@ -11871,7 +13037,7 @@
       </p:sp>
       <p:sp>
         <p:nvSpPr>
-          <p:cNvPr id="3" name="Content Placeholder 2"/>
+          <p:cNvPr id="4" name="Text Placeholder 3"/>
           <p:cNvSpPr>
             <a:spLocks noGrp="1"/>
           </p:cNvSpPr>
@@ -11885,58 +13051,38 @@
           <a:lstStyle/>
           <a:p>
             <a:r>
+              <a:rPr lang="en-US" dirty="0"/>
+              <a:t>EF Context-Like Database </a:t>
+            </a:r>
+            <a:r>
               <a:rPr lang="en-US" dirty="0" smtClean="0"/>
-              <a:t>Extensions methods similar to </a:t>
+              <a:t>entry-point class</a:t>
+            </a:r>
+            <a:endParaRPr lang="en-US" dirty="0"/>
+          </a:p>
+          <a:p>
+            <a:r>
+              <a:rPr lang="en-US" dirty="0"/>
+              <a:t>Change tracking via </a:t>
             </a:r>
             <a:r>
               <a:rPr lang="en-US" dirty="0" err="1" smtClean="0"/>
-              <a:t>Contrib</a:t>
-            </a:r>
+              <a:t>Snapshotter</a:t>
+            </a:r>
+            <a:r>
+              <a:rPr lang="en-US" dirty="0" smtClean="0"/>
+              <a:t> class</a:t>
+            </a:r>
+          </a:p>
+          <a:p>
+            <a:r>
+              <a:rPr lang="en-US" dirty="0" smtClean="0"/>
+              <a:t>Mapping customizations via Attributes</a:t>
+            </a:r>
+            <a:endParaRPr lang="en-US" dirty="0"/>
+          </a:p>
+          <a:p>
             <a:endParaRPr lang="en-US" dirty="0" smtClean="0"/>
-          </a:p>
-          <a:p>
-            <a:r>
-              <a:rPr lang="en-US" dirty="0" smtClean="0"/>
-              <a:t>No change tracking support</a:t>
-            </a:r>
-          </a:p>
-          <a:p>
-            <a:r>
-              <a:rPr lang="en-US" dirty="0" smtClean="0"/>
-              <a:t>Pure POCOs (no attributes)</a:t>
-            </a:r>
-          </a:p>
-          <a:p>
-            <a:r>
-              <a:rPr lang="en-US" dirty="0" smtClean="0"/>
-              <a:t>Mapping done via </a:t>
-            </a:r>
-            <a:r>
-              <a:rPr lang="en-US" dirty="0" err="1" smtClean="0"/>
-              <a:t>ClassMapper</a:t>
-            </a:r>
-            <a:endParaRPr lang="en-US" dirty="0"/>
-          </a:p>
-          <a:p>
-            <a:r>
-              <a:rPr lang="en-US" dirty="0" smtClean="0"/>
-              <a:t>Queries built with Predicate </a:t>
-            </a:r>
-            <a:r>
-              <a:rPr lang="en-US" dirty="0"/>
-              <a:t>and </a:t>
-            </a:r>
-            <a:r>
-              <a:rPr lang="en-US" dirty="0" err="1" smtClean="0"/>
-              <a:t>PredicateGroup</a:t>
-            </a:r>
-            <a:r>
-              <a:rPr lang="en-US" dirty="0" smtClean="0"/>
-              <a:t> classes</a:t>
-            </a:r>
-          </a:p>
-          <a:p>
-            <a:endParaRPr lang="en-US" dirty="0"/>
           </a:p>
           <a:p>
             <a:r>
@@ -11950,7 +13096,7 @@
     </p:spTree>
     <p:extLst>
       <p:ext uri="{BB962C8B-B14F-4D97-AF65-F5344CB8AC3E}">
-        <p14:creationId xmlns:p14="http://schemas.microsoft.com/office/powerpoint/2010/main" val="1113927765"/>
+        <p14:creationId xmlns:p14="http://schemas.microsoft.com/office/powerpoint/2010/main" val="4143228822"/>
       </p:ext>
     </p:extLst>
   </p:cSld>
@@ -11993,6 +13139,137 @@
           <a:lstStyle/>
           <a:p>
             <a:r>
+              <a:rPr lang="en-US" dirty="0" smtClean="0"/>
+              <a:t>Dapper Extensions</a:t>
+            </a:r>
+            <a:endParaRPr lang="en-US" dirty="0"/>
+          </a:p>
+        </p:txBody>
+      </p:sp>
+      <p:sp>
+        <p:nvSpPr>
+          <p:cNvPr id="3" name="Content Placeholder 2"/>
+          <p:cNvSpPr>
+            <a:spLocks noGrp="1"/>
+          </p:cNvSpPr>
+          <p:nvPr>
+            <p:ph idx="1"/>
+          </p:nvPr>
+        </p:nvSpPr>
+        <p:spPr/>
+        <p:txBody>
+          <a:bodyPr/>
+          <a:lstStyle/>
+          <a:p>
+            <a:r>
+              <a:rPr lang="en-US" dirty="0" smtClean="0"/>
+              <a:t>Extensions methods similar to </a:t>
+            </a:r>
+            <a:r>
+              <a:rPr lang="en-US" dirty="0" err="1" smtClean="0"/>
+              <a:t>Contrib</a:t>
+            </a:r>
+            <a:endParaRPr lang="en-US" dirty="0" smtClean="0"/>
+          </a:p>
+          <a:p>
+            <a:r>
+              <a:rPr lang="en-US" dirty="0" smtClean="0"/>
+              <a:t>No change tracking support</a:t>
+            </a:r>
+          </a:p>
+          <a:p>
+            <a:r>
+              <a:rPr lang="en-US" dirty="0" smtClean="0"/>
+              <a:t>Pure POCOs (no attributes)</a:t>
+            </a:r>
+          </a:p>
+          <a:p>
+            <a:r>
+              <a:rPr lang="en-US" dirty="0" smtClean="0"/>
+              <a:t>Mapping done via </a:t>
+            </a:r>
+            <a:r>
+              <a:rPr lang="en-US" dirty="0" err="1" smtClean="0"/>
+              <a:t>ClassMapper</a:t>
+            </a:r>
+            <a:endParaRPr lang="en-US" dirty="0"/>
+          </a:p>
+          <a:p>
+            <a:r>
+              <a:rPr lang="en-US" dirty="0" smtClean="0"/>
+              <a:t>Queries built with Predicate </a:t>
+            </a:r>
+            <a:r>
+              <a:rPr lang="en-US" dirty="0"/>
+              <a:t>and </a:t>
+            </a:r>
+            <a:r>
+              <a:rPr lang="en-US" dirty="0" err="1" smtClean="0"/>
+              <a:t>PredicateGroup</a:t>
+            </a:r>
+            <a:r>
+              <a:rPr lang="en-US" dirty="0" smtClean="0"/>
+              <a:t> classes</a:t>
+            </a:r>
+          </a:p>
+          <a:p>
+            <a:endParaRPr lang="en-US" dirty="0"/>
+          </a:p>
+          <a:p>
+            <a:r>
+              <a:rPr lang="en-US" dirty="0" smtClean="0"/>
+              <a:t>DEMOS</a:t>
+            </a:r>
+            <a:endParaRPr lang="en-US" dirty="0"/>
+          </a:p>
+        </p:txBody>
+      </p:sp>
+    </p:spTree>
+    <p:extLst>
+      <p:ext uri="{BB962C8B-B14F-4D97-AF65-F5344CB8AC3E}">
+        <p14:creationId xmlns:p14="http://schemas.microsoft.com/office/powerpoint/2010/main" val="1113927765"/>
+      </p:ext>
+    </p:extLst>
+  </p:cSld>
+  <p:clrMapOvr>
+    <a:masterClrMapping/>
+  </p:clrMapOvr>
+</p:sld>
+</file>
+
+<file path=ppt/slides/slide23.xml><?xml version="1.0" encoding="utf-8"?>
+<p:sld xmlns:a="http://schemas.openxmlformats.org/drawingml/2006/main" xmlns:r="http://schemas.openxmlformats.org/officeDocument/2006/relationships" xmlns:p="http://schemas.openxmlformats.org/presentationml/2006/main">
+  <p:cSld>
+    <p:spTree>
+      <p:nvGrpSpPr>
+        <p:cNvPr id="1" name=""/>
+        <p:cNvGrpSpPr/>
+        <p:nvPr/>
+      </p:nvGrpSpPr>
+      <p:grpSpPr>
+        <a:xfrm>
+          <a:off x="0" y="0"/>
+          <a:ext cx="0" cy="0"/>
+          <a:chOff x="0" y="0"/>
+          <a:chExt cx="0" cy="0"/>
+        </a:xfrm>
+      </p:grpSpPr>
+      <p:sp>
+        <p:nvSpPr>
+          <p:cNvPr id="2" name="Title 1"/>
+          <p:cNvSpPr>
+            <a:spLocks noGrp="1"/>
+          </p:cNvSpPr>
+          <p:nvPr>
+            <p:ph type="title"/>
+          </p:nvPr>
+        </p:nvSpPr>
+        <p:spPr/>
+        <p:txBody>
+          <a:bodyPr/>
+          <a:lstStyle/>
+          <a:p>
+            <a:r>
               <a:rPr lang="en-US" dirty="0" err="1" smtClean="0"/>
               <a:t>Dapper.SimpleCRUD</a:t>
             </a:r>
@@ -12045,17 +13322,13 @@
           <a:p>
             <a:r>
               <a:rPr lang="en-US" dirty="0" smtClean="0"/>
-              <a:t>T4 template to help generate POCOs</a:t>
-            </a:r>
-          </a:p>
-          <a:p>
-            <a:endParaRPr lang="en-US" dirty="0"/>
-          </a:p>
-          <a:p>
+              <a:t>T4 template to help generate </a:t>
+            </a:r>
             <a:r>
               <a:rPr lang="en-US" dirty="0" smtClean="0"/>
-              <a:t>DEMOS</a:t>
-            </a:r>
+              <a:t>POCOs</a:t>
+            </a:r>
+            <a:endParaRPr lang="en-US" dirty="0" smtClean="0"/>
           </a:p>
           <a:p>
             <a:endParaRPr lang="en-US" dirty="0"/>
@@ -12075,7 +13348,7 @@
 </p:sld>
 </file>
 
-<file path=ppt/slides/slide23.xml><?xml version="1.0" encoding="utf-8"?>
+<file path=ppt/slides/slide24.xml><?xml version="1.0" encoding="utf-8"?>
 <p:sld xmlns:a="http://schemas.openxmlformats.org/drawingml/2006/main" xmlns:r="http://schemas.openxmlformats.org/officeDocument/2006/relationships" xmlns:p="http://schemas.openxmlformats.org/presentationml/2006/main">
   <p:cSld>
     <p:spTree>
@@ -14081,118 +15354,6 @@
 </p:sld>
 </file>
 
-<file path=ppt/slides/slide24.xml><?xml version="1.0" encoding="utf-8"?>
-<p:sld xmlns:a="http://schemas.openxmlformats.org/drawingml/2006/main" xmlns:r="http://schemas.openxmlformats.org/officeDocument/2006/relationships" xmlns:p="http://schemas.openxmlformats.org/presentationml/2006/main">
-  <p:cSld>
-    <p:spTree>
-      <p:nvGrpSpPr>
-        <p:cNvPr id="1" name=""/>
-        <p:cNvGrpSpPr/>
-        <p:nvPr/>
-      </p:nvGrpSpPr>
-      <p:grpSpPr>
-        <a:xfrm>
-          <a:off x="0" y="0"/>
-          <a:ext cx="0" cy="0"/>
-          <a:chOff x="0" y="0"/>
-          <a:chExt cx="0" cy="0"/>
-        </a:xfrm>
-      </p:grpSpPr>
-      <p:sp>
-        <p:nvSpPr>
-          <p:cNvPr id="2" name="Title 1"/>
-          <p:cNvSpPr>
-            <a:spLocks noGrp="1"/>
-          </p:cNvSpPr>
-          <p:nvPr>
-            <p:ph type="title"/>
-          </p:nvPr>
-        </p:nvSpPr>
-        <p:spPr/>
-        <p:txBody>
-          <a:bodyPr/>
-          <a:lstStyle/>
-          <a:p>
-            <a:r>
-              <a:rPr lang="en-US" dirty="0" smtClean="0"/>
-              <a:t>Other Micro ORMs for .NET</a:t>
-            </a:r>
-            <a:endParaRPr lang="en-US" dirty="0"/>
-          </a:p>
-        </p:txBody>
-      </p:sp>
-      <p:sp>
-        <p:nvSpPr>
-          <p:cNvPr id="3" name="Content Placeholder 2"/>
-          <p:cNvSpPr>
-            <a:spLocks noGrp="1"/>
-          </p:cNvSpPr>
-          <p:nvPr>
-            <p:ph idx="1"/>
-          </p:nvPr>
-        </p:nvSpPr>
-        <p:spPr/>
-        <p:txBody>
-          <a:bodyPr/>
-          <a:lstStyle/>
-          <a:p>
-            <a:r>
-              <a:rPr lang="it-IT" dirty="0" smtClean="0"/>
-              <a:t>FluentData</a:t>
-            </a:r>
-          </a:p>
-          <a:p>
-            <a:r>
-              <a:rPr lang="it-IT" dirty="0" smtClean="0"/>
-              <a:t>OrmLite</a:t>
-            </a:r>
-          </a:p>
-          <a:p>
-            <a:r>
-              <a:rPr lang="it-IT" dirty="0" smtClean="0"/>
-              <a:t>Massive</a:t>
-            </a:r>
-          </a:p>
-          <a:p>
-            <a:r>
-              <a:rPr lang="it-IT" dirty="0" smtClean="0"/>
-              <a:t>PetaPoco</a:t>
-            </a:r>
-          </a:p>
-          <a:p>
-            <a:r>
-              <a:rPr lang="it-IT" dirty="0" smtClean="0"/>
-              <a:t>Simple.Data</a:t>
-            </a:r>
-          </a:p>
-          <a:p>
-            <a:r>
-              <a:rPr lang="it-IT" dirty="0" smtClean="0"/>
-              <a:t>NPoco</a:t>
-            </a:r>
-          </a:p>
-          <a:p>
-            <a:r>
-              <a:rPr lang="it-IT" dirty="0" smtClean="0"/>
-              <a:t>Nemo</a:t>
-            </a:r>
-            <a:endParaRPr lang="en-US" dirty="0"/>
-          </a:p>
-        </p:txBody>
-      </p:sp>
-    </p:spTree>
-    <p:extLst>
-      <p:ext uri="{BB962C8B-B14F-4D97-AF65-F5344CB8AC3E}">
-        <p14:creationId xmlns:p14="http://schemas.microsoft.com/office/powerpoint/2010/main" val="1379309910"/>
-      </p:ext>
-    </p:extLst>
-  </p:cSld>
-  <p:clrMapOvr>
-    <a:masterClrMapping/>
-  </p:clrMapOvr>
-</p:sld>
-</file>
-
 <file path=ppt/slides/slide25.xml><?xml version="1.0" encoding="utf-8"?>
 <p:sld xmlns:a="http://schemas.openxmlformats.org/drawingml/2006/main" xmlns:r="http://schemas.openxmlformats.org/officeDocument/2006/relationships" xmlns:p="http://schemas.openxmlformats.org/presentationml/2006/main">
   <p:cSld>
@@ -14227,7 +15388,7 @@
           <a:p>
             <a:r>
               <a:rPr lang="en-US" dirty="0" smtClean="0"/>
-              <a:t>Recap</a:t>
+              <a:t>Other Micro ORMs for .NET</a:t>
             </a:r>
             <a:endParaRPr lang="en-US" dirty="0"/>
           </a:p>
@@ -14243,97 +15404,50 @@
             <p:ph idx="1"/>
           </p:nvPr>
         </p:nvSpPr>
-        <p:spPr>
-          <a:xfrm>
-            <a:off x="1103312" y="1488832"/>
-            <a:ext cx="8946541" cy="4759568"/>
-          </a:xfrm>
-        </p:spPr>
-        <p:txBody>
-          <a:bodyPr>
-            <a:normAutofit fontScale="92500" lnSpcReduction="10000"/>
-          </a:bodyPr>
+        <p:spPr/>
+        <p:txBody>
+          <a:bodyPr/>
           <a:lstStyle/>
           <a:p>
             <a:r>
-              <a:rPr lang="en-US" dirty="0" smtClean="0"/>
-              <a:t>What is Dapper?</a:t>
-            </a:r>
-          </a:p>
-          <a:p>
-            <a:r>
-              <a:rPr lang="en-US" dirty="0" smtClean="0"/>
-              <a:t>What is an ORM, Again?</a:t>
-            </a:r>
-          </a:p>
-          <a:p>
-            <a:r>
-              <a:rPr lang="en-US" dirty="0" smtClean="0"/>
-              <a:t>History</a:t>
-            </a:r>
-          </a:p>
-          <a:p>
-            <a:r>
-              <a:rPr lang="en-US" dirty="0" smtClean="0"/>
-              <a:t>Why a Micro ORM?</a:t>
-            </a:r>
-          </a:p>
-          <a:p>
-            <a:r>
-              <a:rPr lang="en-US" dirty="0" smtClean="0"/>
-              <a:t>Performance</a:t>
-            </a:r>
-          </a:p>
-          <a:p>
-            <a:r>
-              <a:rPr lang="en-US" dirty="0" smtClean="0"/>
-              <a:t>How it Works</a:t>
-            </a:r>
-          </a:p>
-          <a:p>
-            <a:r>
-              <a:rPr lang="en-US" dirty="0" smtClean="0"/>
-              <a:t>9 Feature Demos</a:t>
-            </a:r>
-          </a:p>
-          <a:p>
-            <a:r>
-              <a:rPr lang="en-US" dirty="0" smtClean="0"/>
-              <a:t>Dapper Extensions</a:t>
-            </a:r>
-          </a:p>
-          <a:p>
-            <a:r>
-              <a:rPr lang="en-US" dirty="0" smtClean="0"/>
-              <a:t>6 Extension Demos</a:t>
-            </a:r>
-          </a:p>
-          <a:p>
-            <a:r>
-              <a:rPr lang="en-US" dirty="0" smtClean="0"/>
-              <a:t>Other Micro ORMs</a:t>
-            </a:r>
-          </a:p>
-          <a:p>
-            <a:endParaRPr lang="en-US" dirty="0"/>
-          </a:p>
-          <a:p>
-            <a:pPr marL="0" indent="0">
-              <a:buNone/>
-            </a:pPr>
-            <a:r>
-              <a:rPr lang="en-US" dirty="0" smtClean="0"/>
-              <a:t>Code and slides </a:t>
-            </a:r>
-            <a:r>
-              <a:rPr lang="en-US" dirty="0"/>
-              <a:t>at </a:t>
-            </a:r>
-            <a:r>
-              <a:rPr lang="en-US" dirty="0">
-                <a:hlinkClick r:id="rId2"/>
-              </a:rPr>
-              <a:t>https://github.com/jonathantower/dapper</a:t>
+              <a:rPr lang="it-IT" dirty="0" smtClean="0"/>
+              <a:t>FluentData</a:t>
+            </a:r>
+          </a:p>
+          <a:p>
+            <a:r>
+              <a:rPr lang="it-IT" dirty="0" smtClean="0"/>
+              <a:t>OrmLite</a:t>
+            </a:r>
+          </a:p>
+          <a:p>
+            <a:r>
+              <a:rPr lang="it-IT" dirty="0" smtClean="0"/>
+              <a:t>Massive</a:t>
+            </a:r>
+          </a:p>
+          <a:p>
+            <a:r>
+              <a:rPr lang="it-IT" dirty="0" smtClean="0"/>
+              <a:t>PetaPoco</a:t>
+            </a:r>
+          </a:p>
+          <a:p>
+            <a:r>
+              <a:rPr lang="it-IT" dirty="0" smtClean="0"/>
+              <a:t>Simple.Data</a:t>
+            </a:r>
+          </a:p>
+          <a:p>
+            <a:r>
+              <a:rPr lang="it-IT" dirty="0" smtClean="0"/>
+              <a:t>NPoco</a:t>
+            </a:r>
+          </a:p>
+          <a:p>
+            <a:r>
+              <a:rPr lang="it-IT" dirty="0" smtClean="0"/>
+              <a:t>Nemo</a:t>
             </a:r>
             <a:endParaRPr lang="en-US" dirty="0"/>
           </a:p>
@@ -14342,7 +15456,7 @@
     </p:spTree>
     <p:extLst>
       <p:ext uri="{BB962C8B-B14F-4D97-AF65-F5344CB8AC3E}">
-        <p14:creationId xmlns:p14="http://schemas.microsoft.com/office/powerpoint/2010/main" val="3027418191"/>
+        <p14:creationId xmlns:p14="http://schemas.microsoft.com/office/powerpoint/2010/main" val="1379309910"/>
       </p:ext>
     </p:extLst>
   </p:cSld>
@@ -14386,6 +15500,165 @@
           <a:p>
             <a:r>
               <a:rPr lang="en-US" dirty="0" smtClean="0"/>
+              <a:t>Recap</a:t>
+            </a:r>
+            <a:endParaRPr lang="en-US" dirty="0"/>
+          </a:p>
+        </p:txBody>
+      </p:sp>
+      <p:sp>
+        <p:nvSpPr>
+          <p:cNvPr id="3" name="Content Placeholder 2"/>
+          <p:cNvSpPr>
+            <a:spLocks noGrp="1"/>
+          </p:cNvSpPr>
+          <p:nvPr>
+            <p:ph idx="1"/>
+          </p:nvPr>
+        </p:nvSpPr>
+        <p:spPr>
+          <a:xfrm>
+            <a:off x="1103312" y="1488832"/>
+            <a:ext cx="8946541" cy="4759568"/>
+          </a:xfrm>
+        </p:spPr>
+        <p:txBody>
+          <a:bodyPr>
+            <a:normAutofit fontScale="92500" lnSpcReduction="10000"/>
+          </a:bodyPr>
+          <a:lstStyle/>
+          <a:p>
+            <a:r>
+              <a:rPr lang="en-US" dirty="0" smtClean="0"/>
+              <a:t>What is Dapper?</a:t>
+            </a:r>
+          </a:p>
+          <a:p>
+            <a:r>
+              <a:rPr lang="en-US" dirty="0" smtClean="0"/>
+              <a:t>What is an ORM, Again?</a:t>
+            </a:r>
+          </a:p>
+          <a:p>
+            <a:r>
+              <a:rPr lang="en-US" dirty="0" smtClean="0"/>
+              <a:t>History</a:t>
+            </a:r>
+          </a:p>
+          <a:p>
+            <a:r>
+              <a:rPr lang="en-US" dirty="0" smtClean="0"/>
+              <a:t>Why a Micro ORM?</a:t>
+            </a:r>
+          </a:p>
+          <a:p>
+            <a:r>
+              <a:rPr lang="en-US" dirty="0" smtClean="0"/>
+              <a:t>Performance</a:t>
+            </a:r>
+          </a:p>
+          <a:p>
+            <a:r>
+              <a:rPr lang="en-US" dirty="0" smtClean="0"/>
+              <a:t>How it Works</a:t>
+            </a:r>
+          </a:p>
+          <a:p>
+            <a:r>
+              <a:rPr lang="en-US" dirty="0" smtClean="0"/>
+              <a:t>9 Feature Demos</a:t>
+            </a:r>
+          </a:p>
+          <a:p>
+            <a:r>
+              <a:rPr lang="en-US" dirty="0" smtClean="0"/>
+              <a:t>Dapper Extensions</a:t>
+            </a:r>
+          </a:p>
+          <a:p>
+            <a:r>
+              <a:rPr lang="en-US" dirty="0" smtClean="0"/>
+              <a:t>6 Extension Demos</a:t>
+            </a:r>
+          </a:p>
+          <a:p>
+            <a:r>
+              <a:rPr lang="en-US" dirty="0" smtClean="0"/>
+              <a:t>Other Micro ORMs</a:t>
+            </a:r>
+          </a:p>
+          <a:p>
+            <a:endParaRPr lang="en-US" dirty="0"/>
+          </a:p>
+          <a:p>
+            <a:pPr marL="0" indent="0">
+              <a:buNone/>
+            </a:pPr>
+            <a:r>
+              <a:rPr lang="en-US" dirty="0" smtClean="0"/>
+              <a:t>Code and slides </a:t>
+            </a:r>
+            <a:r>
+              <a:rPr lang="en-US" dirty="0"/>
+              <a:t>at </a:t>
+            </a:r>
+            <a:r>
+              <a:rPr lang="en-US" dirty="0">
+                <a:hlinkClick r:id="rId2"/>
+              </a:rPr>
+              <a:t>https://github.com/jonathantower/dapper</a:t>
+            </a:r>
+            <a:endParaRPr lang="en-US" dirty="0"/>
+          </a:p>
+        </p:txBody>
+      </p:sp>
+    </p:spTree>
+    <p:extLst>
+      <p:ext uri="{BB962C8B-B14F-4D97-AF65-F5344CB8AC3E}">
+        <p14:creationId xmlns:p14="http://schemas.microsoft.com/office/powerpoint/2010/main" val="3027418191"/>
+      </p:ext>
+    </p:extLst>
+  </p:cSld>
+  <p:clrMapOvr>
+    <a:masterClrMapping/>
+  </p:clrMapOvr>
+</p:sld>
+</file>
+
+<file path=ppt/slides/slide27.xml><?xml version="1.0" encoding="utf-8"?>
+<p:sld xmlns:a="http://schemas.openxmlformats.org/drawingml/2006/main" xmlns:r="http://schemas.openxmlformats.org/officeDocument/2006/relationships" xmlns:p="http://schemas.openxmlformats.org/presentationml/2006/main">
+  <p:cSld>
+    <p:spTree>
+      <p:nvGrpSpPr>
+        <p:cNvPr id="1" name=""/>
+        <p:cNvGrpSpPr/>
+        <p:nvPr/>
+      </p:nvGrpSpPr>
+      <p:grpSpPr>
+        <a:xfrm>
+          <a:off x="0" y="0"/>
+          <a:ext cx="0" cy="0"/>
+          <a:chOff x="0" y="0"/>
+          <a:chExt cx="0" cy="0"/>
+        </a:xfrm>
+      </p:grpSpPr>
+      <p:sp>
+        <p:nvSpPr>
+          <p:cNvPr id="2" name="Title 1"/>
+          <p:cNvSpPr>
+            <a:spLocks noGrp="1"/>
+          </p:cNvSpPr>
+          <p:nvPr>
+            <p:ph type="title"/>
+          </p:nvPr>
+        </p:nvSpPr>
+        <p:spPr/>
+        <p:txBody>
+          <a:bodyPr/>
+          <a:lstStyle/>
+          <a:p>
+            <a:r>
+              <a:rPr lang="en-US" dirty="0" smtClean="0"/>
               <a:t>Thanks! Questions?</a:t>
             </a:r>
             <a:endParaRPr lang="en-US" dirty="0"/>
@@ -14578,7 +15851,7 @@
 </p:sld>
 </file>
 
-<file path=ppt/slides/slide27.xml><?xml version="1.0" encoding="utf-8"?>
+<file path=ppt/slides/slide28.xml><?xml version="1.0" encoding="utf-8"?>
 <p:sld xmlns:a="http://schemas.openxmlformats.org/drawingml/2006/main" xmlns:r="http://schemas.openxmlformats.org/officeDocument/2006/relationships" xmlns:p="http://schemas.openxmlformats.org/presentationml/2006/main">
   <p:cSld>
     <p:spTree>
@@ -14778,7 +16051,7 @@
 </p:sld>
 </file>
 
-<file path=ppt/slides/slide28.xml><?xml version="1.0" encoding="utf-8"?>
+<file path=ppt/slides/slide29.xml><?xml version="1.0" encoding="utf-8"?>
 <p:sld xmlns:a="http://schemas.openxmlformats.org/drawingml/2006/main" xmlns:r="http://schemas.openxmlformats.org/officeDocument/2006/relationships" xmlns:p="http://schemas.openxmlformats.org/presentationml/2006/main">
   <p:cSld>
     <p:spTree>
@@ -17146,4 +18419,265 @@
     </a:ext>
   </a:extLst>
 </a:theme>
+</file>
+
+<file path=ppt/theme/theme4.xml><?xml version="1.0" encoding="utf-8"?>
+<a:theme xmlns:a="http://schemas.openxmlformats.org/drawingml/2006/main" name="Office Theme">
+  <a:themeElements>
+    <a:clrScheme name="Office">
+      <a:dk1>
+        <a:sysClr val="windowText" lastClr="000000"/>
+      </a:dk1>
+      <a:lt1>
+        <a:sysClr val="window" lastClr="FFFFFF"/>
+      </a:lt1>
+      <a:dk2>
+        <a:srgbClr val="44546A"/>
+      </a:dk2>
+      <a:lt2>
+        <a:srgbClr val="E7E6E6"/>
+      </a:lt2>
+      <a:accent1>
+        <a:srgbClr val="5B9BD5"/>
+      </a:accent1>
+      <a:accent2>
+        <a:srgbClr val="ED7D31"/>
+      </a:accent2>
+      <a:accent3>
+        <a:srgbClr val="A5A5A5"/>
+      </a:accent3>
+      <a:accent4>
+        <a:srgbClr val="FFC000"/>
+      </a:accent4>
+      <a:accent5>
+        <a:srgbClr val="4472C4"/>
+      </a:accent5>
+      <a:accent6>
+        <a:srgbClr val="70AD47"/>
+      </a:accent6>
+      <a:hlink>
+        <a:srgbClr val="0563C1"/>
+      </a:hlink>
+      <a:folHlink>
+        <a:srgbClr val="954F72"/>
+      </a:folHlink>
+    </a:clrScheme>
+    <a:fontScheme name="Office">
+      <a:majorFont>
+        <a:latin typeface="Calibri Light" panose="020F0302020204030204"/>
+        <a:ea typeface=""/>
+        <a:cs typeface=""/>
+        <a:font script="Jpan" typeface="游ゴシック Light"/>
+        <a:font script="Hang" typeface="맑은 고딕"/>
+        <a:font script="Hans" typeface="等线 Light"/>
+        <a:font script="Hant" typeface="新細明體"/>
+        <a:font script="Arab" typeface="Times New Roman"/>
+        <a:font script="Hebr" typeface="Times New Roman"/>
+        <a:font script="Thai" typeface="Angsana New"/>
+        <a:font script="Ethi" typeface="Nyala"/>
+        <a:font script="Beng" typeface="Vrinda"/>
+        <a:font script="Gujr" typeface="Shruti"/>
+        <a:font script="Khmr" typeface="MoolBoran"/>
+        <a:font script="Knda" typeface="Tunga"/>
+        <a:font script="Guru" typeface="Raavi"/>
+        <a:font script="Cans" typeface="Euphemia"/>
+        <a:font script="Cher" typeface="Plantagenet Cherokee"/>
+        <a:font script="Yiii" typeface="Microsoft Yi Baiti"/>
+        <a:font script="Tibt" typeface="Microsoft Himalaya"/>
+        <a:font script="Thaa" typeface="MV Boli"/>
+        <a:font script="Deva" typeface="Mangal"/>
+        <a:font script="Telu" typeface="Gautami"/>
+        <a:font script="Taml" typeface="Latha"/>
+        <a:font script="Syrc" typeface="Estrangelo Edessa"/>
+        <a:font script="Orya" typeface="Kalinga"/>
+        <a:font script="Mlym" typeface="Kartika"/>
+        <a:font script="Laoo" typeface="DokChampa"/>
+        <a:font script="Sinh" typeface="Iskoola Pota"/>
+        <a:font script="Mong" typeface="Mongolian Baiti"/>
+        <a:font script="Viet" typeface="Times New Roman"/>
+        <a:font script="Uigh" typeface="Microsoft Uighur"/>
+        <a:font script="Geor" typeface="Sylfaen"/>
+      </a:majorFont>
+      <a:minorFont>
+        <a:latin typeface="Calibri" panose="020F0502020204030204"/>
+        <a:ea typeface=""/>
+        <a:cs typeface=""/>
+        <a:font script="Jpan" typeface="游ゴシック"/>
+        <a:font script="Hang" typeface="맑은 고딕"/>
+        <a:font script="Hans" typeface="等线"/>
+        <a:font script="Hant" typeface="新細明體"/>
+        <a:font script="Arab" typeface="Arial"/>
+        <a:font script="Hebr" typeface="Arial"/>
+        <a:font script="Thai" typeface="Cordia New"/>
+        <a:font script="Ethi" typeface="Nyala"/>
+        <a:font script="Beng" typeface="Vrinda"/>
+        <a:font script="Gujr" typeface="Shruti"/>
+        <a:font script="Khmr" typeface="DaunPenh"/>
+        <a:font script="Knda" typeface="Tunga"/>
+        <a:font script="Guru" typeface="Raavi"/>
+        <a:font script="Cans" typeface="Euphemia"/>
+        <a:font script="Cher" typeface="Plantagenet Cherokee"/>
+        <a:font script="Yiii" typeface="Microsoft Yi Baiti"/>
+        <a:font script="Tibt" typeface="Microsoft Himalaya"/>
+        <a:font script="Thaa" typeface="MV Boli"/>
+        <a:font script="Deva" typeface="Mangal"/>
+        <a:font script="Telu" typeface="Gautami"/>
+        <a:font script="Taml" typeface="Latha"/>
+        <a:font script="Syrc" typeface="Estrangelo Edessa"/>
+        <a:font script="Orya" typeface="Kalinga"/>
+        <a:font script="Mlym" typeface="Kartika"/>
+        <a:font script="Laoo" typeface="DokChampa"/>
+        <a:font script="Sinh" typeface="Iskoola Pota"/>
+        <a:font script="Mong" typeface="Mongolian Baiti"/>
+        <a:font script="Viet" typeface="Arial"/>
+        <a:font script="Uigh" typeface="Microsoft Uighur"/>
+        <a:font script="Geor" typeface="Sylfaen"/>
+      </a:minorFont>
+    </a:fontScheme>
+    <a:fmtScheme name="Office">
+      <a:fillStyleLst>
+        <a:solidFill>
+          <a:schemeClr val="phClr"/>
+        </a:solidFill>
+        <a:gradFill rotWithShape="1">
+          <a:gsLst>
+            <a:gs pos="0">
+              <a:schemeClr val="phClr">
+                <a:lumMod val="110000"/>
+                <a:satMod val="105000"/>
+                <a:tint val="67000"/>
+              </a:schemeClr>
+            </a:gs>
+            <a:gs pos="50000">
+              <a:schemeClr val="phClr">
+                <a:lumMod val="105000"/>
+                <a:satMod val="103000"/>
+                <a:tint val="73000"/>
+              </a:schemeClr>
+            </a:gs>
+            <a:gs pos="100000">
+              <a:schemeClr val="phClr">
+                <a:lumMod val="105000"/>
+                <a:satMod val="109000"/>
+                <a:tint val="81000"/>
+              </a:schemeClr>
+            </a:gs>
+          </a:gsLst>
+          <a:lin ang="5400000" scaled="0"/>
+        </a:gradFill>
+        <a:gradFill rotWithShape="1">
+          <a:gsLst>
+            <a:gs pos="0">
+              <a:schemeClr val="phClr">
+                <a:satMod val="103000"/>
+                <a:lumMod val="102000"/>
+                <a:tint val="94000"/>
+              </a:schemeClr>
+            </a:gs>
+            <a:gs pos="50000">
+              <a:schemeClr val="phClr">
+                <a:satMod val="110000"/>
+                <a:lumMod val="100000"/>
+                <a:shade val="100000"/>
+              </a:schemeClr>
+            </a:gs>
+            <a:gs pos="100000">
+              <a:schemeClr val="phClr">
+                <a:lumMod val="99000"/>
+                <a:satMod val="120000"/>
+                <a:shade val="78000"/>
+              </a:schemeClr>
+            </a:gs>
+          </a:gsLst>
+          <a:lin ang="5400000" scaled="0"/>
+        </a:gradFill>
+      </a:fillStyleLst>
+      <a:lnStyleLst>
+        <a:ln w="6350" cap="flat" cmpd="sng" algn="ctr">
+          <a:solidFill>
+            <a:schemeClr val="phClr"/>
+          </a:solidFill>
+          <a:prstDash val="solid"/>
+          <a:miter lim="800000"/>
+        </a:ln>
+        <a:ln w="12700" cap="flat" cmpd="sng" algn="ctr">
+          <a:solidFill>
+            <a:schemeClr val="phClr"/>
+          </a:solidFill>
+          <a:prstDash val="solid"/>
+          <a:miter lim="800000"/>
+        </a:ln>
+        <a:ln w="19050" cap="flat" cmpd="sng" algn="ctr">
+          <a:solidFill>
+            <a:schemeClr val="phClr"/>
+          </a:solidFill>
+          <a:prstDash val="solid"/>
+          <a:miter lim="800000"/>
+        </a:ln>
+      </a:lnStyleLst>
+      <a:effectStyleLst>
+        <a:effectStyle>
+          <a:effectLst/>
+        </a:effectStyle>
+        <a:effectStyle>
+          <a:effectLst/>
+        </a:effectStyle>
+        <a:effectStyle>
+          <a:effectLst>
+            <a:outerShdw blurRad="57150" dist="19050" dir="5400000" algn="ctr" rotWithShape="0">
+              <a:srgbClr val="000000">
+                <a:alpha val="63000"/>
+              </a:srgbClr>
+            </a:outerShdw>
+          </a:effectLst>
+        </a:effectStyle>
+      </a:effectStyleLst>
+      <a:bgFillStyleLst>
+        <a:solidFill>
+          <a:schemeClr val="phClr"/>
+        </a:solidFill>
+        <a:solidFill>
+          <a:schemeClr val="phClr">
+            <a:tint val="95000"/>
+            <a:satMod val="170000"/>
+          </a:schemeClr>
+        </a:solidFill>
+        <a:gradFill rotWithShape="1">
+          <a:gsLst>
+            <a:gs pos="0">
+              <a:schemeClr val="phClr">
+                <a:tint val="93000"/>
+                <a:satMod val="150000"/>
+                <a:shade val="98000"/>
+                <a:lumMod val="102000"/>
+              </a:schemeClr>
+            </a:gs>
+            <a:gs pos="50000">
+              <a:schemeClr val="phClr">
+                <a:tint val="98000"/>
+                <a:satMod val="130000"/>
+                <a:shade val="90000"/>
+                <a:lumMod val="103000"/>
+              </a:schemeClr>
+            </a:gs>
+            <a:gs pos="100000">
+              <a:schemeClr val="phClr">
+                <a:shade val="63000"/>
+                <a:satMod val="120000"/>
+              </a:schemeClr>
+            </a:gs>
+          </a:gsLst>
+          <a:lin ang="5400000" scaled="0"/>
+        </a:gradFill>
+      </a:bgFillStyleLst>
+    </a:fmtScheme>
+  </a:themeElements>
+  <a:objectDefaults/>
+  <a:extraClrSchemeLst/>
+  <a:extLst>
+    <a:ext uri="{05A4C25C-085E-4340-85A3-A5531E510DB2}">
+      <thm15:themeFamily xmlns:thm15="http://schemas.microsoft.com/office/thememl/2012/main" name="Office Theme" id="{62F939B6-93AF-4DB8-9C6B-D6C7DFDC589F}" vid="{4A3C46E8-61CC-4603-A589-7422A47A8E4A}"/>
+    </a:ext>
+  </a:extLst>
+</a:theme>
 </file>
--- a/Dapper.pptx
+++ b/Dapper.pptx
@@ -6,41 +6,39 @@
     <p:sldMasterId id="2147483648" r:id="rId2"/>
   </p:sldMasterIdLst>
   <p:notesMasterIdLst>
-    <p:notesMasterId r:id="rId32"/>
+    <p:notesMasterId r:id="rId30"/>
   </p:notesMasterIdLst>
   <p:handoutMasterIdLst>
-    <p:handoutMasterId r:id="rId33"/>
+    <p:handoutMasterId r:id="rId31"/>
   </p:handoutMasterIdLst>
   <p:sldIdLst>
     <p:sldId id="256" r:id="rId3"/>
     <p:sldId id="269" r:id="rId4"/>
     <p:sldId id="289" r:id="rId5"/>
-    <p:sldId id="287" r:id="rId6"/>
-    <p:sldId id="274" r:id="rId7"/>
-    <p:sldId id="272" r:id="rId8"/>
-    <p:sldId id="273" r:id="rId9"/>
+    <p:sldId id="274" r:id="rId6"/>
+    <p:sldId id="272" r:id="rId7"/>
+    <p:sldId id="273" r:id="rId8"/>
+    <p:sldId id="285" r:id="rId9"/>
     <p:sldId id="257" r:id="rId10"/>
-    <p:sldId id="285" r:id="rId11"/>
-    <p:sldId id="266" r:id="rId12"/>
-    <p:sldId id="258" r:id="rId13"/>
-    <p:sldId id="261" r:id="rId14"/>
-    <p:sldId id="260" r:id="rId15"/>
-    <p:sldId id="290" r:id="rId16"/>
-    <p:sldId id="259" r:id="rId17"/>
-    <p:sldId id="263" r:id="rId18"/>
-    <p:sldId id="267" r:id="rId19"/>
-    <p:sldId id="268" r:id="rId20"/>
-    <p:sldId id="279" r:id="rId21"/>
-    <p:sldId id="280" r:id="rId22"/>
-    <p:sldId id="278" r:id="rId23"/>
-    <p:sldId id="281" r:id="rId24"/>
-    <p:sldId id="282" r:id="rId25"/>
-    <p:sldId id="277" r:id="rId26"/>
-    <p:sldId id="283" r:id="rId27"/>
-    <p:sldId id="286" r:id="rId28"/>
-    <p:sldId id="284" r:id="rId29"/>
-    <p:sldId id="288" r:id="rId30"/>
-    <p:sldId id="275" r:id="rId31"/>
+    <p:sldId id="266" r:id="rId11"/>
+    <p:sldId id="258" r:id="rId12"/>
+    <p:sldId id="261" r:id="rId13"/>
+    <p:sldId id="260" r:id="rId14"/>
+    <p:sldId id="290" r:id="rId15"/>
+    <p:sldId id="259" r:id="rId16"/>
+    <p:sldId id="263" r:id="rId17"/>
+    <p:sldId id="267" r:id="rId18"/>
+    <p:sldId id="268" r:id="rId19"/>
+    <p:sldId id="279" r:id="rId20"/>
+    <p:sldId id="280" r:id="rId21"/>
+    <p:sldId id="278" r:id="rId22"/>
+    <p:sldId id="281" r:id="rId23"/>
+    <p:sldId id="282" r:id="rId24"/>
+    <p:sldId id="277" r:id="rId25"/>
+    <p:sldId id="283" r:id="rId26"/>
+    <p:sldId id="286" r:id="rId27"/>
+    <p:sldId id="284" r:id="rId28"/>
+    <p:sldId id="275" r:id="rId29"/>
   </p:sldIdLst>
   <p:sldSz cx="12192000" cy="6858000"/>
   <p:notesSz cx="6858000" cy="9144000"/>
@@ -184,18 +182,17 @@
               </a:defRPr>
             </a:pPr>
             <a:r>
-              <a:rPr lang="en-US" dirty="0" smtClean="0"/>
+              <a:rPr lang="en-US" dirty="0"/>
               <a:t>Duration (</a:t>
             </a:r>
             <a:r>
-              <a:rPr lang="en-US" dirty="0" err="1" smtClean="0"/>
+              <a:rPr lang="en-US" dirty="0" err="1"/>
               <a:t>ms</a:t>
             </a:r>
             <a:r>
-              <a:rPr lang="en-US" dirty="0" smtClean="0"/>
+              <a:rPr lang="en-US" dirty="0"/>
               <a:t>)</a:t>
             </a:r>
-            <a:endParaRPr lang="en-US" dirty="0"/>
           </a:p>
         </c:rich>
       </c:tx>
@@ -1263,7 +1260,7 @@
           <a:p>
             <a:fld id="{4CA4494A-DB8B-44E5-8660-E6DD714E8D06}" type="datetimeFigureOut">
               <a:rPr lang="en-US" smtClean="0"/>
-              <a:t>2/17/2016</a:t>
+              <a:t>4/13/2016</a:t>
             </a:fld>
             <a:endParaRPr lang="en-US"/>
           </a:p>
@@ -1428,7 +1425,7 @@
           <a:p>
             <a:fld id="{495387CA-2C03-48B6-9DDE-A78390D24756}" type="datetimeFigureOut">
               <a:rPr lang="en-US" smtClean="0"/>
-              <a:t>2/17/2016</a:t>
+              <a:t>4/13/2016</a:t>
             </a:fld>
             <a:endParaRPr lang="en-US"/>
           </a:p>
@@ -1492,38 +1489,37 @@
           <a:p>
             <a:pPr lvl="0"/>
             <a:r>
-              <a:rPr lang="en-US" smtClean="0"/>
+              <a:rPr lang="en-US"/>
               <a:t>Edit Master text styles</a:t>
             </a:r>
           </a:p>
           <a:p>
             <a:pPr lvl="1"/>
             <a:r>
-              <a:rPr lang="en-US" smtClean="0"/>
+              <a:rPr lang="en-US"/>
               <a:t>Second level</a:t>
             </a:r>
           </a:p>
           <a:p>
             <a:pPr lvl="2"/>
             <a:r>
-              <a:rPr lang="en-US" smtClean="0"/>
+              <a:rPr lang="en-US"/>
               <a:t>Third level</a:t>
             </a:r>
           </a:p>
           <a:p>
             <a:pPr lvl="3"/>
             <a:r>
-              <a:rPr lang="en-US" smtClean="0"/>
+              <a:rPr lang="en-US"/>
               <a:t>Fourth level</a:t>
             </a:r>
           </a:p>
           <a:p>
             <a:pPr lvl="4"/>
             <a:r>
-              <a:rPr lang="en-US" smtClean="0"/>
+              <a:rPr lang="en-US"/>
               <a:t>Fifth level</a:t>
             </a:r>
-            <a:endParaRPr lang="en-US"/>
           </a:p>
         </p:txBody>
       </p:sp>
@@ -1738,10 +1734,9 @@
           </a:lstStyle>
           <a:p>
             <a:r>
-              <a:rPr lang="en-US" smtClean="0"/>
+              <a:rPr lang="en-US"/>
               <a:t>Click to edit Master title style</a:t>
             </a:r>
-            <a:endParaRPr lang="en-US"/>
           </a:p>
         </p:txBody>
       </p:sp>
@@ -1803,10 +1798,9 @@
           </a:lstStyle>
           <a:p>
             <a:r>
-              <a:rPr lang="en-US" smtClean="0"/>
+              <a:rPr lang="en-US"/>
               <a:t>Click to edit Master subtitle style</a:t>
             </a:r>
-            <a:endParaRPr lang="en-US"/>
           </a:p>
         </p:txBody>
       </p:sp>
@@ -1827,7 +1821,7 @@
           <a:p>
             <a:fld id="{C4314155-5D83-4D56-8D28-5EC7E1D25712}" type="datetimeFigureOut">
               <a:rPr lang="en-US" smtClean="0"/>
-              <a:t>2/17/2016</a:t>
+              <a:t>4/13/2016</a:t>
             </a:fld>
             <a:endParaRPr lang="en-US"/>
           </a:p>
@@ -1921,10 +1915,9 @@
           <a:lstStyle/>
           <a:p>
             <a:r>
-              <a:rPr lang="en-US" smtClean="0"/>
+              <a:rPr lang="en-US"/>
               <a:t>Click to edit Master title style</a:t>
             </a:r>
-            <a:endParaRPr lang="en-US"/>
           </a:p>
         </p:txBody>
       </p:sp>
@@ -1945,38 +1938,37 @@
           <a:p>
             <a:pPr lvl="0"/>
             <a:r>
-              <a:rPr lang="en-US" smtClean="0"/>
+              <a:rPr lang="en-US"/>
               <a:t>Edit Master text styles</a:t>
             </a:r>
           </a:p>
           <a:p>
             <a:pPr lvl="1"/>
             <a:r>
-              <a:rPr lang="en-US" smtClean="0"/>
+              <a:rPr lang="en-US"/>
               <a:t>Second level</a:t>
             </a:r>
           </a:p>
           <a:p>
             <a:pPr lvl="2"/>
             <a:r>
-              <a:rPr lang="en-US" smtClean="0"/>
+              <a:rPr lang="en-US"/>
               <a:t>Third level</a:t>
             </a:r>
           </a:p>
           <a:p>
             <a:pPr lvl="3"/>
             <a:r>
-              <a:rPr lang="en-US" smtClean="0"/>
+              <a:rPr lang="en-US"/>
               <a:t>Fourth level</a:t>
             </a:r>
           </a:p>
           <a:p>
             <a:pPr lvl="4"/>
             <a:r>
-              <a:rPr lang="en-US" smtClean="0"/>
+              <a:rPr lang="en-US"/>
               <a:t>Fifth level</a:t>
             </a:r>
-            <a:endParaRPr lang="en-US"/>
           </a:p>
         </p:txBody>
       </p:sp>
@@ -1997,7 +1989,7 @@
           <a:p>
             <a:fld id="{C4314155-5D83-4D56-8D28-5EC7E1D25712}" type="datetimeFigureOut">
               <a:rPr lang="en-US" smtClean="0"/>
-              <a:t>2/17/2016</a:t>
+              <a:t>4/13/2016</a:t>
             </a:fld>
             <a:endParaRPr lang="en-US"/>
           </a:p>
@@ -2096,10 +2088,9 @@
           <a:lstStyle/>
           <a:p>
             <a:r>
-              <a:rPr lang="en-US" smtClean="0"/>
+              <a:rPr lang="en-US"/>
               <a:t>Click to edit Master title style</a:t>
             </a:r>
-            <a:endParaRPr lang="en-US"/>
           </a:p>
         </p:txBody>
       </p:sp>
@@ -2125,38 +2116,37 @@
           <a:p>
             <a:pPr lvl="0"/>
             <a:r>
-              <a:rPr lang="en-US" smtClean="0"/>
+              <a:rPr lang="en-US"/>
               <a:t>Edit Master text styles</a:t>
             </a:r>
           </a:p>
           <a:p>
             <a:pPr lvl="1"/>
             <a:r>
-              <a:rPr lang="en-US" smtClean="0"/>
+              <a:rPr lang="en-US"/>
               <a:t>Second level</a:t>
             </a:r>
           </a:p>
           <a:p>
             <a:pPr lvl="2"/>
             <a:r>
-              <a:rPr lang="en-US" smtClean="0"/>
+              <a:rPr lang="en-US"/>
               <a:t>Third level</a:t>
             </a:r>
           </a:p>
           <a:p>
             <a:pPr lvl="3"/>
             <a:r>
-              <a:rPr lang="en-US" smtClean="0"/>
+              <a:rPr lang="en-US"/>
               <a:t>Fourth level</a:t>
             </a:r>
           </a:p>
           <a:p>
             <a:pPr lvl="4"/>
             <a:r>
-              <a:rPr lang="en-US" smtClean="0"/>
+              <a:rPr lang="en-US"/>
               <a:t>Fifth level</a:t>
             </a:r>
-            <a:endParaRPr lang="en-US"/>
           </a:p>
         </p:txBody>
       </p:sp>
@@ -2177,7 +2167,7 @@
           <a:p>
             <a:fld id="{C4314155-5D83-4D56-8D28-5EC7E1D25712}" type="datetimeFigureOut">
               <a:rPr lang="en-US" smtClean="0"/>
-              <a:t>2/17/2016</a:t>
+              <a:t>4/13/2016</a:t>
             </a:fld>
             <a:endParaRPr lang="en-US"/>
           </a:p>
@@ -2280,7 +2270,7 @@
           </a:lstStyle>
           <a:p>
             <a:r>
-              <a:rPr lang="en-US" smtClean="0"/>
+              <a:rPr lang="en-US"/>
               <a:t>Click to edit Master title style</a:t>
             </a:r>
             <a:endParaRPr lang="en-US" dirty="0"/>
@@ -2400,7 +2390,7 @@
           </a:lstStyle>
           <a:p>
             <a:r>
-              <a:rPr lang="en-US" smtClean="0"/>
+              <a:rPr lang="en-US"/>
               <a:t>Click to edit Master subtitle style</a:t>
             </a:r>
             <a:endParaRPr lang="en-US" dirty="0"/>
@@ -2424,7 +2414,7 @@
           <a:p>
             <a:fld id="{4AAD347D-5ACD-4C99-B74B-A9C85AD731AF}" type="datetimeFigureOut">
               <a:rPr lang="en-US" dirty="0"/>
-              <a:t>2/17/2016</a:t>
+              <a:t>4/13/2016</a:t>
             </a:fld>
             <a:endParaRPr lang="en-US" dirty="0"/>
           </a:p>
@@ -2513,7 +2503,7 @@
           <a:lstStyle/>
           <a:p>
             <a:r>
-              <a:rPr lang="en-US" smtClean="0"/>
+              <a:rPr lang="en-US"/>
               <a:t>Click to edit Master title style</a:t>
             </a:r>
             <a:endParaRPr lang="en-US" dirty="0"/>
@@ -2537,35 +2527,35 @@
           <a:p>
             <a:pPr lvl="0"/>
             <a:r>
-              <a:rPr lang="en-US" smtClean="0"/>
+              <a:rPr lang="en-US"/>
               <a:t>Edit Master text styles</a:t>
             </a:r>
           </a:p>
           <a:p>
             <a:pPr lvl="1"/>
             <a:r>
-              <a:rPr lang="en-US" smtClean="0"/>
+              <a:rPr lang="en-US"/>
               <a:t>Second level</a:t>
             </a:r>
           </a:p>
           <a:p>
             <a:pPr lvl="2"/>
             <a:r>
-              <a:rPr lang="en-US" smtClean="0"/>
+              <a:rPr lang="en-US"/>
               <a:t>Third level</a:t>
             </a:r>
           </a:p>
           <a:p>
             <a:pPr lvl="3"/>
             <a:r>
-              <a:rPr lang="en-US" smtClean="0"/>
+              <a:rPr lang="en-US"/>
               <a:t>Fourth level</a:t>
             </a:r>
           </a:p>
           <a:p>
             <a:pPr lvl="4"/>
             <a:r>
-              <a:rPr lang="en-US" smtClean="0"/>
+              <a:rPr lang="en-US"/>
               <a:t>Fifth level</a:t>
             </a:r>
             <a:endParaRPr lang="en-US" dirty="0"/>
@@ -2589,7 +2579,7 @@
           <a:p>
             <a:fld id="{4509A250-FF31-4206-8172-F9D3106AACB1}" type="datetimeFigureOut">
               <a:rPr lang="en-US" dirty="0"/>
-              <a:t>2/17/2016</a:t>
+              <a:t>4/13/2016</a:t>
             </a:fld>
             <a:endParaRPr lang="en-US" dirty="0"/>
           </a:p>
@@ -2687,7 +2677,7 @@
           </a:lstStyle>
           <a:p>
             <a:r>
-              <a:rPr lang="en-US" smtClean="0"/>
+              <a:rPr lang="en-US"/>
               <a:t>Click to edit Master title style</a:t>
             </a:r>
             <a:endParaRPr lang="en-US" dirty="0"/>
@@ -2808,7 +2798,7 @@
           <a:p>
             <a:pPr lvl="0"/>
             <a:r>
-              <a:rPr lang="en-US" smtClean="0"/>
+              <a:rPr lang="en-US"/>
               <a:t>Edit Master text styles</a:t>
             </a:r>
           </a:p>
@@ -2831,7 +2821,7 @@
           <a:p>
             <a:fld id="{9796027F-7875-4030-9381-8BD8C4F21935}" type="datetimeFigureOut">
               <a:rPr lang="en-US" dirty="0"/>
-              <a:t>2/17/2016</a:t>
+              <a:t>4/13/2016</a:t>
             </a:fld>
             <a:endParaRPr lang="en-US" dirty="0"/>
           </a:p>
@@ -2920,7 +2910,7 @@
           <a:lstStyle/>
           <a:p>
             <a:r>
-              <a:rPr lang="en-US" smtClean="0"/>
+              <a:rPr lang="en-US"/>
               <a:t>Click to edit Master title style</a:t>
             </a:r>
             <a:endParaRPr lang="en-US" dirty="0"/>
@@ -2979,35 +2969,35 @@
           <a:p>
             <a:pPr lvl="0"/>
             <a:r>
-              <a:rPr lang="en-US" smtClean="0"/>
+              <a:rPr lang="en-US"/>
               <a:t>Edit Master text styles</a:t>
             </a:r>
           </a:p>
           <a:p>
             <a:pPr lvl="1"/>
             <a:r>
-              <a:rPr lang="en-US" smtClean="0"/>
+              <a:rPr lang="en-US"/>
               <a:t>Second level</a:t>
             </a:r>
           </a:p>
           <a:p>
             <a:pPr lvl="2"/>
             <a:r>
-              <a:rPr lang="en-US" smtClean="0"/>
+              <a:rPr lang="en-US"/>
               <a:t>Third level</a:t>
             </a:r>
           </a:p>
           <a:p>
             <a:pPr lvl="3"/>
             <a:r>
-              <a:rPr lang="en-US" smtClean="0"/>
+              <a:rPr lang="en-US"/>
               <a:t>Fourth level</a:t>
             </a:r>
           </a:p>
           <a:p>
             <a:pPr lvl="4"/>
             <a:r>
-              <a:rPr lang="en-US" smtClean="0"/>
+              <a:rPr lang="en-US"/>
               <a:t>Fifth level</a:t>
             </a:r>
             <a:endParaRPr lang="en-US" dirty="0"/>
@@ -3066,35 +3056,35 @@
           <a:p>
             <a:pPr lvl="0"/>
             <a:r>
-              <a:rPr lang="en-US" smtClean="0"/>
+              <a:rPr lang="en-US"/>
               <a:t>Edit Master text styles</a:t>
             </a:r>
           </a:p>
           <a:p>
             <a:pPr lvl="1"/>
             <a:r>
-              <a:rPr lang="en-US" smtClean="0"/>
+              <a:rPr lang="en-US"/>
               <a:t>Second level</a:t>
             </a:r>
           </a:p>
           <a:p>
             <a:pPr lvl="2"/>
             <a:r>
-              <a:rPr lang="en-US" smtClean="0"/>
+              <a:rPr lang="en-US"/>
               <a:t>Third level</a:t>
             </a:r>
           </a:p>
           <a:p>
             <a:pPr lvl="3"/>
             <a:r>
-              <a:rPr lang="en-US" smtClean="0"/>
+              <a:rPr lang="en-US"/>
               <a:t>Fourth level</a:t>
             </a:r>
           </a:p>
           <a:p>
             <a:pPr lvl="4"/>
             <a:r>
-              <a:rPr lang="en-US" smtClean="0"/>
+              <a:rPr lang="en-US"/>
               <a:t>Fifth level</a:t>
             </a:r>
             <a:endParaRPr lang="en-US" dirty="0"/>
@@ -3118,7 +3108,7 @@
           <a:p>
             <a:fld id="{9796027F-7875-4030-9381-8BD8C4F21935}" type="datetimeFigureOut">
               <a:rPr lang="en-US" dirty="0"/>
-              <a:t>2/17/2016</a:t>
+              <a:t>4/13/2016</a:t>
             </a:fld>
             <a:endParaRPr lang="en-US" dirty="0"/>
           </a:p>
@@ -3211,7 +3201,7 @@
           </a:lstStyle>
           <a:p>
             <a:r>
-              <a:rPr lang="en-US" smtClean="0"/>
+              <a:rPr lang="en-US"/>
               <a:t>Click to edit Master title style</a:t>
             </a:r>
             <a:endParaRPr lang="en-US" dirty="0"/>
@@ -3286,7 +3276,7 @@
           <a:p>
             <a:pPr lvl="0"/>
             <a:r>
-              <a:rPr lang="en-US" smtClean="0"/>
+              <a:rPr lang="en-US"/>
               <a:t>Edit Master text styles</a:t>
             </a:r>
           </a:p>
@@ -3344,35 +3334,35 @@
           <a:p>
             <a:pPr lvl="0"/>
             <a:r>
-              <a:rPr lang="en-US" smtClean="0"/>
+              <a:rPr lang="en-US"/>
               <a:t>Edit Master text styles</a:t>
             </a:r>
           </a:p>
           <a:p>
             <a:pPr lvl="1"/>
             <a:r>
-              <a:rPr lang="en-US" smtClean="0"/>
+              <a:rPr lang="en-US"/>
               <a:t>Second level</a:t>
             </a:r>
           </a:p>
           <a:p>
             <a:pPr lvl="2"/>
             <a:r>
-              <a:rPr lang="en-US" smtClean="0"/>
+              <a:rPr lang="en-US"/>
               <a:t>Third level</a:t>
             </a:r>
           </a:p>
           <a:p>
             <a:pPr lvl="3"/>
             <a:r>
-              <a:rPr lang="en-US" smtClean="0"/>
+              <a:rPr lang="en-US"/>
               <a:t>Fourth level</a:t>
             </a:r>
           </a:p>
           <a:p>
             <a:pPr lvl="4"/>
             <a:r>
-              <a:rPr lang="en-US" smtClean="0"/>
+              <a:rPr lang="en-US"/>
               <a:t>Fifth level</a:t>
             </a:r>
             <a:endParaRPr lang="en-US" dirty="0"/>
@@ -3447,7 +3437,7 @@
           <a:p>
             <a:pPr lvl="0"/>
             <a:r>
-              <a:rPr lang="en-US" smtClean="0"/>
+              <a:rPr lang="en-US"/>
               <a:t>Edit Master text styles</a:t>
             </a:r>
           </a:p>
@@ -3505,35 +3495,35 @@
           <a:p>
             <a:pPr lvl="0"/>
             <a:r>
-              <a:rPr lang="en-US" smtClean="0"/>
+              <a:rPr lang="en-US"/>
               <a:t>Edit Master text styles</a:t>
             </a:r>
           </a:p>
           <a:p>
             <a:pPr lvl="1"/>
             <a:r>
-              <a:rPr lang="en-US" smtClean="0"/>
+              <a:rPr lang="en-US"/>
               <a:t>Second level</a:t>
             </a:r>
           </a:p>
           <a:p>
             <a:pPr lvl="2"/>
             <a:r>
-              <a:rPr lang="en-US" smtClean="0"/>
+              <a:rPr lang="en-US"/>
               <a:t>Third level</a:t>
             </a:r>
           </a:p>
           <a:p>
             <a:pPr lvl="3"/>
             <a:r>
-              <a:rPr lang="en-US" smtClean="0"/>
+              <a:rPr lang="en-US"/>
               <a:t>Fourth level</a:t>
             </a:r>
           </a:p>
           <a:p>
             <a:pPr lvl="4"/>
             <a:r>
-              <a:rPr lang="en-US" smtClean="0"/>
+              <a:rPr lang="en-US"/>
               <a:t>Fifth level</a:t>
             </a:r>
             <a:endParaRPr lang="en-US" dirty="0"/>
@@ -3557,7 +3547,7 @@
           <a:p>
             <a:fld id="{9796027F-7875-4030-9381-8BD8C4F21935}" type="datetimeFigureOut">
               <a:rPr lang="en-US" dirty="0"/>
-              <a:t>2/17/2016</a:t>
+              <a:t>4/13/2016</a:t>
             </a:fld>
             <a:endParaRPr lang="en-US" dirty="0"/>
           </a:p>
@@ -3646,7 +3636,7 @@
           <a:lstStyle/>
           <a:p>
             <a:r>
-              <a:rPr lang="en-US" smtClean="0"/>
+              <a:rPr lang="en-US"/>
               <a:t>Click to edit Master title style</a:t>
             </a:r>
             <a:endParaRPr lang="en-US" dirty="0"/>
@@ -3670,7 +3660,7 @@
           <a:p>
             <a:fld id="{4509A250-FF31-4206-8172-F9D3106AACB1}" type="datetimeFigureOut">
               <a:rPr lang="en-US" dirty="0"/>
-              <a:t>2/17/2016</a:t>
+              <a:t>4/13/2016</a:t>
             </a:fld>
             <a:endParaRPr lang="en-US" dirty="0"/>
           </a:p>
@@ -3760,7 +3750,7 @@
           <a:p>
             <a:fld id="{4509A250-FF31-4206-8172-F9D3106AACB1}" type="datetimeFigureOut">
               <a:rPr lang="en-US" dirty="0"/>
-              <a:t>2/17/2016</a:t>
+              <a:t>4/13/2016</a:t>
             </a:fld>
             <a:endParaRPr lang="en-US" dirty="0"/>
           </a:p>
@@ -3858,7 +3848,7 @@
           </a:lstStyle>
           <a:p>
             <a:r>
-              <a:rPr lang="en-US" smtClean="0"/>
+              <a:rPr lang="en-US"/>
               <a:t>Click to edit Master title style</a:t>
             </a:r>
             <a:endParaRPr lang="en-US" dirty="0"/>
@@ -3917,35 +3907,35 @@
           <a:p>
             <a:pPr lvl="0"/>
             <a:r>
-              <a:rPr lang="en-US" smtClean="0"/>
+              <a:rPr lang="en-US"/>
               <a:t>Edit Master text styles</a:t>
             </a:r>
           </a:p>
           <a:p>
             <a:pPr lvl="1"/>
             <a:r>
-              <a:rPr lang="en-US" smtClean="0"/>
+              <a:rPr lang="en-US"/>
               <a:t>Second level</a:t>
             </a:r>
           </a:p>
           <a:p>
             <a:pPr lvl="2"/>
             <a:r>
-              <a:rPr lang="en-US" smtClean="0"/>
+              <a:rPr lang="en-US"/>
               <a:t>Third level</a:t>
             </a:r>
           </a:p>
           <a:p>
             <a:pPr lvl="3"/>
             <a:r>
-              <a:rPr lang="en-US" smtClean="0"/>
+              <a:rPr lang="en-US"/>
               <a:t>Fourth level</a:t>
             </a:r>
           </a:p>
           <a:p>
             <a:pPr lvl="4"/>
             <a:r>
-              <a:rPr lang="en-US" smtClean="0"/>
+              <a:rPr lang="en-US"/>
               <a:t>Fifth level</a:t>
             </a:r>
             <a:endParaRPr lang="en-US" dirty="0"/>
@@ -4011,7 +4001,7 @@
           <a:p>
             <a:pPr lvl="0"/>
             <a:r>
-              <a:rPr lang="en-US" smtClean="0"/>
+              <a:rPr lang="en-US"/>
               <a:t>Edit Master text styles</a:t>
             </a:r>
           </a:p>
@@ -4034,7 +4024,7 @@
           <a:p>
             <a:fld id="{4509A250-FF31-4206-8172-F9D3106AACB1}" type="datetimeFigureOut">
               <a:rPr lang="en-US" dirty="0"/>
-              <a:t>2/17/2016</a:t>
+              <a:t>4/13/2016</a:t>
             </a:fld>
             <a:endParaRPr lang="en-US" dirty="0"/>
           </a:p>
@@ -4123,10 +4113,9 @@
           <a:lstStyle/>
           <a:p>
             <a:r>
-              <a:rPr lang="en-US" smtClean="0"/>
+              <a:rPr lang="en-US"/>
               <a:t>Click to edit Master title style</a:t>
             </a:r>
-            <a:endParaRPr lang="en-US"/>
           </a:p>
         </p:txBody>
       </p:sp>
@@ -4147,38 +4136,37 @@
           <a:p>
             <a:pPr lvl="0"/>
             <a:r>
-              <a:rPr lang="en-US" smtClean="0"/>
+              <a:rPr lang="en-US"/>
               <a:t>Edit Master text styles</a:t>
             </a:r>
           </a:p>
           <a:p>
             <a:pPr lvl="1"/>
             <a:r>
-              <a:rPr lang="en-US" smtClean="0"/>
+              <a:rPr lang="en-US"/>
               <a:t>Second level</a:t>
             </a:r>
           </a:p>
           <a:p>
             <a:pPr lvl="2"/>
             <a:r>
-              <a:rPr lang="en-US" smtClean="0"/>
+              <a:rPr lang="en-US"/>
               <a:t>Third level</a:t>
             </a:r>
           </a:p>
           <a:p>
             <a:pPr lvl="3"/>
             <a:r>
-              <a:rPr lang="en-US" smtClean="0"/>
+              <a:rPr lang="en-US"/>
               <a:t>Fourth level</a:t>
             </a:r>
           </a:p>
           <a:p>
             <a:pPr lvl="4"/>
             <a:r>
-              <a:rPr lang="en-US" smtClean="0"/>
+              <a:rPr lang="en-US"/>
               <a:t>Fifth level</a:t>
             </a:r>
-            <a:endParaRPr lang="en-US"/>
           </a:p>
         </p:txBody>
       </p:sp>
@@ -4199,7 +4187,7 @@
           <a:p>
             <a:fld id="{C4314155-5D83-4D56-8D28-5EC7E1D25712}" type="datetimeFigureOut">
               <a:rPr lang="en-US" smtClean="0"/>
-              <a:t>2/17/2016</a:t>
+              <a:t>4/13/2016</a:t>
             </a:fld>
             <a:endParaRPr lang="en-US"/>
           </a:p>
@@ -4304,7 +4292,7 @@
           </a:lstStyle>
           <a:p>
             <a:r>
-              <a:rPr lang="en-US" smtClean="0"/>
+              <a:rPr lang="en-US"/>
               <a:t>Click to edit Master title style</a:t>
             </a:r>
             <a:endParaRPr lang="en-US" dirty="0"/>
@@ -4383,7 +4371,7 @@
           </a:lstStyle>
           <a:p>
             <a:r>
-              <a:rPr lang="en-US" smtClean="0"/>
+              <a:rPr lang="en-US"/>
               <a:t>Click icon to add picture</a:t>
             </a:r>
             <a:endParaRPr lang="en-US" dirty="0"/>
@@ -4451,7 +4439,7 @@
           <a:p>
             <a:pPr lvl="0"/>
             <a:r>
-              <a:rPr lang="en-US" smtClean="0"/>
+              <a:rPr lang="en-US"/>
               <a:t>Edit Master text styles</a:t>
             </a:r>
           </a:p>
@@ -4474,7 +4462,7 @@
           <a:p>
             <a:fld id="{4509A250-FF31-4206-8172-F9D3106AACB1}" type="datetimeFigureOut">
               <a:rPr lang="en-US" dirty="0"/>
-              <a:t>2/17/2016</a:t>
+              <a:t>4/13/2016</a:t>
             </a:fld>
             <a:endParaRPr lang="en-US" dirty="0"/>
           </a:p>
@@ -4574,7 +4562,7 @@
           </a:lstStyle>
           <a:p>
             <a:r>
-              <a:rPr lang="en-US" smtClean="0"/>
+              <a:rPr lang="en-US"/>
               <a:t>Click to edit Master title style</a:t>
             </a:r>
             <a:endParaRPr lang="en-US" dirty="0"/>
@@ -4653,7 +4641,7 @@
           </a:lstStyle>
           <a:p>
             <a:r>
-              <a:rPr lang="en-US" smtClean="0"/>
+              <a:rPr lang="en-US"/>
               <a:t>Click icon to add picture</a:t>
             </a:r>
             <a:endParaRPr lang="en-US" dirty="0"/>
@@ -4721,7 +4709,7 @@
           <a:p>
             <a:pPr lvl="0"/>
             <a:r>
-              <a:rPr lang="en-US" smtClean="0"/>
+              <a:rPr lang="en-US"/>
               <a:t>Edit Master text styles</a:t>
             </a:r>
           </a:p>
@@ -4744,7 +4732,7 @@
           <a:p>
             <a:fld id="{4509A250-FF31-4206-8172-F9D3106AACB1}" type="datetimeFigureOut">
               <a:rPr lang="en-US" dirty="0"/>
-              <a:t>2/17/2016</a:t>
+              <a:t>4/13/2016</a:t>
             </a:fld>
             <a:endParaRPr lang="en-US" dirty="0"/>
           </a:p>
@@ -4842,7 +4830,7 @@
           </a:lstStyle>
           <a:p>
             <a:r>
-              <a:rPr lang="en-US" smtClean="0"/>
+              <a:rPr lang="en-US"/>
               <a:t>Click to edit Master title style</a:t>
             </a:r>
             <a:endParaRPr lang="en-US" dirty="0"/>
@@ -4910,7 +4898,7 @@
           <a:p>
             <a:pPr lvl="0"/>
             <a:r>
-              <a:rPr lang="en-US" smtClean="0"/>
+              <a:rPr lang="en-US"/>
               <a:t>Edit Master text styles</a:t>
             </a:r>
           </a:p>
@@ -4933,7 +4921,7 @@
           <a:p>
             <a:fld id="{4509A250-FF31-4206-8172-F9D3106AACB1}" type="datetimeFigureOut">
               <a:rPr lang="en-US" dirty="0"/>
-              <a:t>2/17/2016</a:t>
+              <a:t>4/13/2016</a:t>
             </a:fld>
             <a:endParaRPr lang="en-US" dirty="0"/>
           </a:p>
@@ -5031,7 +5019,7 @@
           </a:lstStyle>
           <a:p>
             <a:r>
-              <a:rPr lang="en-US" smtClean="0"/>
+              <a:rPr lang="en-US"/>
               <a:t>Click to edit Master title style</a:t>
             </a:r>
             <a:endParaRPr lang="en-US" dirty="0"/>
@@ -5111,7 +5099,7 @@
               <a:buNone/>
             </a:pPr>
             <a:r>
-              <a:rPr lang="en-US" smtClean="0"/>
+              <a:rPr lang="en-US"/>
               <a:t>Edit Master text styles</a:t>
             </a:r>
           </a:p>
@@ -5178,7 +5166,7 @@
           <a:p>
             <a:pPr lvl="0"/>
             <a:r>
-              <a:rPr lang="en-US" smtClean="0"/>
+              <a:rPr lang="en-US"/>
               <a:t>Edit Master text styles</a:t>
             </a:r>
           </a:p>
@@ -5201,7 +5189,7 @@
           <a:p>
             <a:fld id="{4509A250-FF31-4206-8172-F9D3106AACB1}" type="datetimeFigureOut">
               <a:rPr lang="en-US" dirty="0"/>
-              <a:t>2/17/2016</a:t>
+              <a:t>4/13/2016</a:t>
             </a:fld>
             <a:endParaRPr lang="en-US" dirty="0"/>
           </a:p>
@@ -5393,7 +5381,7 @@
           </a:lstStyle>
           <a:p>
             <a:r>
-              <a:rPr lang="en-US" smtClean="0"/>
+              <a:rPr lang="en-US"/>
               <a:t>Click to edit Master title style</a:t>
             </a:r>
             <a:endParaRPr lang="en-US" dirty="0"/>
@@ -5514,7 +5502,7 @@
           <a:p>
             <a:pPr lvl="0"/>
             <a:r>
-              <a:rPr lang="en-US" smtClean="0"/>
+              <a:rPr lang="en-US"/>
               <a:t>Edit Master text styles</a:t>
             </a:r>
           </a:p>
@@ -5537,7 +5525,7 @@
           <a:p>
             <a:fld id="{4509A250-FF31-4206-8172-F9D3106AACB1}" type="datetimeFigureOut">
               <a:rPr lang="en-US" dirty="0"/>
-              <a:t>2/17/2016</a:t>
+              <a:t>4/13/2016</a:t>
             </a:fld>
             <a:endParaRPr lang="en-US" dirty="0"/>
           </a:p>
@@ -5630,7 +5618,7 @@
           </a:lstStyle>
           <a:p>
             <a:r>
-              <a:rPr lang="en-US" smtClean="0"/>
+              <a:rPr lang="en-US"/>
               <a:t>Click to edit Master title style</a:t>
             </a:r>
             <a:endParaRPr lang="en-US" dirty="0"/>
@@ -5705,7 +5693,7 @@
           <a:p>
             <a:pPr lvl="0"/>
             <a:r>
-              <a:rPr lang="en-US" smtClean="0"/>
+              <a:rPr lang="en-US"/>
               <a:t>Edit Master text styles</a:t>
             </a:r>
           </a:p>
@@ -5772,7 +5760,7 @@
           <a:p>
             <a:pPr lvl="0"/>
             <a:r>
-              <a:rPr lang="en-US" smtClean="0"/>
+              <a:rPr lang="en-US"/>
               <a:t>Edit Master text styles</a:t>
             </a:r>
           </a:p>
@@ -5846,7 +5834,7 @@
           <a:p>
             <a:pPr lvl="0"/>
             <a:r>
-              <a:rPr lang="en-US" smtClean="0"/>
+              <a:rPr lang="en-US"/>
               <a:t>Edit Master text styles</a:t>
             </a:r>
           </a:p>
@@ -5913,7 +5901,7 @@
           <a:p>
             <a:pPr lvl="0"/>
             <a:r>
-              <a:rPr lang="en-US" smtClean="0"/>
+              <a:rPr lang="en-US"/>
               <a:t>Edit Master text styles</a:t>
             </a:r>
           </a:p>
@@ -5987,7 +5975,7 @@
           <a:p>
             <a:pPr lvl="0"/>
             <a:r>
-              <a:rPr lang="en-US" smtClean="0"/>
+              <a:rPr lang="en-US"/>
               <a:t>Edit Master text styles</a:t>
             </a:r>
           </a:p>
@@ -6054,7 +6042,7 @@
           <a:p>
             <a:pPr lvl="0"/>
             <a:r>
-              <a:rPr lang="en-US" smtClean="0"/>
+              <a:rPr lang="en-US"/>
               <a:t>Edit Master text styles</a:t>
             </a:r>
           </a:p>
@@ -6155,7 +6143,7 @@
           <a:p>
             <a:fld id="{4509A250-FF31-4206-8172-F9D3106AACB1}" type="datetimeFigureOut">
               <a:rPr lang="en-US" dirty="0"/>
-              <a:t>2/17/2016</a:t>
+              <a:t>4/13/2016</a:t>
             </a:fld>
             <a:endParaRPr lang="en-US" dirty="0"/>
           </a:p>
@@ -6248,7 +6236,7 @@
           </a:lstStyle>
           <a:p>
             <a:r>
-              <a:rPr lang="en-US" smtClean="0"/>
+              <a:rPr lang="en-US"/>
               <a:t>Click to edit Master title style</a:t>
             </a:r>
             <a:endParaRPr lang="en-US" dirty="0"/>
@@ -6323,7 +6311,7 @@
           <a:p>
             <a:pPr lvl="0"/>
             <a:r>
-              <a:rPr lang="en-US" smtClean="0"/>
+              <a:rPr lang="en-US"/>
               <a:t>Edit Master text styles</a:t>
             </a:r>
           </a:p>
@@ -6401,7 +6389,7 @@
           </a:lstStyle>
           <a:p>
             <a:r>
-              <a:rPr lang="en-US" smtClean="0"/>
+              <a:rPr lang="en-US"/>
               <a:t>Click icon to add picture</a:t>
             </a:r>
             <a:endParaRPr lang="en-US" dirty="0"/>
@@ -6469,7 +6457,7 @@
           <a:p>
             <a:pPr lvl="0"/>
             <a:r>
-              <a:rPr lang="en-US" smtClean="0"/>
+              <a:rPr lang="en-US"/>
               <a:t>Edit Master text styles</a:t>
             </a:r>
           </a:p>
@@ -6543,7 +6531,7 @@
           <a:p>
             <a:pPr lvl="0"/>
             <a:r>
-              <a:rPr lang="en-US" smtClean="0"/>
+              <a:rPr lang="en-US"/>
               <a:t>Edit Master text styles</a:t>
             </a:r>
           </a:p>
@@ -6621,7 +6609,7 @@
           </a:lstStyle>
           <a:p>
             <a:r>
-              <a:rPr lang="en-US" smtClean="0"/>
+              <a:rPr lang="en-US"/>
               <a:t>Click icon to add picture</a:t>
             </a:r>
             <a:endParaRPr lang="en-US" dirty="0"/>
@@ -6689,7 +6677,7 @@
           <a:p>
             <a:pPr lvl="0"/>
             <a:r>
-              <a:rPr lang="en-US" smtClean="0"/>
+              <a:rPr lang="en-US"/>
               <a:t>Edit Master text styles</a:t>
             </a:r>
           </a:p>
@@ -6763,7 +6751,7 @@
           <a:p>
             <a:pPr lvl="0"/>
             <a:r>
-              <a:rPr lang="en-US" smtClean="0"/>
+              <a:rPr lang="en-US"/>
               <a:t>Edit Master text styles</a:t>
             </a:r>
           </a:p>
@@ -6841,7 +6829,7 @@
           </a:lstStyle>
           <a:p>
             <a:r>
-              <a:rPr lang="en-US" smtClean="0"/>
+              <a:rPr lang="en-US"/>
               <a:t>Click icon to add picture</a:t>
             </a:r>
             <a:endParaRPr lang="en-US" dirty="0"/>
@@ -6909,7 +6897,7 @@
           <a:p>
             <a:pPr lvl="0"/>
             <a:r>
-              <a:rPr lang="en-US" smtClean="0"/>
+              <a:rPr lang="en-US"/>
               <a:t>Edit Master text styles</a:t>
             </a:r>
           </a:p>
@@ -7010,7 +6998,7 @@
           <a:p>
             <a:fld id="{4509A250-FF31-4206-8172-F9D3106AACB1}" type="datetimeFigureOut">
               <a:rPr lang="en-US" dirty="0"/>
-              <a:t>2/17/2016</a:t>
+              <a:t>4/13/2016</a:t>
             </a:fld>
             <a:endParaRPr lang="en-US" dirty="0"/>
           </a:p>
@@ -7099,7 +7087,7 @@
           <a:lstStyle/>
           <a:p>
             <a:r>
-              <a:rPr lang="en-US" smtClean="0"/>
+              <a:rPr lang="en-US"/>
               <a:t>Click to edit Master title style</a:t>
             </a:r>
             <a:endParaRPr lang="en-US" dirty="0"/>
@@ -7123,35 +7111,35 @@
           <a:p>
             <a:pPr lvl="0"/>
             <a:r>
-              <a:rPr lang="en-US" smtClean="0"/>
+              <a:rPr lang="en-US"/>
               <a:t>Edit Master text styles</a:t>
             </a:r>
           </a:p>
           <a:p>
             <a:pPr lvl="1"/>
             <a:r>
-              <a:rPr lang="en-US" smtClean="0"/>
+              <a:rPr lang="en-US"/>
               <a:t>Second level</a:t>
             </a:r>
           </a:p>
           <a:p>
             <a:pPr lvl="2"/>
             <a:r>
-              <a:rPr lang="en-US" smtClean="0"/>
+              <a:rPr lang="en-US"/>
               <a:t>Third level</a:t>
             </a:r>
           </a:p>
           <a:p>
             <a:pPr lvl="3"/>
             <a:r>
-              <a:rPr lang="en-US" smtClean="0"/>
+              <a:rPr lang="en-US"/>
               <a:t>Fourth level</a:t>
             </a:r>
           </a:p>
           <a:p>
             <a:pPr lvl="4"/>
             <a:r>
-              <a:rPr lang="en-US" smtClean="0"/>
+              <a:rPr lang="en-US"/>
               <a:t>Fifth level</a:t>
             </a:r>
             <a:endParaRPr lang="en-US" dirty="0"/>
@@ -7175,7 +7163,7 @@
           <a:p>
             <a:fld id="{4509A250-FF31-4206-8172-F9D3106AACB1}" type="datetimeFigureOut">
               <a:rPr lang="en-US" dirty="0"/>
-              <a:t>2/17/2016</a:t>
+              <a:t>4/13/2016</a:t>
             </a:fld>
             <a:endParaRPr lang="en-US" dirty="0"/>
           </a:p>
@@ -7269,7 +7257,7 @@
           <a:lstStyle/>
           <a:p>
             <a:r>
-              <a:rPr lang="en-US" smtClean="0"/>
+              <a:rPr lang="en-US"/>
               <a:t>Click to edit Master title style</a:t>
             </a:r>
             <a:endParaRPr lang="en-US" dirty="0"/>
@@ -7298,35 +7286,35 @@
           <a:p>
             <a:pPr lvl="0"/>
             <a:r>
-              <a:rPr lang="en-US" smtClean="0"/>
+              <a:rPr lang="en-US"/>
               <a:t>Edit Master text styles</a:t>
             </a:r>
           </a:p>
           <a:p>
             <a:pPr lvl="1"/>
             <a:r>
-              <a:rPr lang="en-US" smtClean="0"/>
+              <a:rPr lang="en-US"/>
               <a:t>Second level</a:t>
             </a:r>
           </a:p>
           <a:p>
             <a:pPr lvl="2"/>
             <a:r>
-              <a:rPr lang="en-US" smtClean="0"/>
+              <a:rPr lang="en-US"/>
               <a:t>Third level</a:t>
             </a:r>
           </a:p>
           <a:p>
             <a:pPr lvl="3"/>
             <a:r>
-              <a:rPr lang="en-US" smtClean="0"/>
+              <a:rPr lang="en-US"/>
               <a:t>Fourth level</a:t>
             </a:r>
           </a:p>
           <a:p>
             <a:pPr lvl="4"/>
             <a:r>
-              <a:rPr lang="en-US" smtClean="0"/>
+              <a:rPr lang="en-US"/>
               <a:t>Fifth level</a:t>
             </a:r>
             <a:endParaRPr lang="en-US" dirty="0"/>
@@ -7350,7 +7338,7 @@
           <a:p>
             <a:fld id="{4509A250-FF31-4206-8172-F9D3106AACB1}" type="datetimeFigureOut">
               <a:rPr lang="en-US" dirty="0"/>
-              <a:t>2/17/2016</a:t>
+              <a:t>4/13/2016</a:t>
             </a:fld>
             <a:endParaRPr lang="en-US" dirty="0"/>
           </a:p>
@@ -7448,10 +7436,9 @@
           </a:lstStyle>
           <a:p>
             <a:r>
-              <a:rPr lang="en-US" smtClean="0"/>
+              <a:rPr lang="en-US"/>
               <a:t>Click to edit Master title style</a:t>
             </a:r>
-            <a:endParaRPr lang="en-US"/>
           </a:p>
         </p:txBody>
       </p:sp>
@@ -7568,7 +7555,7 @@
           <a:p>
             <a:pPr lvl="0"/>
             <a:r>
-              <a:rPr lang="en-US" smtClean="0"/>
+              <a:rPr lang="en-US"/>
               <a:t>Edit Master text styles</a:t>
             </a:r>
           </a:p>
@@ -7591,7 +7578,7 @@
           <a:p>
             <a:fld id="{C4314155-5D83-4D56-8D28-5EC7E1D25712}" type="datetimeFigureOut">
               <a:rPr lang="en-US" smtClean="0"/>
-              <a:t>2/17/2016</a:t>
+              <a:t>4/13/2016</a:t>
             </a:fld>
             <a:endParaRPr lang="en-US"/>
           </a:p>
@@ -7685,10 +7672,9 @@
           <a:lstStyle/>
           <a:p>
             <a:r>
-              <a:rPr lang="en-US" smtClean="0"/>
+              <a:rPr lang="en-US"/>
               <a:t>Click to edit Master title style</a:t>
             </a:r>
-            <a:endParaRPr lang="en-US"/>
           </a:p>
         </p:txBody>
       </p:sp>
@@ -7714,38 +7700,37 @@
           <a:p>
             <a:pPr lvl="0"/>
             <a:r>
-              <a:rPr lang="en-US" smtClean="0"/>
+              <a:rPr lang="en-US"/>
               <a:t>Edit Master text styles</a:t>
             </a:r>
           </a:p>
           <a:p>
             <a:pPr lvl="1"/>
             <a:r>
-              <a:rPr lang="en-US" smtClean="0"/>
+              <a:rPr lang="en-US"/>
               <a:t>Second level</a:t>
             </a:r>
           </a:p>
           <a:p>
             <a:pPr lvl="2"/>
             <a:r>
-              <a:rPr lang="en-US" smtClean="0"/>
+              <a:rPr lang="en-US"/>
               <a:t>Third level</a:t>
             </a:r>
           </a:p>
           <a:p>
             <a:pPr lvl="3"/>
             <a:r>
-              <a:rPr lang="en-US" smtClean="0"/>
+              <a:rPr lang="en-US"/>
               <a:t>Fourth level</a:t>
             </a:r>
           </a:p>
           <a:p>
             <a:pPr lvl="4"/>
             <a:r>
-              <a:rPr lang="en-US" smtClean="0"/>
+              <a:rPr lang="en-US"/>
               <a:t>Fifth level</a:t>
             </a:r>
-            <a:endParaRPr lang="en-US"/>
           </a:p>
         </p:txBody>
       </p:sp>
@@ -7771,38 +7756,37 @@
           <a:p>
             <a:pPr lvl="0"/>
             <a:r>
-              <a:rPr lang="en-US" smtClean="0"/>
+              <a:rPr lang="en-US"/>
               <a:t>Edit Master text styles</a:t>
             </a:r>
           </a:p>
           <a:p>
             <a:pPr lvl="1"/>
             <a:r>
-              <a:rPr lang="en-US" smtClean="0"/>
+              <a:rPr lang="en-US"/>
               <a:t>Second level</a:t>
             </a:r>
           </a:p>
           <a:p>
             <a:pPr lvl="2"/>
             <a:r>
-              <a:rPr lang="en-US" smtClean="0"/>
+              <a:rPr lang="en-US"/>
               <a:t>Third level</a:t>
             </a:r>
           </a:p>
           <a:p>
             <a:pPr lvl="3"/>
             <a:r>
-              <a:rPr lang="en-US" smtClean="0"/>
+              <a:rPr lang="en-US"/>
               <a:t>Fourth level</a:t>
             </a:r>
           </a:p>
           <a:p>
             <a:pPr lvl="4"/>
             <a:r>
-              <a:rPr lang="en-US" smtClean="0"/>
+              <a:rPr lang="en-US"/>
               <a:t>Fifth level</a:t>
             </a:r>
-            <a:endParaRPr lang="en-US"/>
           </a:p>
         </p:txBody>
       </p:sp>
@@ -7823,7 +7807,7 @@
           <a:p>
             <a:fld id="{C4314155-5D83-4D56-8D28-5EC7E1D25712}" type="datetimeFigureOut">
               <a:rPr lang="en-US" smtClean="0"/>
-              <a:t>2/17/2016</a:t>
+              <a:t>4/13/2016</a:t>
             </a:fld>
             <a:endParaRPr lang="en-US"/>
           </a:p>
@@ -7922,10 +7906,9 @@
           <a:lstStyle/>
           <a:p>
             <a:r>
-              <a:rPr lang="en-US" smtClean="0"/>
+              <a:rPr lang="en-US"/>
               <a:t>Click to edit Master title style</a:t>
             </a:r>
-            <a:endParaRPr lang="en-US"/>
           </a:p>
         </p:txBody>
       </p:sp>
@@ -7988,7 +7971,7 @@
           <a:p>
             <a:pPr lvl="0"/>
             <a:r>
-              <a:rPr lang="en-US" smtClean="0"/>
+              <a:rPr lang="en-US"/>
               <a:t>Edit Master text styles</a:t>
             </a:r>
           </a:p>
@@ -8016,38 +7999,37 @@
           <a:p>
             <a:pPr lvl="0"/>
             <a:r>
-              <a:rPr lang="en-US" smtClean="0"/>
+              <a:rPr lang="en-US"/>
               <a:t>Edit Master text styles</a:t>
             </a:r>
           </a:p>
           <a:p>
             <a:pPr lvl="1"/>
             <a:r>
-              <a:rPr lang="en-US" smtClean="0"/>
+              <a:rPr lang="en-US"/>
               <a:t>Second level</a:t>
             </a:r>
           </a:p>
           <a:p>
             <a:pPr lvl="2"/>
             <a:r>
-              <a:rPr lang="en-US" smtClean="0"/>
+              <a:rPr lang="en-US"/>
               <a:t>Third level</a:t>
             </a:r>
           </a:p>
           <a:p>
             <a:pPr lvl="3"/>
             <a:r>
-              <a:rPr lang="en-US" smtClean="0"/>
+              <a:rPr lang="en-US"/>
               <a:t>Fourth level</a:t>
             </a:r>
           </a:p>
           <a:p>
             <a:pPr lvl="4"/>
             <a:r>
-              <a:rPr lang="en-US" smtClean="0"/>
+              <a:rPr lang="en-US"/>
               <a:t>Fifth level</a:t>
             </a:r>
-            <a:endParaRPr lang="en-US"/>
           </a:p>
         </p:txBody>
       </p:sp>
@@ -8110,7 +8092,7 @@
           <a:p>
             <a:pPr lvl="0"/>
             <a:r>
-              <a:rPr lang="en-US" smtClean="0"/>
+              <a:rPr lang="en-US"/>
               <a:t>Edit Master text styles</a:t>
             </a:r>
           </a:p>
@@ -8138,38 +8120,37 @@
           <a:p>
             <a:pPr lvl="0"/>
             <a:r>
-              <a:rPr lang="en-US" smtClean="0"/>
+              <a:rPr lang="en-US"/>
               <a:t>Edit Master text styles</a:t>
             </a:r>
           </a:p>
           <a:p>
             <a:pPr lvl="1"/>
             <a:r>
-              <a:rPr lang="en-US" smtClean="0"/>
+              <a:rPr lang="en-US"/>
               <a:t>Second level</a:t>
             </a:r>
           </a:p>
           <a:p>
             <a:pPr lvl="2"/>
             <a:r>
-              <a:rPr lang="en-US" smtClean="0"/>
+              <a:rPr lang="en-US"/>
               <a:t>Third level</a:t>
             </a:r>
           </a:p>
           <a:p>
             <a:pPr lvl="3"/>
             <a:r>
-              <a:rPr lang="en-US" smtClean="0"/>
+              <a:rPr lang="en-US"/>
               <a:t>Fourth level</a:t>
             </a:r>
           </a:p>
           <a:p>
             <a:pPr lvl="4"/>
             <a:r>
-              <a:rPr lang="en-US" smtClean="0"/>
+              <a:rPr lang="en-US"/>
               <a:t>Fifth level</a:t>
             </a:r>
-            <a:endParaRPr lang="en-US"/>
           </a:p>
         </p:txBody>
       </p:sp>
@@ -8190,7 +8171,7 @@
           <a:p>
             <a:fld id="{C4314155-5D83-4D56-8D28-5EC7E1D25712}" type="datetimeFigureOut">
               <a:rPr lang="en-US" smtClean="0"/>
-              <a:t>2/17/2016</a:t>
+              <a:t>4/13/2016</a:t>
             </a:fld>
             <a:endParaRPr lang="en-US"/>
           </a:p>
@@ -8284,10 +8265,9 @@
           <a:lstStyle/>
           <a:p>
             <a:r>
-              <a:rPr lang="en-US" smtClean="0"/>
+              <a:rPr lang="en-US"/>
               <a:t>Click to edit Master title style</a:t>
             </a:r>
-            <a:endParaRPr lang="en-US"/>
           </a:p>
         </p:txBody>
       </p:sp>
@@ -8308,7 +8288,7 @@
           <a:p>
             <a:fld id="{C4314155-5D83-4D56-8D28-5EC7E1D25712}" type="datetimeFigureOut">
               <a:rPr lang="en-US" smtClean="0"/>
-              <a:t>2/17/2016</a:t>
+              <a:t>4/13/2016</a:t>
             </a:fld>
             <a:endParaRPr lang="en-US"/>
           </a:p>
@@ -8403,7 +8383,7 @@
           <a:p>
             <a:fld id="{C4314155-5D83-4D56-8D28-5EC7E1D25712}" type="datetimeFigureOut">
               <a:rPr lang="en-US" smtClean="0"/>
-              <a:t>2/17/2016</a:t>
+              <a:t>4/13/2016</a:t>
             </a:fld>
             <a:endParaRPr lang="en-US"/>
           </a:p>
@@ -8506,10 +8486,9 @@
           </a:lstStyle>
           <a:p>
             <a:r>
-              <a:rPr lang="en-US" smtClean="0"/>
+              <a:rPr lang="en-US"/>
               <a:t>Click to edit Master title style</a:t>
             </a:r>
-            <a:endParaRPr lang="en-US"/>
           </a:p>
         </p:txBody>
       </p:sp>
@@ -8563,38 +8542,37 @@
           <a:p>
             <a:pPr lvl="0"/>
             <a:r>
-              <a:rPr lang="en-US" smtClean="0"/>
+              <a:rPr lang="en-US"/>
               <a:t>Edit Master text styles</a:t>
             </a:r>
           </a:p>
           <a:p>
             <a:pPr lvl="1"/>
             <a:r>
-              <a:rPr lang="en-US" smtClean="0"/>
+              <a:rPr lang="en-US"/>
               <a:t>Second level</a:t>
             </a:r>
           </a:p>
           <a:p>
             <a:pPr lvl="2"/>
             <a:r>
-              <a:rPr lang="en-US" smtClean="0"/>
+              <a:rPr lang="en-US"/>
               <a:t>Third level</a:t>
             </a:r>
           </a:p>
           <a:p>
             <a:pPr lvl="3"/>
             <a:r>
-              <a:rPr lang="en-US" smtClean="0"/>
+              <a:rPr lang="en-US"/>
               <a:t>Fourth level</a:t>
             </a:r>
           </a:p>
           <a:p>
             <a:pPr lvl="4"/>
             <a:r>
-              <a:rPr lang="en-US" smtClean="0"/>
+              <a:rPr lang="en-US"/>
               <a:t>Fifth level</a:t>
             </a:r>
-            <a:endParaRPr lang="en-US"/>
           </a:p>
         </p:txBody>
       </p:sp>
@@ -8657,7 +8635,7 @@
           <a:p>
             <a:pPr lvl="0"/>
             <a:r>
-              <a:rPr lang="en-US" smtClean="0"/>
+              <a:rPr lang="en-US"/>
               <a:t>Edit Master text styles</a:t>
             </a:r>
           </a:p>
@@ -8680,7 +8658,7 @@
           <a:p>
             <a:fld id="{C4314155-5D83-4D56-8D28-5EC7E1D25712}" type="datetimeFigureOut">
               <a:rPr lang="en-US" smtClean="0"/>
-              <a:t>2/17/2016</a:t>
+              <a:t>4/13/2016</a:t>
             </a:fld>
             <a:endParaRPr lang="en-US"/>
           </a:p>
@@ -8783,10 +8761,9 @@
           </a:lstStyle>
           <a:p>
             <a:r>
-              <a:rPr lang="en-US" smtClean="0"/>
+              <a:rPr lang="en-US"/>
               <a:t>Click to edit Master title style</a:t>
             </a:r>
-            <a:endParaRPr lang="en-US"/>
           </a:p>
         </p:txBody>
       </p:sp>
@@ -8910,7 +8887,7 @@
           <a:p>
             <a:pPr lvl="0"/>
             <a:r>
-              <a:rPr lang="en-US" smtClean="0"/>
+              <a:rPr lang="en-US"/>
               <a:t>Edit Master text styles</a:t>
             </a:r>
           </a:p>
@@ -8933,7 +8910,7 @@
           <a:p>
             <a:fld id="{C4314155-5D83-4D56-8D28-5EC7E1D25712}" type="datetimeFigureOut">
               <a:rPr lang="en-US" smtClean="0"/>
-              <a:t>2/17/2016</a:t>
+              <a:t>4/13/2016</a:t>
             </a:fld>
             <a:endParaRPr lang="en-US"/>
           </a:p>
@@ -9042,10 +9019,9 @@
           <a:lstStyle/>
           <a:p>
             <a:r>
-              <a:rPr lang="en-US" smtClean="0"/>
+              <a:rPr lang="en-US"/>
               <a:t>Click to edit Master title style</a:t>
             </a:r>
-            <a:endParaRPr lang="en-US"/>
           </a:p>
         </p:txBody>
       </p:sp>
@@ -9076,38 +9052,37 @@
           <a:p>
             <a:pPr lvl="0"/>
             <a:r>
-              <a:rPr lang="en-US" smtClean="0"/>
+              <a:rPr lang="en-US"/>
               <a:t>Edit Master text styles</a:t>
             </a:r>
           </a:p>
           <a:p>
             <a:pPr lvl="1"/>
             <a:r>
-              <a:rPr lang="en-US" smtClean="0"/>
+              <a:rPr lang="en-US"/>
               <a:t>Second level</a:t>
             </a:r>
           </a:p>
           <a:p>
             <a:pPr lvl="2"/>
             <a:r>
-              <a:rPr lang="en-US" smtClean="0"/>
+              <a:rPr lang="en-US"/>
               <a:t>Third level</a:t>
             </a:r>
           </a:p>
           <a:p>
             <a:pPr lvl="3"/>
             <a:r>
-              <a:rPr lang="en-US" smtClean="0"/>
+              <a:rPr lang="en-US"/>
               <a:t>Fourth level</a:t>
             </a:r>
           </a:p>
           <a:p>
             <a:pPr lvl="4"/>
             <a:r>
-              <a:rPr lang="en-US" smtClean="0"/>
+              <a:rPr lang="en-US"/>
               <a:t>Fifth level</a:t>
             </a:r>
-            <a:endParaRPr lang="en-US"/>
           </a:p>
         </p:txBody>
       </p:sp>
@@ -9146,7 +9121,7 @@
           <a:p>
             <a:fld id="{C4314155-5D83-4D56-8D28-5EC7E1D25712}" type="datetimeFigureOut">
               <a:rPr lang="en-US" smtClean="0"/>
-              <a:t>2/17/2016</a:t>
+              <a:t>4/13/2016</a:t>
             </a:fld>
             <a:endParaRPr lang="en-US"/>
           </a:p>
@@ -9761,7 +9736,7 @@
           <a:lstStyle/>
           <a:p>
             <a:r>
-              <a:rPr lang="en-US" smtClean="0"/>
+              <a:rPr lang="en-US"/>
               <a:t>Click to edit Master title style</a:t>
             </a:r>
             <a:endParaRPr lang="en-US" dirty="0"/>
@@ -9795,35 +9770,35 @@
           <a:p>
             <a:pPr lvl="0"/>
             <a:r>
-              <a:rPr lang="en-US" smtClean="0"/>
+              <a:rPr lang="en-US"/>
               <a:t>Edit Master text styles</a:t>
             </a:r>
           </a:p>
           <a:p>
             <a:pPr lvl="1"/>
             <a:r>
-              <a:rPr lang="en-US" smtClean="0"/>
+              <a:rPr lang="en-US"/>
               <a:t>Second level</a:t>
             </a:r>
           </a:p>
           <a:p>
             <a:pPr lvl="2"/>
             <a:r>
-              <a:rPr lang="en-US" smtClean="0"/>
+              <a:rPr lang="en-US"/>
               <a:t>Third level</a:t>
             </a:r>
           </a:p>
           <a:p>
             <a:pPr lvl="3"/>
             <a:r>
-              <a:rPr lang="en-US" smtClean="0"/>
+              <a:rPr lang="en-US"/>
               <a:t>Fourth level</a:t>
             </a:r>
           </a:p>
           <a:p>
             <a:pPr lvl="4"/>
             <a:r>
-              <a:rPr lang="en-US" smtClean="0"/>
+              <a:rPr lang="en-US"/>
               <a:t>Fifth level</a:t>
             </a:r>
             <a:endParaRPr lang="en-US" dirty="0"/>
@@ -9866,7 +9841,7 @@
           <a:p>
             <a:fld id="{4AAD347D-5ACD-4C99-B74B-A9C85AD731AF}" type="datetimeFigureOut">
               <a:rPr lang="en-US" dirty="0"/>
-              <a:t>2/17/2016</a:t>
+              <a:t>4/13/2016</a:t>
             </a:fld>
             <a:endParaRPr lang="en-US" dirty="0"/>
           </a:p>
@@ -10406,10 +10381,9 @@
           <a:lstStyle/>
           <a:p>
             <a:r>
-              <a:rPr lang="en-US" dirty="0" smtClean="0"/>
+              <a:rPr lang="en-US" dirty="0"/>
               <a:t>Dapper</a:t>
             </a:r>
-            <a:endParaRPr lang="en-US" dirty="0"/>
           </a:p>
         </p:txBody>
       </p:sp>
@@ -10429,18 +10403,17 @@
           <a:lstStyle/>
           <a:p>
             <a:r>
-              <a:rPr lang="en-US" dirty="0" smtClean="0"/>
+              <a:rPr lang="en-US" dirty="0"/>
               <a:t>Using A Micro </a:t>
             </a:r>
             <a:r>
-              <a:rPr lang="en-US" dirty="0" err="1" smtClean="0"/>
+              <a:rPr lang="en-US" dirty="0" err="1"/>
               <a:t>orm</a:t>
             </a:r>
             <a:r>
-              <a:rPr lang="en-US" dirty="0" smtClean="0"/>
+              <a:rPr lang="en-US" dirty="0"/>
               <a:t> for Maximum Data Performance</a:t>
             </a:r>
-            <a:endParaRPr lang="en-US" dirty="0"/>
           </a:p>
         </p:txBody>
       </p:sp>
@@ -10490,94 +10463,9 @@
           <a:lstStyle/>
           <a:p>
             <a:r>
-              <a:rPr lang="en-US" dirty="0" smtClean="0"/>
-              <a:t>Demo</a:t>
-            </a:r>
-            <a:endParaRPr lang="en-US" dirty="0"/>
-          </a:p>
-        </p:txBody>
-      </p:sp>
-      <p:sp>
-        <p:nvSpPr>
-          <p:cNvPr id="4" name="Text Placeholder 3"/>
-          <p:cNvSpPr>
-            <a:spLocks noGrp="1"/>
-          </p:cNvSpPr>
-          <p:nvPr>
-            <p:ph type="body" idx="1"/>
-          </p:nvPr>
-        </p:nvSpPr>
-        <p:spPr/>
-        <p:txBody>
-          <a:bodyPr/>
-          <a:lstStyle/>
-          <a:p>
-            <a:r>
-              <a:rPr lang="en-US" dirty="0" smtClean="0"/>
-              <a:t>Hello</a:t>
-            </a:r>
-            <a:r>
               <a:rPr lang="en-US" dirty="0"/>
-              <a:t>, </a:t>
-            </a:r>
-            <a:r>
-              <a:rPr lang="en-US" dirty="0" smtClean="0"/>
-              <a:t>World with Dapper</a:t>
-            </a:r>
-            <a:endParaRPr lang="en-US" dirty="0"/>
-          </a:p>
-        </p:txBody>
-      </p:sp>
-    </p:spTree>
-    <p:extLst>
-      <p:ext uri="{BB962C8B-B14F-4D97-AF65-F5344CB8AC3E}">
-        <p14:creationId xmlns:p14="http://schemas.microsoft.com/office/powerpoint/2010/main" val="459550569"/>
-      </p:ext>
-    </p:extLst>
-  </p:cSld>
-  <p:clrMapOvr>
-    <a:masterClrMapping/>
-  </p:clrMapOvr>
-</p:sld>
-</file>
-
-<file path=ppt/slides/slide11.xml><?xml version="1.0" encoding="utf-8"?>
-<p:sld xmlns:a="http://schemas.openxmlformats.org/drawingml/2006/main" xmlns:r="http://schemas.openxmlformats.org/officeDocument/2006/relationships" xmlns:p="http://schemas.openxmlformats.org/presentationml/2006/main">
-  <p:cSld>
-    <p:spTree>
-      <p:nvGrpSpPr>
-        <p:cNvPr id="1" name=""/>
-        <p:cNvGrpSpPr/>
-        <p:nvPr/>
-      </p:nvGrpSpPr>
-      <p:grpSpPr>
-        <a:xfrm>
-          <a:off x="0" y="0"/>
-          <a:ext cx="0" cy="0"/>
-          <a:chOff x="0" y="0"/>
-          <a:chExt cx="0" cy="0"/>
-        </a:xfrm>
-      </p:grpSpPr>
-      <p:sp>
-        <p:nvSpPr>
-          <p:cNvPr id="2" name="Title 1"/>
-          <p:cNvSpPr>
-            <a:spLocks noGrp="1"/>
-          </p:cNvSpPr>
-          <p:nvPr>
-            <p:ph type="title"/>
-          </p:nvPr>
-        </p:nvSpPr>
-        <p:spPr/>
-        <p:txBody>
-          <a:bodyPr/>
-          <a:lstStyle/>
-          <a:p>
-            <a:r>
-              <a:rPr lang="en-US" dirty="0" smtClean="0"/>
               <a:t>Dapper History</a:t>
             </a:r>
-            <a:endParaRPr lang="en-US" dirty="0"/>
           </a:p>
         </p:txBody>
       </p:sp>
@@ -10604,7 +10492,7 @@
           <a:lstStyle/>
           <a:p>
             <a:r>
-              <a:rPr lang="en-US" dirty="0" smtClean="0"/>
+              <a:rPr lang="en-US" dirty="0"/>
               <a:t>Created for use at  </a:t>
             </a:r>
           </a:p>
@@ -10615,24 +10503,12 @@
               </a:spcBef>
             </a:pPr>
             <a:r>
-              <a:rPr lang="en-US" dirty="0" smtClean="0"/>
-              <a:t>Created due to N+1 </a:t>
-            </a:r>
-            <a:r>
               <a:rPr lang="en-US" dirty="0"/>
-              <a:t>and other performance </a:t>
-            </a:r>
-            <a:r>
-              <a:rPr lang="en-US" dirty="0" smtClean="0"/>
-              <a:t>issues with EF</a:t>
-            </a:r>
-            <a:r>
-              <a:rPr lang="en-US" dirty="0"/>
-              <a:t> </a:t>
-            </a:r>
-          </a:p>
-          <a:p>
-            <a:endParaRPr lang="en-US" dirty="0" smtClean="0"/>
+              <a:t>Created due to N+1 and other performance issues with EF </a:t>
+            </a:r>
+          </a:p>
+          <a:p>
+            <a:endParaRPr lang="en-US" dirty="0"/>
           </a:p>
         </p:txBody>
       </p:sp>
@@ -11139,7 +11015,7 @@
           </a:lstStyle>
           <a:p>
             <a:r>
-              <a:rPr lang="en-US" smtClean="0"/>
+              <a:rPr lang="en-US"/>
               <a:t>Sam Saffron</a:t>
             </a:r>
           </a:p>
@@ -11149,16 +11025,16 @@
               <a:buNone/>
             </a:pPr>
             <a:r>
-              <a:rPr lang="en-US" smtClean="0">
+              <a:rPr lang="en-US">
                 <a:hlinkClick r:id="rId2"/>
               </a:rPr>
               <a:t>https://samsaffron.com/</a:t>
             </a:r>
-            <a:endParaRPr lang="en-US" smtClean="0"/>
-          </a:p>
-          <a:p>
-            <a:r>
-              <a:rPr lang="en-US" smtClean="0"/>
+            <a:endParaRPr lang="en-US"/>
+          </a:p>
+          <a:p>
+            <a:r>
+              <a:rPr lang="en-US"/>
               <a:t>Marc Gravell</a:t>
             </a:r>
           </a:p>
@@ -11168,12 +11044,12 @@
               <a:buNone/>
             </a:pPr>
             <a:r>
-              <a:rPr lang="en-US" smtClean="0">
+              <a:rPr lang="en-US">
                 <a:hlinkClick r:id="rId3"/>
               </a:rPr>
               <a:t>http://blog.marcgravell.com/</a:t>
             </a:r>
-            <a:endParaRPr lang="en-US" dirty="0" smtClean="0"/>
+            <a:endParaRPr lang="en-US" dirty="0"/>
           </a:p>
         </p:txBody>
       </p:sp>
@@ -11231,6 +11107,175 @@
 </p:sld>
 </file>
 
+<file path=ppt/slides/slide11.xml><?xml version="1.0" encoding="utf-8"?>
+<p:sld xmlns:a="http://schemas.openxmlformats.org/drawingml/2006/main" xmlns:r="http://schemas.openxmlformats.org/officeDocument/2006/relationships" xmlns:p="http://schemas.openxmlformats.org/presentationml/2006/main">
+  <p:cSld>
+    <p:spTree>
+      <p:nvGrpSpPr>
+        <p:cNvPr id="1" name=""/>
+        <p:cNvGrpSpPr/>
+        <p:nvPr/>
+      </p:nvGrpSpPr>
+      <p:grpSpPr>
+        <a:xfrm>
+          <a:off x="0" y="0"/>
+          <a:ext cx="0" cy="0"/>
+          <a:chOff x="0" y="0"/>
+          <a:chExt cx="0" cy="0"/>
+        </a:xfrm>
+      </p:grpSpPr>
+      <p:sp>
+        <p:nvSpPr>
+          <p:cNvPr id="2" name="Title 1"/>
+          <p:cNvSpPr>
+            <a:spLocks noGrp="1"/>
+          </p:cNvSpPr>
+          <p:nvPr>
+            <p:ph type="title"/>
+          </p:nvPr>
+        </p:nvSpPr>
+        <p:spPr/>
+        <p:txBody>
+          <a:bodyPr/>
+          <a:lstStyle/>
+          <a:p>
+            <a:r>
+              <a:rPr lang="en-US" dirty="0"/>
+              <a:t>Why a Micro ORM?</a:t>
+            </a:r>
+          </a:p>
+        </p:txBody>
+      </p:sp>
+      <p:sp>
+        <p:nvSpPr>
+          <p:cNvPr id="3" name="Content Placeholder 2"/>
+          <p:cNvSpPr>
+            <a:spLocks noGrp="1"/>
+          </p:cNvSpPr>
+          <p:nvPr>
+            <p:ph idx="1"/>
+          </p:nvPr>
+        </p:nvSpPr>
+        <p:spPr/>
+        <p:txBody>
+          <a:bodyPr>
+            <a:normAutofit fontScale="92500" lnSpcReduction="10000"/>
+          </a:bodyPr>
+          <a:lstStyle/>
+          <a:p>
+            <a:r>
+              <a:rPr lang="en-US" dirty="0"/>
+              <a:t>Let SQL do what it’s best at</a:t>
+            </a:r>
+          </a:p>
+          <a:p>
+            <a:r>
+              <a:rPr lang="en-US" dirty="0"/>
+              <a:t>Keep it simple</a:t>
+            </a:r>
+          </a:p>
+          <a:p>
+            <a:r>
+              <a:rPr lang="en-US" dirty="0"/>
+              <a:t>Convention over configuration</a:t>
+            </a:r>
+          </a:p>
+          <a:p>
+            <a:r>
+              <a:rPr lang="en-US" dirty="0"/>
+              <a:t>Make your DBA happy</a:t>
+            </a:r>
+          </a:p>
+          <a:p>
+            <a:r>
+              <a:rPr lang="en-US" dirty="0"/>
+              <a:t>No more monster LINQ-to-Entities queries</a:t>
+            </a:r>
+          </a:p>
+          <a:p>
+            <a:r>
+              <a:rPr lang="en-US" dirty="0"/>
+              <a:t>Avoid </a:t>
+            </a:r>
+            <a:r>
+              <a:rPr lang="en-US" dirty="0" err="1"/>
+              <a:t>IEnumarable</a:t>
+            </a:r>
+            <a:r>
+              <a:rPr lang="en-US" dirty="0"/>
+              <a:t>/</a:t>
+            </a:r>
+            <a:r>
+              <a:rPr lang="en-US" dirty="0" err="1"/>
+              <a:t>IQueryable</a:t>
+            </a:r>
+            <a:r>
+              <a:rPr lang="en-US" dirty="0"/>
+              <a:t> confusion</a:t>
+            </a:r>
+          </a:p>
+          <a:p>
+            <a:r>
+              <a:rPr lang="en-US" dirty="0"/>
+              <a:t>Works with </a:t>
+            </a:r>
+            <a:r>
+              <a:rPr lang="en-US" i="1" u="sng" dirty="0"/>
+              <a:t>any</a:t>
+            </a:r>
+            <a:r>
+              <a:rPr lang="en-US" dirty="0"/>
+              <a:t> ADO.NET provider </a:t>
+            </a:r>
+          </a:p>
+          <a:p>
+            <a:pPr marL="0" indent="0">
+              <a:buNone/>
+            </a:pPr>
+            <a:r>
+              <a:rPr lang="en-US" dirty="0"/>
+              <a:t>(SQLite, SQL CE, Firebird, Oracle, MySQL, PostgreSQL, SQL Server, </a:t>
+            </a:r>
+            <a:r>
+              <a:rPr lang="en-US" dirty="0" err="1"/>
+              <a:t>etc</a:t>
+            </a:r>
+            <a:r>
+              <a:rPr lang="en-US" dirty="0"/>
+              <a:t>…)</a:t>
+            </a:r>
+          </a:p>
+          <a:p>
+            <a:pPr marL="0" indent="0">
+              <a:buNone/>
+            </a:pPr>
+            <a:endParaRPr lang="en-US" dirty="0"/>
+          </a:p>
+          <a:p>
+            <a:r>
+              <a:rPr lang="en-US" sz="2800" dirty="0"/>
+              <a:t>PERFORMANCE!</a:t>
+            </a:r>
+            <a:endParaRPr lang="en-US" sz="2400" dirty="0"/>
+          </a:p>
+          <a:p>
+            <a:endParaRPr lang="en-US" dirty="0"/>
+          </a:p>
+        </p:txBody>
+      </p:sp>
+    </p:spTree>
+    <p:extLst>
+      <p:ext uri="{BB962C8B-B14F-4D97-AF65-F5344CB8AC3E}">
+        <p14:creationId xmlns:p14="http://schemas.microsoft.com/office/powerpoint/2010/main" val="1439609625"/>
+      </p:ext>
+    </p:extLst>
+  </p:cSld>
+  <p:clrMapOvr>
+    <a:masterClrMapping/>
+  </p:clrMapOvr>
+</p:sld>
+</file>
+
 <file path=ppt/slides/slide12.xml><?xml version="1.0" encoding="utf-8"?>
 <p:sld xmlns:a="http://schemas.openxmlformats.org/drawingml/2006/main" xmlns:r="http://schemas.openxmlformats.org/officeDocument/2006/relationships" xmlns:p="http://schemas.openxmlformats.org/presentationml/2006/main">
   <p:cSld>
@@ -11264,10 +11309,9 @@
           <a:lstStyle/>
           <a:p>
             <a:r>
-              <a:rPr lang="en-US" dirty="0" smtClean="0"/>
-              <a:t>Why a Micro ORM?</a:t>
-            </a:r>
-            <a:endParaRPr lang="en-US" dirty="0"/>
+              <a:rPr lang="en-US" dirty="0"/>
+              <a:t>Performance</a:t>
+            </a:r>
           </a:p>
         </p:txBody>
       </p:sp>
@@ -11279,161 +11323,6 @@
           </p:cNvSpPr>
           <p:nvPr>
             <p:ph idx="1"/>
-          </p:nvPr>
-        </p:nvSpPr>
-        <p:spPr/>
-        <p:txBody>
-          <a:bodyPr>
-            <a:normAutofit fontScale="92500" lnSpcReduction="10000"/>
-          </a:bodyPr>
-          <a:lstStyle/>
-          <a:p>
-            <a:r>
-              <a:rPr lang="en-US" dirty="0" smtClean="0"/>
-              <a:t>Let SQL do what it’s best at</a:t>
-            </a:r>
-          </a:p>
-          <a:p>
-            <a:r>
-              <a:rPr lang="en-US" dirty="0" smtClean="0"/>
-              <a:t>Keep it simple</a:t>
-            </a:r>
-          </a:p>
-          <a:p>
-            <a:r>
-              <a:rPr lang="en-US" dirty="0" smtClean="0"/>
-              <a:t>Convention over configuration</a:t>
-            </a:r>
-          </a:p>
-          <a:p>
-            <a:r>
-              <a:rPr lang="en-US" dirty="0" smtClean="0"/>
-              <a:t>Make your DBA happy</a:t>
-            </a:r>
-          </a:p>
-          <a:p>
-            <a:r>
-              <a:rPr lang="en-US" dirty="0" smtClean="0"/>
-              <a:t>No more monster LINQ-to-Entities queries</a:t>
-            </a:r>
-          </a:p>
-          <a:p>
-            <a:r>
-              <a:rPr lang="en-US" dirty="0" smtClean="0"/>
-              <a:t>Avoid </a:t>
-            </a:r>
-            <a:r>
-              <a:rPr lang="en-US" dirty="0" err="1" smtClean="0"/>
-              <a:t>IEnumarable</a:t>
-            </a:r>
-            <a:r>
-              <a:rPr lang="en-US" dirty="0" smtClean="0"/>
-              <a:t>/</a:t>
-            </a:r>
-            <a:r>
-              <a:rPr lang="en-US" dirty="0" err="1" smtClean="0"/>
-              <a:t>IQueryable</a:t>
-            </a:r>
-            <a:r>
-              <a:rPr lang="en-US" dirty="0" smtClean="0"/>
-              <a:t> confusion</a:t>
-            </a:r>
-          </a:p>
-          <a:p>
-            <a:r>
-              <a:rPr lang="en-US" dirty="0" smtClean="0"/>
-              <a:t>Works with </a:t>
-            </a:r>
-            <a:r>
-              <a:rPr lang="en-US" i="1" u="sng" dirty="0" smtClean="0"/>
-              <a:t>any</a:t>
-            </a:r>
-            <a:r>
-              <a:rPr lang="en-US" dirty="0" smtClean="0"/>
-              <a:t> ADO.NET provider </a:t>
-            </a:r>
-          </a:p>
-          <a:p>
-            <a:pPr marL="0" indent="0">
-              <a:buNone/>
-            </a:pPr>
-            <a:r>
-              <a:rPr lang="en-US" dirty="0" smtClean="0"/>
-              <a:t>(SQLite</a:t>
-            </a:r>
-            <a:r>
-              <a:rPr lang="en-US" dirty="0"/>
-              <a:t>, SQL CE, Firebird, Oracle, MySQL, </a:t>
-            </a:r>
-            <a:r>
-              <a:rPr lang="en-US" dirty="0" smtClean="0"/>
-              <a:t>PostgreSQL, SQL Server, </a:t>
-            </a:r>
-            <a:r>
-              <a:rPr lang="en-US" dirty="0" err="1" smtClean="0"/>
-              <a:t>etc</a:t>
-            </a:r>
-            <a:r>
-              <a:rPr lang="en-US" dirty="0" smtClean="0"/>
-              <a:t>…)</a:t>
-            </a:r>
-          </a:p>
-          <a:p>
-            <a:pPr marL="0" indent="0">
-              <a:buNone/>
-            </a:pPr>
-            <a:endParaRPr lang="en-US" dirty="0" smtClean="0"/>
-          </a:p>
-          <a:p>
-            <a:r>
-              <a:rPr lang="en-US" sz="2800" dirty="0" smtClean="0"/>
-              <a:t>PERFORMANCE!</a:t>
-            </a:r>
-            <a:endParaRPr lang="en-US" sz="2400" dirty="0" smtClean="0"/>
-          </a:p>
-          <a:p>
-            <a:endParaRPr lang="en-US" dirty="0"/>
-          </a:p>
-        </p:txBody>
-      </p:sp>
-    </p:spTree>
-    <p:extLst>
-      <p:ext uri="{BB962C8B-B14F-4D97-AF65-F5344CB8AC3E}">
-        <p14:creationId xmlns:p14="http://schemas.microsoft.com/office/powerpoint/2010/main" val="1439609625"/>
-      </p:ext>
-    </p:extLst>
-  </p:cSld>
-  <p:clrMapOvr>
-    <a:masterClrMapping/>
-  </p:clrMapOvr>
-</p:sld>
-</file>
-
-<file path=ppt/slides/slide13.xml><?xml version="1.0" encoding="utf-8"?>
-<p:sld xmlns:a="http://schemas.openxmlformats.org/drawingml/2006/main" xmlns:r="http://schemas.openxmlformats.org/officeDocument/2006/relationships" xmlns:p="http://schemas.openxmlformats.org/presentationml/2006/main">
-  <p:cSld>
-    <p:spTree>
-      <p:nvGrpSpPr>
-        <p:cNvPr id="1" name=""/>
-        <p:cNvGrpSpPr/>
-        <p:nvPr/>
-      </p:nvGrpSpPr>
-      <p:grpSpPr>
-        <a:xfrm>
-          <a:off x="0" y="0"/>
-          <a:ext cx="0" cy="0"/>
-          <a:chOff x="0" y="0"/>
-          <a:chExt cx="0" cy="0"/>
-        </a:xfrm>
-      </p:grpSpPr>
-      <p:sp>
-        <p:nvSpPr>
-          <p:cNvPr id="2" name="Title 1"/>
-          <p:cNvSpPr>
-            <a:spLocks noGrp="1"/>
-          </p:cNvSpPr>
-          <p:nvPr>
-            <p:ph type="title"/>
           </p:nvPr>
         </p:nvSpPr>
         <p:spPr/>
@@ -11442,44 +11331,17 @@
           <a:lstStyle/>
           <a:p>
             <a:r>
-              <a:rPr lang="en-US" dirty="0" smtClean="0"/>
-              <a:t>Performance</a:t>
+              <a:rPr lang="en-US" b="1" dirty="0"/>
+              <a:t>SELECT mapping over</a:t>
+            </a:r>
+            <a:br>
+              <a:rPr lang="en-US" b="1" dirty="0"/>
+            </a:br>
+            <a:r>
+              <a:rPr lang="en-US" b="1" dirty="0"/>
+              <a:t>500 iterations</a:t>
             </a:r>
             <a:endParaRPr lang="en-US" dirty="0"/>
-          </a:p>
-        </p:txBody>
-      </p:sp>
-      <p:sp>
-        <p:nvSpPr>
-          <p:cNvPr id="3" name="Content Placeholder 2"/>
-          <p:cNvSpPr>
-            <a:spLocks noGrp="1"/>
-          </p:cNvSpPr>
-          <p:nvPr>
-            <p:ph idx="1"/>
-          </p:nvPr>
-        </p:nvSpPr>
-        <p:spPr/>
-        <p:txBody>
-          <a:bodyPr/>
-          <a:lstStyle/>
-          <a:p>
-            <a:r>
-              <a:rPr lang="en-US" b="1" dirty="0"/>
-              <a:t>SELECT mapping </a:t>
-            </a:r>
-            <a:r>
-              <a:rPr lang="en-US" b="1" dirty="0" smtClean="0"/>
-              <a:t>over</a:t>
-            </a:r>
-            <a:br>
-              <a:rPr lang="en-US" b="1" dirty="0" smtClean="0"/>
-            </a:br>
-            <a:r>
-              <a:rPr lang="en-US" b="1" dirty="0" smtClean="0"/>
-              <a:t>500 iterations</a:t>
-            </a:r>
-            <a:endParaRPr lang="en-US" dirty="0" smtClean="0"/>
           </a:p>
           <a:p>
             <a:endParaRPr lang="en-US" b="1" dirty="0"/>
@@ -11961,6 +11823,115 @@
 </p:sld>
 </file>
 
+<file path=ppt/slides/slide13.xml><?xml version="1.0" encoding="utf-8"?>
+<p:sld xmlns:a="http://schemas.openxmlformats.org/drawingml/2006/main" xmlns:r="http://schemas.openxmlformats.org/officeDocument/2006/relationships" xmlns:p="http://schemas.openxmlformats.org/presentationml/2006/main">
+  <p:cSld>
+    <p:spTree>
+      <p:nvGrpSpPr>
+        <p:cNvPr id="1" name=""/>
+        <p:cNvGrpSpPr/>
+        <p:nvPr/>
+      </p:nvGrpSpPr>
+      <p:grpSpPr>
+        <a:xfrm>
+          <a:off x="0" y="0"/>
+          <a:ext cx="0" cy="0"/>
+          <a:chOff x="0" y="0"/>
+          <a:chExt cx="0" cy="0"/>
+        </a:xfrm>
+      </p:grpSpPr>
+      <p:sp>
+        <p:nvSpPr>
+          <p:cNvPr id="2" name="Title 1"/>
+          <p:cNvSpPr>
+            <a:spLocks noGrp="1"/>
+          </p:cNvSpPr>
+          <p:nvPr>
+            <p:ph type="title"/>
+          </p:nvPr>
+        </p:nvSpPr>
+        <p:spPr/>
+        <p:txBody>
+          <a:bodyPr/>
+          <a:lstStyle/>
+          <a:p>
+            <a:r>
+              <a:rPr lang="en-US" dirty="0"/>
+              <a:t>Performance</a:t>
+            </a:r>
+          </a:p>
+        </p:txBody>
+      </p:sp>
+      <p:sp>
+        <p:nvSpPr>
+          <p:cNvPr id="3" name="Content Placeholder 2"/>
+          <p:cNvSpPr>
+            <a:spLocks noGrp="1"/>
+          </p:cNvSpPr>
+          <p:nvPr>
+            <p:ph idx="1"/>
+          </p:nvPr>
+        </p:nvSpPr>
+        <p:spPr/>
+        <p:txBody>
+          <a:bodyPr/>
+          <a:lstStyle/>
+          <a:p>
+            <a:r>
+              <a:rPr lang="en-US" b="1" dirty="0"/>
+              <a:t>SELECT mapping over</a:t>
+            </a:r>
+            <a:br>
+              <a:rPr lang="en-US" b="1" dirty="0"/>
+            </a:br>
+            <a:r>
+              <a:rPr lang="en-US" b="1" dirty="0"/>
+              <a:t>500 iterations</a:t>
+            </a:r>
+            <a:endParaRPr lang="en-US" dirty="0"/>
+          </a:p>
+          <a:p>
+            <a:endParaRPr lang="en-US" b="1" dirty="0"/>
+          </a:p>
+        </p:txBody>
+      </p:sp>
+      <p:graphicFrame>
+        <p:nvGraphicFramePr>
+          <p:cNvPr id="5" name="Chart 4"/>
+          <p:cNvGraphicFramePr>
+            <a:graphicFrameLocks/>
+          </p:cNvGraphicFramePr>
+          <p:nvPr>
+            <p:extLst>
+              <p:ext uri="{D42A27DB-BD31-4B8C-83A1-F6EECF244321}">
+                <p14:modId xmlns:p14="http://schemas.microsoft.com/office/powerpoint/2010/main" val="3645384510"/>
+              </p:ext>
+            </p:extLst>
+          </p:nvPr>
+        </p:nvGraphicFramePr>
+        <p:xfrm>
+          <a:off x="4957260" y="709938"/>
+          <a:ext cx="6617568" cy="5429605"/>
+        </p:xfrm>
+        <a:graphic>
+          <a:graphicData uri="http://schemas.openxmlformats.org/drawingml/2006/chart">
+            <c:chart xmlns:c="http://schemas.openxmlformats.org/drawingml/2006/chart" xmlns:r="http://schemas.openxmlformats.org/officeDocument/2006/relationships" r:id="rId2"/>
+          </a:graphicData>
+        </a:graphic>
+      </p:graphicFrame>
+    </p:spTree>
+    <p:extLst>
+      <p:ext uri="{BB962C8B-B14F-4D97-AF65-F5344CB8AC3E}">
+        <p14:creationId xmlns:p14="http://schemas.microsoft.com/office/powerpoint/2010/main" val="43185429"/>
+      </p:ext>
+    </p:extLst>
+  </p:cSld>
+  <p:clrMapOvr>
+    <a:masterClrMapping/>
+  </p:clrMapOvr>
+</p:sld>
+</file>
+
 <file path=ppt/slides/slide14.xml><?xml version="1.0" encoding="utf-8"?>
 <p:sld xmlns:a="http://schemas.openxmlformats.org/drawingml/2006/main" xmlns:r="http://schemas.openxmlformats.org/officeDocument/2006/relationships" xmlns:p="http://schemas.openxmlformats.org/presentationml/2006/main">
   <p:cSld>
@@ -11994,10 +11965,9 @@
           <a:lstStyle/>
           <a:p>
             <a:r>
-              <a:rPr lang="en-US" dirty="0" smtClean="0"/>
-              <a:t>Performance</a:t>
-            </a:r>
-            <a:endParaRPr lang="en-US" dirty="0"/>
+              <a:rPr lang="en-US" dirty="0"/>
+              <a:t>How it Works</a:t>
+            </a:r>
           </a:p>
         </p:txBody>
       </p:sp>
@@ -12017,55 +11987,86 @@
           <a:lstStyle/>
           <a:p>
             <a:r>
-              <a:rPr lang="en-US" b="1" dirty="0"/>
-              <a:t>SELECT mapping </a:t>
-            </a:r>
-            <a:r>
-              <a:rPr lang="en-US" b="1" dirty="0" smtClean="0"/>
-              <a:t>over</a:t>
-            </a:r>
-            <a:br>
-              <a:rPr lang="en-US" b="1" dirty="0" smtClean="0"/>
-            </a:br>
-            <a:r>
-              <a:rPr lang="en-US" b="1" dirty="0" smtClean="0"/>
-              <a:t>500 iterations</a:t>
-            </a:r>
-            <a:endParaRPr lang="en-US" dirty="0" smtClean="0"/>
-          </a:p>
-          <a:p>
-            <a:endParaRPr lang="en-US" b="1" dirty="0"/>
-          </a:p>
-        </p:txBody>
-      </p:sp>
-      <p:graphicFrame>
-        <p:nvGraphicFramePr>
-          <p:cNvPr id="5" name="Chart 4"/>
-          <p:cNvGraphicFramePr>
-            <a:graphicFrameLocks/>
-          </p:cNvGraphicFramePr>
-          <p:nvPr>
-            <p:extLst>
-              <p:ext uri="{D42A27DB-BD31-4B8C-83A1-F6EECF244321}">
-                <p14:modId xmlns:p14="http://schemas.microsoft.com/office/powerpoint/2010/main" val="3645384510"/>
-              </p:ext>
-            </p:extLst>
-          </p:nvPr>
-        </p:nvGraphicFramePr>
-        <p:xfrm>
-          <a:off x="4957260" y="709938"/>
-          <a:ext cx="6617568" cy="5429605"/>
-        </p:xfrm>
-        <a:graphic>
-          <a:graphicData uri="http://schemas.openxmlformats.org/drawingml/2006/chart">
-            <c:chart xmlns:c="http://schemas.openxmlformats.org/drawingml/2006/chart" xmlns:r="http://schemas.openxmlformats.org/officeDocument/2006/relationships" r:id="rId2"/>
-          </a:graphicData>
-        </a:graphic>
-      </p:graphicFrame>
+              <a:rPr lang="en-US" dirty="0"/>
+              <a:t>Sits right on top of ADO.NET</a:t>
+            </a:r>
+          </a:p>
+          <a:p>
+            <a:r>
+              <a:rPr lang="en-US" dirty="0"/>
+              <a:t>“Close to the metal”</a:t>
+            </a:r>
+          </a:p>
+          <a:p>
+            <a:r>
+              <a:rPr lang="en-US" dirty="0"/>
+              <a:t>Extension methods for </a:t>
+            </a:r>
+            <a:r>
+              <a:rPr lang="en-US" dirty="0" err="1"/>
+              <a:t>IDBConnection</a:t>
+            </a:r>
+            <a:r>
+              <a:rPr lang="en-US" dirty="0"/>
+              <a:t> &amp; </a:t>
+            </a:r>
+            <a:r>
+              <a:rPr lang="en-US" dirty="0" err="1"/>
+              <a:t>DataTable</a:t>
+            </a:r>
+            <a:endParaRPr lang="en-US" dirty="0"/>
+          </a:p>
+          <a:p>
+            <a:r>
+              <a:rPr lang="en-US" dirty="0"/>
+              <a:t>Found in Dapper namespace</a:t>
+            </a:r>
+          </a:p>
+          <a:p>
+            <a:r>
+              <a:rPr lang="en-US" dirty="0"/>
+              <a:t>Methods return as </a:t>
+            </a:r>
+            <a:r>
+              <a:rPr lang="en-US" dirty="0" err="1"/>
+              <a:t>IEnumerable</a:t>
+            </a:r>
+            <a:r>
+              <a:rPr lang="en-US" dirty="0"/>
+              <a:t>&lt;T&gt;</a:t>
+            </a:r>
+          </a:p>
+          <a:p>
+            <a:r>
+              <a:rPr lang="en-US" dirty="0"/>
+              <a:t>Doesn’t generate SQL for you*</a:t>
+            </a:r>
+          </a:p>
+          <a:p>
+            <a:endParaRPr lang="en-US" dirty="0"/>
+          </a:p>
+          <a:p>
+            <a:endParaRPr lang="en-US" dirty="0"/>
+          </a:p>
+          <a:p>
+            <a:pPr marL="0" indent="0">
+              <a:buNone/>
+            </a:pPr>
+            <a:r>
+              <a:rPr lang="en-US" sz="1200" dirty="0"/>
+              <a:t>* But some extensions do</a:t>
+            </a:r>
+            <a:endParaRPr lang="en-US" dirty="0"/>
+          </a:p>
+          <a:p>
+            <a:endParaRPr lang="en-US" dirty="0"/>
+          </a:p>
+        </p:txBody>
+      </p:sp>
     </p:spTree>
     <p:extLst>
       <p:ext uri="{BB962C8B-B14F-4D97-AF65-F5344CB8AC3E}">
-        <p14:creationId xmlns:p14="http://schemas.microsoft.com/office/powerpoint/2010/main" val="43185429"/>
+        <p14:creationId xmlns:p14="http://schemas.microsoft.com/office/powerpoint/2010/main" val="1741546007"/>
       </p:ext>
     </p:extLst>
   </p:cSld>
@@ -12108,10 +12109,9 @@
           <a:lstStyle/>
           <a:p>
             <a:r>
-              <a:rPr lang="en-US" dirty="0" smtClean="0"/>
-              <a:t>How it Works</a:t>
-            </a:r>
-            <a:endParaRPr lang="en-US" dirty="0"/>
+              <a:rPr lang="en-US" dirty="0"/>
+              <a:t>Feature Demos</a:t>
+            </a:r>
           </a:p>
         </p:txBody>
       </p:sp>
@@ -12122,7 +12122,7 @@
             <a:spLocks noGrp="1"/>
           </p:cNvSpPr>
           <p:nvPr>
-            <p:ph idx="1"/>
+            <p:ph type="body" idx="1"/>
           </p:nvPr>
         </p:nvSpPr>
         <p:spPr/>
@@ -12131,86 +12131,20 @@
           <a:lstStyle/>
           <a:p>
             <a:r>
-              <a:rPr lang="en-US" dirty="0" smtClean="0"/>
-              <a:t>Sits right on top of ADO.NET</a:t>
-            </a:r>
-          </a:p>
-          <a:p>
-            <a:r>
-              <a:rPr lang="en-US" dirty="0" smtClean="0"/>
-              <a:t>“Close to the metal”</a:t>
-            </a:r>
-          </a:p>
-          <a:p>
-            <a:r>
-              <a:rPr lang="en-US" dirty="0" smtClean="0"/>
-              <a:t>Extension methods for </a:t>
-            </a:r>
-            <a:r>
-              <a:rPr lang="en-US" dirty="0" err="1" smtClean="0"/>
-              <a:t>IDBConnection</a:t>
-            </a:r>
-            <a:r>
-              <a:rPr lang="en-US" dirty="0" smtClean="0"/>
-              <a:t> &amp; </a:t>
-            </a:r>
-            <a:r>
-              <a:rPr lang="en-US" dirty="0" err="1" smtClean="0"/>
-              <a:t>DataTable</a:t>
-            </a:r>
-            <a:endParaRPr lang="en-US" dirty="0" smtClean="0"/>
-          </a:p>
-          <a:p>
-            <a:r>
-              <a:rPr lang="en-US" dirty="0" smtClean="0"/>
-              <a:t>Found in Dapper namespace</a:t>
-            </a:r>
-          </a:p>
-          <a:p>
-            <a:r>
-              <a:rPr lang="en-US" dirty="0" smtClean="0"/>
-              <a:t>Methods return as </a:t>
-            </a:r>
-            <a:r>
-              <a:rPr lang="en-US" dirty="0" err="1" smtClean="0"/>
-              <a:t>IEnumerable</a:t>
-            </a:r>
-            <a:r>
-              <a:rPr lang="en-US" dirty="0" smtClean="0"/>
-              <a:t>&lt;T&gt;</a:t>
-            </a:r>
-          </a:p>
-          <a:p>
-            <a:r>
-              <a:rPr lang="en-US" dirty="0" smtClean="0"/>
-              <a:t>Doesn’t generate SQL for you*</a:t>
-            </a:r>
-          </a:p>
-          <a:p>
-            <a:endParaRPr lang="en-US" dirty="0"/>
-          </a:p>
-          <a:p>
-            <a:endParaRPr lang="en-US" dirty="0" smtClean="0"/>
-          </a:p>
-          <a:p>
-            <a:pPr marL="0" indent="0">
-              <a:buNone/>
-            </a:pPr>
-            <a:r>
-              <a:rPr lang="en-US" sz="1200" dirty="0" smtClean="0"/>
-              <a:t>* But some extensions do</a:t>
-            </a:r>
-            <a:endParaRPr lang="en-US" dirty="0" smtClean="0"/>
-          </a:p>
-          <a:p>
-            <a:endParaRPr lang="en-US" dirty="0"/>
+              <a:rPr lang="en-US" dirty="0" err="1"/>
+              <a:t>Dapper’s</a:t>
+            </a:r>
+            <a:r>
+              <a:rPr lang="en-US" dirty="0"/>
+              <a:t> Great Features (in Demo-Form)</a:t>
+            </a:r>
           </a:p>
         </p:txBody>
       </p:sp>
     </p:spTree>
     <p:extLst>
       <p:ext uri="{BB962C8B-B14F-4D97-AF65-F5344CB8AC3E}">
-        <p14:creationId xmlns:p14="http://schemas.microsoft.com/office/powerpoint/2010/main" val="1741546007"/>
+        <p14:creationId xmlns:p14="http://schemas.microsoft.com/office/powerpoint/2010/main" val="3044789676"/>
       </p:ext>
     </p:extLst>
   </p:cSld>
@@ -12253,16 +12187,15 @@
           <a:lstStyle/>
           <a:p>
             <a:r>
-              <a:rPr lang="en-US" dirty="0" smtClean="0"/>
-              <a:t>Feature Demos</a:t>
-            </a:r>
-            <a:endParaRPr lang="en-US" dirty="0"/>
-          </a:p>
-        </p:txBody>
-      </p:sp>
-      <p:sp>
-        <p:nvSpPr>
-          <p:cNvPr id="3" name="Content Placeholder 2"/>
+              <a:rPr lang="en-US" dirty="0"/>
+              <a:t>Extensions</a:t>
+            </a:r>
+          </a:p>
+        </p:txBody>
+      </p:sp>
+      <p:sp>
+        <p:nvSpPr>
+          <p:cNvPr id="4" name="Text Placeholder 3"/>
           <p:cNvSpPr>
             <a:spLocks noGrp="1"/>
           </p:cNvSpPr>
@@ -12276,29 +12209,16 @@
           <a:lstStyle/>
           <a:p>
             <a:r>
-              <a:rPr lang="en-US" dirty="0" err="1" smtClean="0"/>
-              <a:t>Dapper’s</a:t>
-            </a:r>
-            <a:r>
-              <a:rPr lang="en-US" dirty="0" smtClean="0"/>
-              <a:t> Great Features </a:t>
-            </a:r>
-            <a:r>
               <a:rPr lang="en-US" dirty="0"/>
-              <a:t>(</a:t>
-            </a:r>
-            <a:r>
-              <a:rPr lang="en-US" dirty="0" smtClean="0"/>
-              <a:t>in Demo-Form)</a:t>
-            </a:r>
-            <a:endParaRPr lang="en-US" dirty="0"/>
+              <a:t>Making Dapper even Better</a:t>
+            </a:r>
           </a:p>
         </p:txBody>
       </p:sp>
     </p:spTree>
     <p:extLst>
       <p:ext uri="{BB962C8B-B14F-4D97-AF65-F5344CB8AC3E}">
-        <p14:creationId xmlns:p14="http://schemas.microsoft.com/office/powerpoint/2010/main" val="3044789676"/>
+        <p14:creationId xmlns:p14="http://schemas.microsoft.com/office/powerpoint/2010/main" val="2813789955"/>
       </p:ext>
     </p:extLst>
   </p:cSld>
@@ -12327,7 +12247,7 @@
       </p:grpSpPr>
       <p:sp>
         <p:nvSpPr>
-          <p:cNvPr id="2" name="Title 1"/>
+          <p:cNvPr id="4" name="Title 3"/>
           <p:cNvSpPr>
             <a:spLocks noGrp="1"/>
           </p:cNvSpPr>
@@ -12341,32 +12261,132 @@
           <a:lstStyle/>
           <a:p>
             <a:r>
-              <a:rPr lang="en-US" dirty="0" smtClean="0"/>
-              <a:t>Extensions</a:t>
-            </a:r>
+              <a:rPr lang="en-US" dirty="0"/>
+              <a:t>Dapper Extensions</a:t>
+            </a:r>
+          </a:p>
+        </p:txBody>
+      </p:sp>
+      <p:sp>
+        <p:nvSpPr>
+          <p:cNvPr id="5" name="Content Placeholder 4"/>
+          <p:cNvSpPr>
+            <a:spLocks noGrp="1"/>
+          </p:cNvSpPr>
+          <p:nvPr>
+            <p:ph idx="1"/>
+          </p:nvPr>
+        </p:nvSpPr>
+        <p:spPr/>
+        <p:txBody>
+          <a:bodyPr numCol="2">
+            <a:normAutofit/>
+          </a:bodyPr>
+          <a:lstStyle/>
+          <a:p>
+            <a:r>
+              <a:rPr lang="en-US" u="sng" dirty="0" err="1"/>
+              <a:t>Dapper.Rainbow</a:t>
+            </a:r>
+            <a:endParaRPr lang="en-US" u="sng" dirty="0"/>
+          </a:p>
+          <a:p>
+            <a:r>
+              <a:rPr lang="en-US" u="sng" dirty="0" err="1"/>
+              <a:t>Dapper.Contrib</a:t>
+            </a:r>
+            <a:endParaRPr lang="en-US" u="sng" dirty="0"/>
+          </a:p>
+          <a:p>
+            <a:r>
+              <a:rPr lang="en-US" u="sng" dirty="0" err="1"/>
+              <a:t>Dapper.SqlBuilder</a:t>
+            </a:r>
+            <a:endParaRPr lang="en-US" u="sng" dirty="0"/>
+          </a:p>
+          <a:p>
+            <a:pPr marL="0" indent="0">
+              <a:buNone/>
+            </a:pPr>
             <a:endParaRPr lang="en-US" dirty="0"/>
           </a:p>
-        </p:txBody>
-      </p:sp>
-      <p:sp>
-        <p:nvSpPr>
-          <p:cNvPr id="4" name="Text Placeholder 3"/>
-          <p:cNvSpPr>
-            <a:spLocks noGrp="1"/>
-          </p:cNvSpPr>
-          <p:nvPr>
-            <p:ph type="body" idx="1"/>
-          </p:nvPr>
-        </p:nvSpPr>
-        <p:spPr/>
-        <p:txBody>
-          <a:bodyPr/>
-          <a:lstStyle/>
-          <a:p>
-            <a:r>
-              <a:rPr lang="en-US" dirty="0" smtClean="0"/>
-              <a:t>Making Dapper even Better</a:t>
-            </a:r>
+          <a:p>
+            <a:pPr marL="0" indent="0">
+              <a:buNone/>
+            </a:pPr>
+            <a:endParaRPr lang="en-US" dirty="0"/>
+          </a:p>
+          <a:p>
+            <a:pPr marL="0" indent="0">
+              <a:buNone/>
+            </a:pPr>
+            <a:endParaRPr lang="en-US" dirty="0"/>
+          </a:p>
+          <a:p>
+            <a:pPr marL="0" indent="0">
+              <a:buNone/>
+            </a:pPr>
+            <a:endParaRPr lang="en-US" dirty="0"/>
+          </a:p>
+          <a:p>
+            <a:pPr marL="0" indent="0">
+              <a:buNone/>
+            </a:pPr>
+            <a:endParaRPr lang="en-US" dirty="0"/>
+          </a:p>
+          <a:p>
+            <a:pPr marL="0" indent="0">
+              <a:buNone/>
+            </a:pPr>
+            <a:endParaRPr lang="en-US" dirty="0"/>
+          </a:p>
+          <a:p>
+            <a:pPr marL="0" indent="0">
+              <a:buNone/>
+            </a:pPr>
+            <a:r>
+              <a:rPr lang="en-US" b="1" dirty="0"/>
+              <a:t>3rd party extensions</a:t>
+            </a:r>
+          </a:p>
+          <a:p>
+            <a:r>
+              <a:rPr lang="en-US" u="sng" dirty="0"/>
+              <a:t>Dapper Extensions</a:t>
+            </a:r>
+          </a:p>
+          <a:p>
+            <a:r>
+              <a:rPr lang="en-US" dirty="0" err="1"/>
+              <a:t>SQLinq</a:t>
+            </a:r>
+            <a:endParaRPr lang="en-US" dirty="0"/>
+          </a:p>
+          <a:p>
+            <a:r>
+              <a:rPr lang="en-US" dirty="0" err="1"/>
+              <a:t>SalarDbCodeGenerator</a:t>
+            </a:r>
+            <a:endParaRPr lang="en-US" dirty="0"/>
+          </a:p>
+          <a:p>
+            <a:r>
+              <a:rPr lang="en-US" dirty="0" err="1"/>
+              <a:t>Dapper.FluentMap</a:t>
+            </a:r>
+            <a:endParaRPr lang="en-US" dirty="0"/>
+          </a:p>
+          <a:p>
+            <a:r>
+              <a:rPr lang="en-US" u="sng" dirty="0" err="1"/>
+              <a:t>Dapper.SimpleCRUD</a:t>
+            </a:r>
+            <a:endParaRPr lang="en-US" u="sng" dirty="0"/>
+          </a:p>
+          <a:p>
+            <a:endParaRPr lang="en-US" dirty="0"/>
+          </a:p>
+          <a:p>
             <a:endParaRPr lang="en-US" dirty="0"/>
           </a:p>
         </p:txBody>
@@ -12374,7 +12394,7 @@
     </p:spTree>
     <p:extLst>
       <p:ext uri="{BB962C8B-B14F-4D97-AF65-F5344CB8AC3E}">
-        <p14:creationId xmlns:p14="http://schemas.microsoft.com/office/powerpoint/2010/main" val="2813789955"/>
+        <p14:creationId xmlns:p14="http://schemas.microsoft.com/office/powerpoint/2010/main" val="375491702"/>
       </p:ext>
     </p:extLst>
   </p:cSld>
@@ -12403,7 +12423,7 @@
       </p:grpSpPr>
       <p:sp>
         <p:nvSpPr>
-          <p:cNvPr id="4" name="Title 3"/>
+          <p:cNvPr id="2" name="Title 1"/>
           <p:cNvSpPr>
             <a:spLocks noGrp="1"/>
           </p:cNvSpPr>
@@ -12417,8 +12437,8 @@
           <a:lstStyle/>
           <a:p>
             <a:r>
-              <a:rPr lang="en-US" dirty="0" smtClean="0"/>
-              <a:t>Dapper Extensions</a:t>
+              <a:rPr lang="en-US" dirty="0" err="1"/>
+              <a:t>Dapper.Contrib</a:t>
             </a:r>
             <a:endParaRPr lang="en-US" dirty="0"/>
           </a:p>
@@ -12426,7 +12446,7 @@
       </p:sp>
       <p:sp>
         <p:nvSpPr>
-          <p:cNvPr id="5" name="Content Placeholder 4"/>
+          <p:cNvPr id="4" name="Text Placeholder 3"/>
           <p:cNvSpPr>
             <a:spLocks noGrp="1"/>
           </p:cNvSpPr>
@@ -12436,36 +12456,31 @@
         </p:nvSpPr>
         <p:spPr/>
         <p:txBody>
-          <a:bodyPr numCol="2">
-            <a:normAutofit/>
-          </a:bodyPr>
+          <a:bodyPr/>
           <a:lstStyle/>
           <a:p>
             <a:r>
-              <a:rPr lang="en-US" u="sng" dirty="0" err="1" smtClean="0"/>
-              <a:t>Dapper.Rainbow</a:t>
-            </a:r>
-            <a:endParaRPr lang="en-US" u="sng" dirty="0"/>
-          </a:p>
-          <a:p>
-            <a:r>
-              <a:rPr lang="en-US" u="sng" dirty="0" err="1"/>
-              <a:t>Dapper.Contrib</a:t>
-            </a:r>
-            <a:endParaRPr lang="en-US" u="sng" dirty="0"/>
-          </a:p>
-          <a:p>
-            <a:r>
-              <a:rPr lang="en-US" u="sng" dirty="0" err="1"/>
-              <a:t>Dapper.SqlBuilder</a:t>
-            </a:r>
-            <a:endParaRPr lang="en-US" u="sng" dirty="0"/>
-          </a:p>
-          <a:p>
-            <a:pPr marL="0" indent="0">
-              <a:buNone/>
-            </a:pPr>
-            <a:endParaRPr lang="en-US" dirty="0" smtClean="0"/>
+              <a:rPr lang="en-US" dirty="0"/>
+              <a:t>Additional helper methods</a:t>
+            </a:r>
+          </a:p>
+          <a:p>
+            <a:r>
+              <a:rPr lang="en-US" dirty="0"/>
+              <a:t>Automatically writes basic SQL statements</a:t>
+            </a:r>
+          </a:p>
+          <a:p>
+            <a:r>
+              <a:rPr lang="en-US" dirty="0"/>
+              <a:t>Basic change tracking via interfaces</a:t>
+            </a:r>
+          </a:p>
+          <a:p>
+            <a:r>
+              <a:rPr lang="en-US" dirty="0"/>
+              <a:t>Mapping customization via Attributes</a:t>
+            </a:r>
           </a:p>
           <a:p>
             <a:pPr marL="0" indent="0">
@@ -12474,89 +12489,17 @@
             <a:endParaRPr lang="en-US" dirty="0"/>
           </a:p>
           <a:p>
-            <a:pPr marL="0" indent="0">
-              <a:buNone/>
-            </a:pPr>
-            <a:endParaRPr lang="en-US" dirty="0" smtClean="0"/>
-          </a:p>
-          <a:p>
-            <a:pPr marL="0" indent="0">
-              <a:buNone/>
-            </a:pPr>
-            <a:endParaRPr lang="en-US" dirty="0"/>
-          </a:p>
-          <a:p>
-            <a:pPr marL="0" indent="0">
-              <a:buNone/>
-            </a:pPr>
-            <a:endParaRPr lang="en-US" dirty="0" smtClean="0"/>
-          </a:p>
-          <a:p>
-            <a:pPr marL="0" indent="0">
-              <a:buNone/>
-            </a:pPr>
-            <a:endParaRPr lang="en-US" dirty="0"/>
-          </a:p>
-          <a:p>
-            <a:pPr marL="0" indent="0">
-              <a:buNone/>
-            </a:pPr>
-            <a:r>
-              <a:rPr lang="en-US" b="1" dirty="0"/>
-              <a:t>3rd party </a:t>
-            </a:r>
-            <a:r>
-              <a:rPr lang="en-US" b="1" dirty="0" smtClean="0"/>
-              <a:t>extensions</a:t>
-            </a:r>
-            <a:endParaRPr lang="en-US" b="1" dirty="0"/>
-          </a:p>
-          <a:p>
-            <a:r>
-              <a:rPr lang="en-US" u="sng" dirty="0"/>
-              <a:t>Dapper Extensions</a:t>
-            </a:r>
-          </a:p>
-          <a:p>
-            <a:r>
-              <a:rPr lang="en-US" dirty="0" err="1"/>
-              <a:t>SQLinq</a:t>
-            </a:r>
-            <a:endParaRPr lang="en-US" dirty="0"/>
-          </a:p>
-          <a:p>
-            <a:r>
-              <a:rPr lang="en-US" dirty="0" err="1"/>
-              <a:t>SalarDbCodeGenerator</a:t>
-            </a:r>
-            <a:endParaRPr lang="en-US" dirty="0"/>
-          </a:p>
-          <a:p>
-            <a:r>
-              <a:rPr lang="en-US" dirty="0" err="1"/>
-              <a:t>Dapper.FluentMap</a:t>
-            </a:r>
-            <a:endParaRPr lang="en-US" dirty="0"/>
-          </a:p>
-          <a:p>
-            <a:r>
-              <a:rPr lang="en-US" u="sng" dirty="0" err="1" smtClean="0"/>
-              <a:t>Dapper.SimpleCRUD</a:t>
-            </a:r>
-            <a:endParaRPr lang="en-US" u="sng" dirty="0"/>
-          </a:p>
-          <a:p>
-            <a:endParaRPr lang="en-US" dirty="0"/>
-          </a:p>
-          <a:p>
-            <a:endParaRPr lang="en-US" dirty="0"/>
+            <a:r>
+              <a:rPr lang="en-US" dirty="0"/>
+              <a:t>DEMOS</a:t>
+            </a:r>
           </a:p>
         </p:txBody>
       </p:sp>
     </p:spTree>
     <p:extLst>
       <p:ext uri="{BB962C8B-B14F-4D97-AF65-F5344CB8AC3E}">
-        <p14:creationId xmlns:p14="http://schemas.microsoft.com/office/powerpoint/2010/main" val="375491702"/>
+        <p14:creationId xmlns:p14="http://schemas.microsoft.com/office/powerpoint/2010/main" val="3400298408"/>
       </p:ext>
     </p:extLst>
   </p:cSld>
@@ -12599,8 +12542,8 @@
           <a:lstStyle/>
           <a:p>
             <a:r>
-              <a:rPr lang="en-US" dirty="0" err="1" smtClean="0"/>
-              <a:t>Dapper.Contrib</a:t>
+              <a:rPr lang="en-US" dirty="0" err="1"/>
+              <a:t>Dapper.SQLBuilder</a:t>
             </a:r>
             <a:endParaRPr lang="en-US" dirty="0"/>
           </a:p>
@@ -12608,7 +12551,7 @@
       </p:sp>
       <p:sp>
         <p:nvSpPr>
-          <p:cNvPr id="4" name="Text Placeholder 3"/>
+          <p:cNvPr id="3" name="Content Placeholder 2"/>
           <p:cNvSpPr>
             <a:spLocks noGrp="1"/>
           </p:cNvSpPr>
@@ -12622,47 +12565,37 @@
           <a:lstStyle/>
           <a:p>
             <a:r>
-              <a:rPr lang="en-US" dirty="0" smtClean="0"/>
-              <a:t>Additional helper methods</a:t>
-            </a:r>
-          </a:p>
-          <a:p>
-            <a:r>
-              <a:rPr lang="en-US" dirty="0" smtClean="0"/>
-              <a:t>Automatically writes basic SQL statements</a:t>
-            </a:r>
-          </a:p>
-          <a:p>
-            <a:r>
-              <a:rPr lang="en-US" dirty="0" smtClean="0"/>
-              <a:t>Basic change tracking via interfaces</a:t>
-            </a:r>
-          </a:p>
-          <a:p>
-            <a:r>
-              <a:rPr lang="en-US" dirty="0" smtClean="0"/>
-              <a:t>Mapping customization via Attributes</a:t>
-            </a:r>
-          </a:p>
-          <a:p>
-            <a:pPr marL="0" indent="0">
-              <a:buNone/>
-            </a:pPr>
-            <a:endParaRPr lang="en-US" dirty="0" smtClean="0"/>
-          </a:p>
-          <a:p>
-            <a:r>
-              <a:rPr lang="en-US" dirty="0" smtClean="0"/>
+              <a:rPr lang="en-US" dirty="0"/>
+              <a:t>Builds parameterized SQL queries</a:t>
+            </a:r>
+          </a:p>
+          <a:p>
+            <a:r>
+              <a:rPr lang="en-US" dirty="0"/>
+              <a:t>Dynamic SQL</a:t>
+            </a:r>
+          </a:p>
+          <a:p>
+            <a:r>
+              <a:rPr lang="en-US" dirty="0"/>
+              <a:t>Good for search/list screens</a:t>
+            </a:r>
+          </a:p>
+          <a:p>
+            <a:endParaRPr lang="en-US" dirty="0"/>
+          </a:p>
+          <a:p>
+            <a:r>
+              <a:rPr lang="en-US" dirty="0"/>
               <a:t>DEMOS</a:t>
             </a:r>
-            <a:endParaRPr lang="en-US" dirty="0"/>
           </a:p>
         </p:txBody>
       </p:sp>
     </p:spTree>
     <p:extLst>
       <p:ext uri="{BB962C8B-B14F-4D97-AF65-F5344CB8AC3E}">
-        <p14:creationId xmlns:p14="http://schemas.microsoft.com/office/powerpoint/2010/main" val="3400298408"/>
+        <p14:creationId xmlns:p14="http://schemas.microsoft.com/office/powerpoint/2010/main" val="4109502316"/>
       </p:ext>
     </p:extLst>
   </p:cSld>
@@ -12705,10 +12638,9 @@
           <a:lstStyle/>
           <a:p>
             <a:r>
-              <a:rPr lang="en-US" dirty="0" smtClean="0"/>
+              <a:rPr lang="en-US" dirty="0"/>
               <a:t>About Me</a:t>
             </a:r>
-            <a:endParaRPr lang="en-US" dirty="0"/>
           </a:p>
         </p:txBody>
       </p:sp>
@@ -12725,7 +12657,7 @@
         <p:spPr/>
         <p:txBody>
           <a:bodyPr>
-            <a:normAutofit lnSpcReduction="10000"/>
+            <a:normAutofit/>
           </a:bodyPr>
           <a:lstStyle/>
           <a:p>
@@ -12734,37 +12666,27 @@
             </a:pPr>
             <a:r>
               <a:rPr lang="en-US" sz="3200" dirty="0"/>
-              <a:t>Jonathan </a:t>
-            </a:r>
-            <a:r>
-              <a:rPr lang="en-US" sz="3200" dirty="0" smtClean="0"/>
-              <a:t>"J." </a:t>
-            </a:r>
-            <a:r>
-              <a:rPr lang="en-US" sz="3200" dirty="0"/>
-              <a:t>Tower</a:t>
+              <a:t>Jonathan "J." Tower</a:t>
             </a:r>
           </a:p>
           <a:p>
             <a:pPr marL="0" indent="0">
+              <a:lnSpc>
+                <a:spcPct val="110000"/>
+              </a:lnSpc>
               <a:buNone/>
             </a:pPr>
             <a:r>
               <a:rPr lang="en-US" dirty="0"/>
-              <a:t>Principal </a:t>
-            </a:r>
-            <a:r>
-              <a:rPr lang="en-US" dirty="0" smtClean="0"/>
-              <a:t>Consultant, Partner</a:t>
+              <a:t>Principal Consultant &amp; Partner</a:t>
             </a:r>
             <a:br>
-              <a:rPr lang="en-US" dirty="0" smtClean="0"/>
+              <a:rPr lang="en-US" dirty="0"/>
             </a:br>
             <a:r>
-              <a:rPr lang="en-US" dirty="0" smtClean="0"/>
+              <a:rPr lang="en-US" dirty="0"/>
               <a:t>Trailhead Technology Partners</a:t>
             </a:r>
-            <a:endParaRPr lang="en-US" dirty="0"/>
           </a:p>
           <a:p>
             <a:pPr marL="0" indent="0">
@@ -12779,93 +12701,51 @@
               <a:buNone/>
             </a:pPr>
             <a:r>
-              <a:rPr lang="en-US" dirty="0" smtClean="0">
+              <a:rPr lang="en-US" dirty="0">
                 <a:latin typeface="FontAwesome" pitchFamily="2" charset="0"/>
               </a:rPr>
               <a:t> </a:t>
             </a:r>
             <a:r>
-              <a:rPr lang="en-US" sz="2400" dirty="0" smtClean="0">
+              <a:rPr lang="en-US" sz="2400" dirty="0">
                 <a:latin typeface="FontAwesome" pitchFamily="2" charset="0"/>
               </a:rPr>
               <a:t>  </a:t>
             </a:r>
             <a:r>
-              <a:rPr lang="en-US" sz="900" dirty="0" smtClean="0">
+              <a:rPr lang="en-US" sz="900" dirty="0">
                 <a:latin typeface="FontAwesome" pitchFamily="2" charset="0"/>
               </a:rPr>
               <a:t> </a:t>
             </a:r>
             <a:r>
-              <a:rPr lang="en-US" sz="2400" dirty="0" smtClean="0"/>
+              <a:rPr lang="en-US" sz="2400" dirty="0"/>
               <a:t>jtower@TrailheadTechnology.com</a:t>
             </a:r>
-            <a:endParaRPr lang="en-US" sz="2400" dirty="0"/>
           </a:p>
           <a:p>
             <a:pPr marL="0" indent="0">
               <a:buNone/>
             </a:pPr>
             <a:r>
-              <a:rPr lang="en-US" sz="2400" dirty="0" smtClean="0">
+              <a:rPr lang="en-US" sz="2400" dirty="0">
                 <a:latin typeface="FontAwesome" pitchFamily="2" charset="0"/>
               </a:rPr>
               <a:t>   </a:t>
             </a:r>
             <a:r>
-              <a:rPr lang="en-US" sz="1600" dirty="0" smtClean="0">
+              <a:rPr lang="en-US" sz="1600" dirty="0">
                 <a:latin typeface="FontAwesome" pitchFamily="2" charset="0"/>
               </a:rPr>
               <a:t> </a:t>
             </a:r>
             <a:r>
-              <a:rPr lang="en-US" sz="2400" dirty="0" smtClean="0"/>
-              <a:t>TrialheadTechnology.com</a:t>
-            </a:r>
-          </a:p>
-          <a:p>
-            <a:pPr marL="0" indent="0">
-              <a:buNone/>
-            </a:pPr>
-            <a:r>
-              <a:rPr lang="en-US" sz="2400" dirty="0" smtClean="0">
-                <a:latin typeface="FontAwesome" pitchFamily="2" charset="0"/>
-              </a:rPr>
-              <a:t>   </a:t>
-            </a:r>
-            <a:r>
-              <a:rPr lang="en-US" sz="1600" dirty="0" smtClean="0">
-                <a:latin typeface="FontAwesome" pitchFamily="2" charset="0"/>
-              </a:rPr>
-              <a:t> </a:t>
-            </a:r>
-            <a:r>
-              <a:rPr lang="en-US" sz="2400" dirty="0" smtClean="0"/>
+              <a:rPr lang="en-US" sz="2400" dirty="0"/>
               <a:t>jtower.com</a:t>
             </a:r>
-            <a:endParaRPr lang="en-US" sz="2400" dirty="0"/>
-          </a:p>
-          <a:p>
-            <a:pPr marL="0" indent="0">
-              <a:buNone/>
-            </a:pPr>
-            <a:r>
-              <a:rPr lang="en-US" sz="2400" dirty="0" smtClean="0">
-                <a:latin typeface="FontAwesome" pitchFamily="2" charset="0"/>
-              </a:rPr>
-              <a:t>   </a:t>
-            </a:r>
-            <a:r>
-              <a:rPr lang="en-US" sz="1400" dirty="0" smtClean="0">
-                <a:latin typeface="FontAwesome" pitchFamily="2" charset="0"/>
-              </a:rPr>
-              <a:t> </a:t>
-            </a:r>
-            <a:r>
-              <a:rPr lang="en-US" sz="2400" dirty="0" err="1" smtClean="0"/>
-              <a:t>jtowermi</a:t>
-            </a:r>
-            <a:endParaRPr lang="en-US" sz="2400" dirty="0"/>
+            <a:endParaRPr lang="en-US" sz="2400" dirty="0">
+              <a:latin typeface="FontAwesome" pitchFamily="2" charset="0"/>
+            </a:endParaRPr>
           </a:p>
           <a:p>
             <a:pPr marL="0" indent="0">
@@ -12878,9 +12758,21 @@
               <a:t>   </a:t>
             </a:r>
             <a:r>
-              <a:rPr lang="en-US" sz="2400" dirty="0" err="1" smtClean="0"/>
-              <a:t>trailheadtec</a:t>
-            </a:r>
+              <a:rPr lang="en-US" sz="1400" dirty="0">
+                <a:latin typeface="FontAwesome" pitchFamily="2" charset="0"/>
+              </a:rPr>
+              <a:t> </a:t>
+            </a:r>
+            <a:r>
+              <a:rPr lang="en-US" sz="2400" dirty="0" err="1"/>
+              <a:t>jtowermi</a:t>
+            </a:r>
+            <a:endParaRPr lang="en-US" sz="2400" dirty="0"/>
+          </a:p>
+          <a:p>
+            <a:pPr marL="0" indent="0">
+              <a:buNone/>
+            </a:pPr>
             <a:endParaRPr lang="en-US" sz="2400" dirty="0"/>
           </a:p>
         </p:txBody>
@@ -12931,8 +12823,8 @@
           <a:lstStyle/>
           <a:p>
             <a:r>
-              <a:rPr lang="en-US" dirty="0" err="1" smtClean="0"/>
-              <a:t>Dapper.SQLBuilder</a:t>
+              <a:rPr lang="en-US" dirty="0" err="1"/>
+              <a:t>Dapper.Rainbow</a:t>
             </a:r>
             <a:endParaRPr lang="en-US" dirty="0"/>
           </a:p>
@@ -12940,7 +12832,7 @@
       </p:sp>
       <p:sp>
         <p:nvSpPr>
-          <p:cNvPr id="3" name="Content Placeholder 2"/>
+          <p:cNvPr id="4" name="Text Placeholder 3"/>
           <p:cNvSpPr>
             <a:spLocks noGrp="1"/>
           </p:cNvSpPr>
@@ -12954,20 +12846,28 @@
           <a:lstStyle/>
           <a:p>
             <a:r>
-              <a:rPr lang="en-US" dirty="0" smtClean="0"/>
-              <a:t>Builds parameterized SQL queries</a:t>
-            </a:r>
-          </a:p>
-          <a:p>
-            <a:r>
-              <a:rPr lang="en-US" dirty="0" smtClean="0"/>
-              <a:t>Dynamic SQL</a:t>
-            </a:r>
-          </a:p>
-          <a:p>
-            <a:r>
-              <a:rPr lang="en-US" dirty="0" smtClean="0"/>
-              <a:t>Good for search/list screens</a:t>
+              <a:rPr lang="en-US" dirty="0"/>
+              <a:t>EF Context-Like Database entry-point class</a:t>
+            </a:r>
+          </a:p>
+          <a:p>
+            <a:r>
+              <a:rPr lang="en-US" dirty="0"/>
+              <a:t>Change tracking via </a:t>
+            </a:r>
+            <a:r>
+              <a:rPr lang="en-US" dirty="0" err="1"/>
+              <a:t>Snapshotter</a:t>
+            </a:r>
+            <a:r>
+              <a:rPr lang="en-US" dirty="0"/>
+              <a:t> class</a:t>
+            </a:r>
+          </a:p>
+          <a:p>
+            <a:r>
+              <a:rPr lang="en-US" dirty="0"/>
+              <a:t>Mapping customizations via Attributes</a:t>
             </a:r>
           </a:p>
           <a:p>
@@ -12975,17 +12875,16 @@
           </a:p>
           <a:p>
             <a:r>
-              <a:rPr lang="en-US" dirty="0" smtClean="0"/>
+              <a:rPr lang="en-US" dirty="0"/>
               <a:t>DEMOS</a:t>
             </a:r>
-            <a:endParaRPr lang="en-US" dirty="0"/>
           </a:p>
         </p:txBody>
       </p:sp>
     </p:spTree>
     <p:extLst>
       <p:ext uri="{BB962C8B-B14F-4D97-AF65-F5344CB8AC3E}">
-        <p14:creationId xmlns:p14="http://schemas.microsoft.com/office/powerpoint/2010/main" val="4109502316"/>
+        <p14:creationId xmlns:p14="http://schemas.microsoft.com/office/powerpoint/2010/main" val="4143228822"/>
       </p:ext>
     </p:extLst>
   </p:cSld>
@@ -13028,16 +12927,15 @@
           <a:lstStyle/>
           <a:p>
             <a:r>
-              <a:rPr lang="en-US" dirty="0" err="1" smtClean="0"/>
-              <a:t>Dapper.Rainbow</a:t>
-            </a:r>
-            <a:endParaRPr lang="en-US" dirty="0"/>
-          </a:p>
-        </p:txBody>
-      </p:sp>
-      <p:sp>
-        <p:nvSpPr>
-          <p:cNvPr id="4" name="Text Placeholder 3"/>
+              <a:rPr lang="en-US" dirty="0"/>
+              <a:t>Dapper Extensions</a:t>
+            </a:r>
+          </a:p>
+        </p:txBody>
+      </p:sp>
+      <p:sp>
+        <p:nvSpPr>
+          <p:cNvPr id="3" name="Content Placeholder 2"/>
           <p:cNvSpPr>
             <a:spLocks noGrp="1"/>
           </p:cNvSpPr>
@@ -13052,51 +12950,66 @@
           <a:p>
             <a:r>
               <a:rPr lang="en-US" dirty="0"/>
-              <a:t>EF Context-Like Database </a:t>
-            </a:r>
-            <a:r>
-              <a:rPr lang="en-US" dirty="0" smtClean="0"/>
-              <a:t>entry-point class</a:t>
+              <a:t>Extensions methods similar to </a:t>
+            </a:r>
+            <a:r>
+              <a:rPr lang="en-US" dirty="0" err="1"/>
+              <a:t>Contrib</a:t>
             </a:r>
             <a:endParaRPr lang="en-US" dirty="0"/>
           </a:p>
           <a:p>
             <a:r>
               <a:rPr lang="en-US" dirty="0"/>
-              <a:t>Change tracking via </a:t>
-            </a:r>
-            <a:r>
-              <a:rPr lang="en-US" dirty="0" err="1" smtClean="0"/>
-              <a:t>Snapshotter</a:t>
-            </a:r>
-            <a:r>
-              <a:rPr lang="en-US" dirty="0" smtClean="0"/>
-              <a:t> class</a:t>
-            </a:r>
-          </a:p>
-          <a:p>
-            <a:r>
-              <a:rPr lang="en-US" dirty="0" smtClean="0"/>
-              <a:t>Mapping customizations via Attributes</a:t>
+              <a:t>No change tracking support</a:t>
+            </a:r>
+          </a:p>
+          <a:p>
+            <a:r>
+              <a:rPr lang="en-US" dirty="0"/>
+              <a:t>Pure POCOs (no attributes)</a:t>
+            </a:r>
+          </a:p>
+          <a:p>
+            <a:r>
+              <a:rPr lang="en-US" dirty="0"/>
+              <a:t>Mapping done via </a:t>
+            </a:r>
+            <a:r>
+              <a:rPr lang="en-US" dirty="0" err="1"/>
+              <a:t>ClassMapper</a:t>
             </a:r>
             <a:endParaRPr lang="en-US" dirty="0"/>
           </a:p>
           <a:p>
-            <a:endParaRPr lang="en-US" dirty="0" smtClean="0"/>
-          </a:p>
-          <a:p>
-            <a:r>
-              <a:rPr lang="en-US" dirty="0" smtClean="0"/>
+            <a:r>
+              <a:rPr lang="en-US" dirty="0"/>
+              <a:t>Queries built with Predicate and </a:t>
+            </a:r>
+            <a:r>
+              <a:rPr lang="en-US" dirty="0" err="1"/>
+              <a:t>PredicateGroup</a:t>
+            </a:r>
+            <a:r>
+              <a:rPr lang="en-US" dirty="0"/>
+              <a:t> classes</a:t>
+            </a:r>
+          </a:p>
+          <a:p>
+            <a:endParaRPr lang="en-US" dirty="0"/>
+          </a:p>
+          <a:p>
+            <a:r>
+              <a:rPr lang="en-US" dirty="0"/>
               <a:t>DEMOS</a:t>
             </a:r>
-            <a:endParaRPr lang="en-US" dirty="0"/>
           </a:p>
         </p:txBody>
       </p:sp>
     </p:spTree>
     <p:extLst>
       <p:ext uri="{BB962C8B-B14F-4D97-AF65-F5344CB8AC3E}">
-        <p14:creationId xmlns:p14="http://schemas.microsoft.com/office/powerpoint/2010/main" val="4143228822"/>
+        <p14:creationId xmlns:p14="http://schemas.microsoft.com/office/powerpoint/2010/main" val="1113927765"/>
       </p:ext>
     </p:extLst>
   </p:cSld>
@@ -13139,8 +13052,8 @@
           <a:lstStyle/>
           <a:p>
             <a:r>
-              <a:rPr lang="en-US" dirty="0" smtClean="0"/>
-              <a:t>Dapper Extensions</a:t>
+              <a:rPr lang="en-US" dirty="0" err="1"/>
+              <a:t>Dapper.SimpleCRUD</a:t>
             </a:r>
             <a:endParaRPr lang="en-US" dirty="0"/>
           </a:p>
@@ -13162,64 +13075,39 @@
           <a:lstStyle/>
           <a:p>
             <a:r>
-              <a:rPr lang="en-US" dirty="0" smtClean="0"/>
-              <a:t>Extensions methods similar to </a:t>
-            </a:r>
-            <a:r>
-              <a:rPr lang="en-US" dirty="0" err="1" smtClean="0"/>
-              <a:t>Contrib</a:t>
-            </a:r>
-            <a:endParaRPr lang="en-US" dirty="0" smtClean="0"/>
-          </a:p>
-          <a:p>
-            <a:r>
-              <a:rPr lang="en-US" dirty="0" smtClean="0"/>
-              <a:t>No change tracking support</a:t>
-            </a:r>
-          </a:p>
-          <a:p>
-            <a:r>
-              <a:rPr lang="en-US" dirty="0" smtClean="0"/>
-              <a:t>Pure POCOs (no attributes)</a:t>
-            </a:r>
-          </a:p>
-          <a:p>
-            <a:r>
-              <a:rPr lang="en-US" dirty="0" smtClean="0"/>
-              <a:t>Mapping done via </a:t>
-            </a:r>
-            <a:r>
-              <a:rPr lang="en-US" dirty="0" err="1" smtClean="0"/>
-              <a:t>ClassMapper</a:t>
-            </a:r>
-            <a:endParaRPr lang="en-US" dirty="0"/>
-          </a:p>
-          <a:p>
-            <a:r>
-              <a:rPr lang="en-US" dirty="0" smtClean="0"/>
-              <a:t>Queries built with Predicate </a:t>
+              <a:rPr lang="en-US" dirty="0" err="1"/>
+              <a:t>Async</a:t>
             </a:r>
             <a:r>
               <a:rPr lang="en-US" dirty="0"/>
-              <a:t>and </a:t>
-            </a:r>
-            <a:r>
-              <a:rPr lang="en-US" dirty="0" err="1" smtClean="0"/>
-              <a:t>PredicateGroup</a:t>
-            </a:r>
-            <a:r>
-              <a:rPr lang="en-US" dirty="0" smtClean="0"/>
-              <a:t> classes</a:t>
-            </a:r>
-          </a:p>
-          <a:p>
-            <a:endParaRPr lang="en-US" dirty="0"/>
-          </a:p>
-          <a:p>
-            <a:r>
-              <a:rPr lang="en-US" dirty="0" smtClean="0"/>
-              <a:t>DEMOS</a:t>
-            </a:r>
+              <a:t> Support</a:t>
+            </a:r>
+          </a:p>
+          <a:p>
+            <a:r>
+              <a:rPr lang="en-US" dirty="0"/>
+              <a:t>Helper for filtering and paging</a:t>
+            </a:r>
+          </a:p>
+          <a:p>
+            <a:r>
+              <a:rPr lang="en-US" dirty="0"/>
+              <a:t>No change tracking</a:t>
+            </a:r>
+          </a:p>
+          <a:p>
+            <a:r>
+              <a:rPr lang="en-US" dirty="0"/>
+              <a:t>Mapping via attributes</a:t>
+            </a:r>
+          </a:p>
+          <a:p>
+            <a:r>
+              <a:rPr lang="en-US" dirty="0"/>
+              <a:t>T4 template to help generate POCOs</a:t>
+            </a:r>
+          </a:p>
+          <a:p>
             <a:endParaRPr lang="en-US" dirty="0"/>
           </a:p>
         </p:txBody>
@@ -13227,7 +13115,7 @@
     </p:spTree>
     <p:extLst>
       <p:ext uri="{BB962C8B-B14F-4D97-AF65-F5344CB8AC3E}">
-        <p14:creationId xmlns:p14="http://schemas.microsoft.com/office/powerpoint/2010/main" val="1113927765"/>
+        <p14:creationId xmlns:p14="http://schemas.microsoft.com/office/powerpoint/2010/main" val="4052933013"/>
       </p:ext>
     </p:extLst>
   </p:cSld>
@@ -13270,121 +13158,9 @@
           <a:lstStyle/>
           <a:p>
             <a:r>
-              <a:rPr lang="en-US" dirty="0" err="1" smtClean="0"/>
-              <a:t>Dapper.SimpleCRUD</a:t>
-            </a:r>
-            <a:endParaRPr lang="en-US" dirty="0"/>
-          </a:p>
-        </p:txBody>
-      </p:sp>
-      <p:sp>
-        <p:nvSpPr>
-          <p:cNvPr id="3" name="Content Placeholder 2"/>
-          <p:cNvSpPr>
-            <a:spLocks noGrp="1"/>
-          </p:cNvSpPr>
-          <p:nvPr>
-            <p:ph idx="1"/>
-          </p:nvPr>
-        </p:nvSpPr>
-        <p:spPr/>
-        <p:txBody>
-          <a:bodyPr/>
-          <a:lstStyle/>
-          <a:p>
-            <a:r>
-              <a:rPr lang="en-US" dirty="0" err="1" smtClean="0"/>
-              <a:t>Async</a:t>
-            </a:r>
-            <a:r>
-              <a:rPr lang="en-US" dirty="0" smtClean="0"/>
-              <a:t> Support</a:t>
-            </a:r>
-          </a:p>
-          <a:p>
-            <a:r>
-              <a:rPr lang="en-US" dirty="0" smtClean="0"/>
-              <a:t>Helper for filtering and paging</a:t>
-            </a:r>
-          </a:p>
-          <a:p>
-            <a:r>
-              <a:rPr lang="en-US" dirty="0" smtClean="0"/>
-              <a:t>No change tracking</a:t>
-            </a:r>
-          </a:p>
-          <a:p>
-            <a:r>
-              <a:rPr lang="en-US" dirty="0" smtClean="0"/>
-              <a:t>Mapping via attributes</a:t>
-            </a:r>
-          </a:p>
-          <a:p>
-            <a:r>
-              <a:rPr lang="en-US" dirty="0" smtClean="0"/>
-              <a:t>T4 template to help generate </a:t>
-            </a:r>
-            <a:r>
-              <a:rPr lang="en-US" dirty="0" smtClean="0"/>
-              <a:t>POCOs</a:t>
-            </a:r>
-            <a:endParaRPr lang="en-US" dirty="0" smtClean="0"/>
-          </a:p>
-          <a:p>
-            <a:endParaRPr lang="en-US" dirty="0"/>
-          </a:p>
-        </p:txBody>
-      </p:sp>
-    </p:spTree>
-    <p:extLst>
-      <p:ext uri="{BB962C8B-B14F-4D97-AF65-F5344CB8AC3E}">
-        <p14:creationId xmlns:p14="http://schemas.microsoft.com/office/powerpoint/2010/main" val="4052933013"/>
-      </p:ext>
-    </p:extLst>
-  </p:cSld>
-  <p:clrMapOvr>
-    <a:masterClrMapping/>
-  </p:clrMapOvr>
-</p:sld>
-</file>
-
-<file path=ppt/slides/slide24.xml><?xml version="1.0" encoding="utf-8"?>
-<p:sld xmlns:a="http://schemas.openxmlformats.org/drawingml/2006/main" xmlns:r="http://schemas.openxmlformats.org/officeDocument/2006/relationships" xmlns:p="http://schemas.openxmlformats.org/presentationml/2006/main">
-  <p:cSld>
-    <p:spTree>
-      <p:nvGrpSpPr>
-        <p:cNvPr id="1" name=""/>
-        <p:cNvGrpSpPr/>
-        <p:nvPr/>
-      </p:nvGrpSpPr>
-      <p:grpSpPr>
-        <a:xfrm>
-          <a:off x="0" y="0"/>
-          <a:ext cx="0" cy="0"/>
-          <a:chOff x="0" y="0"/>
-          <a:chExt cx="0" cy="0"/>
-        </a:xfrm>
-      </p:grpSpPr>
-      <p:sp>
-        <p:nvSpPr>
-          <p:cNvPr id="2" name="Title 1"/>
-          <p:cNvSpPr>
-            <a:spLocks noGrp="1"/>
-          </p:cNvSpPr>
-          <p:nvPr>
-            <p:ph type="title"/>
-          </p:nvPr>
-        </p:nvSpPr>
-        <p:spPr/>
-        <p:txBody>
-          <a:bodyPr/>
-          <a:lstStyle/>
-          <a:p>
-            <a:r>
-              <a:rPr lang="en-US" dirty="0" smtClean="0"/>
+              <a:rPr lang="en-US" dirty="0"/>
               <a:t>Extension Comparison Recap</a:t>
             </a:r>
-            <a:endParaRPr lang="en-US" dirty="0"/>
           </a:p>
         </p:txBody>
       </p:sp>
@@ -15331,12 +15107,8 @@
           <a:p>
             <a:pPr algn="r"/>
             <a:r>
-              <a:rPr lang="en-US" sz="1400" dirty="0" smtClean="0"/>
-              <a:t>Source: http</a:t>
-            </a:r>
-            <a:r>
               <a:rPr lang="en-US" sz="1400" dirty="0"/>
-              <a:t>://blog.falafel.com/implementing-a-generic-repository-with-dapper-extensions/</a:t>
+              <a:t>Source: http://blog.falafel.com/implementing-a-generic-repository-with-dapper-extensions/</a:t>
             </a:r>
           </a:p>
         </p:txBody>
@@ -15345,6 +15117,117 @@
     <p:extLst>
       <p:ext uri="{BB962C8B-B14F-4D97-AF65-F5344CB8AC3E}">
         <p14:creationId xmlns:p14="http://schemas.microsoft.com/office/powerpoint/2010/main" val="2017162807"/>
+      </p:ext>
+    </p:extLst>
+  </p:cSld>
+  <p:clrMapOvr>
+    <a:masterClrMapping/>
+  </p:clrMapOvr>
+</p:sld>
+</file>
+
+<file path=ppt/slides/slide24.xml><?xml version="1.0" encoding="utf-8"?>
+<p:sld xmlns:a="http://schemas.openxmlformats.org/drawingml/2006/main" xmlns:r="http://schemas.openxmlformats.org/officeDocument/2006/relationships" xmlns:p="http://schemas.openxmlformats.org/presentationml/2006/main">
+  <p:cSld>
+    <p:spTree>
+      <p:nvGrpSpPr>
+        <p:cNvPr id="1" name=""/>
+        <p:cNvGrpSpPr/>
+        <p:nvPr/>
+      </p:nvGrpSpPr>
+      <p:grpSpPr>
+        <a:xfrm>
+          <a:off x="0" y="0"/>
+          <a:ext cx="0" cy="0"/>
+          <a:chOff x="0" y="0"/>
+          <a:chExt cx="0" cy="0"/>
+        </a:xfrm>
+      </p:grpSpPr>
+      <p:sp>
+        <p:nvSpPr>
+          <p:cNvPr id="2" name="Title 1"/>
+          <p:cNvSpPr>
+            <a:spLocks noGrp="1"/>
+          </p:cNvSpPr>
+          <p:nvPr>
+            <p:ph type="title"/>
+          </p:nvPr>
+        </p:nvSpPr>
+        <p:spPr/>
+        <p:txBody>
+          <a:bodyPr/>
+          <a:lstStyle/>
+          <a:p>
+            <a:r>
+              <a:rPr lang="en-US" dirty="0"/>
+              <a:t>Other Micro ORMs for .NET</a:t>
+            </a:r>
+          </a:p>
+        </p:txBody>
+      </p:sp>
+      <p:sp>
+        <p:nvSpPr>
+          <p:cNvPr id="3" name="Content Placeholder 2"/>
+          <p:cNvSpPr>
+            <a:spLocks noGrp="1"/>
+          </p:cNvSpPr>
+          <p:nvPr>
+            <p:ph idx="1"/>
+          </p:nvPr>
+        </p:nvSpPr>
+        <p:spPr/>
+        <p:txBody>
+          <a:bodyPr/>
+          <a:lstStyle/>
+          <a:p>
+            <a:r>
+              <a:rPr lang="it-IT" dirty="0"/>
+              <a:t>FluentData</a:t>
+            </a:r>
+          </a:p>
+          <a:p>
+            <a:r>
+              <a:rPr lang="it-IT" dirty="0"/>
+              <a:t>OrmLite</a:t>
+            </a:r>
+          </a:p>
+          <a:p>
+            <a:r>
+              <a:rPr lang="it-IT" dirty="0"/>
+              <a:t>Massive</a:t>
+            </a:r>
+          </a:p>
+          <a:p>
+            <a:r>
+              <a:rPr lang="it-IT" dirty="0"/>
+              <a:t>PetaPoco</a:t>
+            </a:r>
+          </a:p>
+          <a:p>
+            <a:r>
+              <a:rPr lang="it-IT" dirty="0"/>
+              <a:t>Simple.Data</a:t>
+            </a:r>
+          </a:p>
+          <a:p>
+            <a:r>
+              <a:rPr lang="it-IT" dirty="0"/>
+              <a:t>NPoco</a:t>
+            </a:r>
+          </a:p>
+          <a:p>
+            <a:r>
+              <a:rPr lang="it-IT" dirty="0"/>
+              <a:t>Nemo</a:t>
+            </a:r>
+            <a:endParaRPr lang="en-US" dirty="0"/>
+          </a:p>
+        </p:txBody>
+      </p:sp>
+    </p:spTree>
+    <p:extLst>
+      <p:ext uri="{BB962C8B-B14F-4D97-AF65-F5344CB8AC3E}">
+        <p14:creationId xmlns:p14="http://schemas.microsoft.com/office/powerpoint/2010/main" val="1379309910"/>
       </p:ext>
     </p:extLst>
   </p:cSld>
@@ -15387,67 +15270,113 @@
           <a:lstStyle/>
           <a:p>
             <a:r>
-              <a:rPr lang="en-US" dirty="0" smtClean="0"/>
-              <a:t>Other Micro ORMs for .NET</a:t>
-            </a:r>
+              <a:rPr lang="en-US" dirty="0"/>
+              <a:t>Recap</a:t>
+            </a:r>
+          </a:p>
+        </p:txBody>
+      </p:sp>
+      <p:sp>
+        <p:nvSpPr>
+          <p:cNvPr id="3" name="Content Placeholder 2"/>
+          <p:cNvSpPr>
+            <a:spLocks noGrp="1"/>
+          </p:cNvSpPr>
+          <p:nvPr>
+            <p:ph idx="1"/>
+          </p:nvPr>
+        </p:nvSpPr>
+        <p:spPr>
+          <a:xfrm>
+            <a:off x="1103312" y="1488832"/>
+            <a:ext cx="8946541" cy="4759568"/>
+          </a:xfrm>
+        </p:spPr>
+        <p:txBody>
+          <a:bodyPr>
+            <a:normAutofit fontScale="92500" lnSpcReduction="10000"/>
+          </a:bodyPr>
+          <a:lstStyle/>
+          <a:p>
+            <a:r>
+              <a:rPr lang="en-US"/>
+              <a:t>What is an ORM, </a:t>
+            </a:r>
+            <a:r>
+              <a:rPr lang="en-US"/>
+              <a:t>Again?</a:t>
+            </a:r>
+          </a:p>
+          <a:p>
+            <a:r>
+              <a:rPr lang="en-US" dirty="0"/>
+              <a:t>What is Dapper?</a:t>
+            </a:r>
+          </a:p>
+          <a:p>
+            <a:r>
+              <a:rPr lang="en-US" dirty="0"/>
+              <a:t>History</a:t>
+            </a:r>
+          </a:p>
+          <a:p>
+            <a:r>
+              <a:rPr lang="en-US" dirty="0"/>
+              <a:t>Why a Micro ORM?</a:t>
+            </a:r>
+          </a:p>
+          <a:p>
+            <a:r>
+              <a:rPr lang="en-US" dirty="0"/>
+              <a:t>Performance</a:t>
+            </a:r>
+          </a:p>
+          <a:p>
+            <a:r>
+              <a:rPr lang="en-US" dirty="0"/>
+              <a:t>How it Works</a:t>
+            </a:r>
+          </a:p>
+          <a:p>
+            <a:r>
+              <a:rPr lang="en-US" dirty="0"/>
+              <a:t>9 Feature Demos</a:t>
+            </a:r>
+          </a:p>
+          <a:p>
+            <a:r>
+              <a:rPr lang="en-US" dirty="0"/>
+              <a:t>Dapper Extensions</a:t>
+            </a:r>
+          </a:p>
+          <a:p>
+            <a:r>
+              <a:rPr lang="en-US" dirty="0"/>
+              <a:t>6 Extension Demos</a:t>
+            </a:r>
+          </a:p>
+          <a:p>
+            <a:r>
+              <a:rPr lang="en-US" dirty="0"/>
+              <a:t>Other Micro ORMs</a:t>
+            </a:r>
+          </a:p>
+          <a:p>
             <a:endParaRPr lang="en-US" dirty="0"/>
           </a:p>
-        </p:txBody>
-      </p:sp>
-      <p:sp>
-        <p:nvSpPr>
-          <p:cNvPr id="3" name="Content Placeholder 2"/>
-          <p:cNvSpPr>
-            <a:spLocks noGrp="1"/>
-          </p:cNvSpPr>
-          <p:nvPr>
-            <p:ph idx="1"/>
-          </p:nvPr>
-        </p:nvSpPr>
-        <p:spPr/>
-        <p:txBody>
-          <a:bodyPr/>
-          <a:lstStyle/>
-          <a:p>
-            <a:r>
-              <a:rPr lang="it-IT" dirty="0" smtClean="0"/>
-              <a:t>FluentData</a:t>
-            </a:r>
-          </a:p>
-          <a:p>
-            <a:r>
-              <a:rPr lang="it-IT" dirty="0" smtClean="0"/>
-              <a:t>OrmLite</a:t>
-            </a:r>
-          </a:p>
-          <a:p>
-            <a:r>
-              <a:rPr lang="it-IT" dirty="0" smtClean="0"/>
-              <a:t>Massive</a:t>
-            </a:r>
-          </a:p>
-          <a:p>
-            <a:r>
-              <a:rPr lang="it-IT" dirty="0" smtClean="0"/>
-              <a:t>PetaPoco</a:t>
-            </a:r>
-          </a:p>
-          <a:p>
-            <a:r>
-              <a:rPr lang="it-IT" dirty="0" smtClean="0"/>
-              <a:t>Simple.Data</a:t>
-            </a:r>
-          </a:p>
-          <a:p>
-            <a:r>
-              <a:rPr lang="it-IT" dirty="0" smtClean="0"/>
-              <a:t>NPoco</a:t>
-            </a:r>
-          </a:p>
-          <a:p>
-            <a:r>
-              <a:rPr lang="it-IT" dirty="0" smtClean="0"/>
-              <a:t>Nemo</a:t>
+          <a:p>
+            <a:pPr marL="0" indent="0">
+              <a:buNone/>
+            </a:pPr>
+            <a:r>
+              <a:rPr lang="en-US" dirty="0"/>
+              <a:t>Code and slides at </a:t>
+            </a:r>
+            <a:r>
+              <a:rPr lang="en-US" dirty="0">
+                <a:hlinkClick r:id="rId2"/>
+              </a:rPr>
+              <a:t>https://github.com/jonathantower/dapper</a:t>
             </a:r>
             <a:endParaRPr lang="en-US" dirty="0"/>
           </a:p>
@@ -15456,7 +15385,7 @@
     </p:spTree>
     <p:extLst>
       <p:ext uri="{BB962C8B-B14F-4D97-AF65-F5344CB8AC3E}">
-        <p14:creationId xmlns:p14="http://schemas.microsoft.com/office/powerpoint/2010/main" val="1379309910"/>
+        <p14:creationId xmlns:p14="http://schemas.microsoft.com/office/powerpoint/2010/main" val="3027418191"/>
       </p:ext>
     </p:extLst>
   </p:cSld>
@@ -15499,10 +15428,9 @@
           <a:lstStyle/>
           <a:p>
             <a:r>
-              <a:rPr lang="en-US" dirty="0" smtClean="0"/>
-              <a:t>Recap</a:t>
-            </a:r>
-            <a:endParaRPr lang="en-US" dirty="0"/>
+              <a:rPr lang="en-US" dirty="0"/>
+              <a:t>Thanks! Questions?</a:t>
+            </a:r>
           </a:p>
         </p:txBody>
       </p:sp>
@@ -15516,208 +15444,36 @@
             <p:ph idx="1"/>
           </p:nvPr>
         </p:nvSpPr>
-        <p:spPr>
-          <a:xfrm>
-            <a:off x="1103312" y="1488832"/>
-            <a:ext cx="8946541" cy="4759568"/>
-          </a:xfrm>
-        </p:spPr>
+        <p:spPr/>
         <p:txBody>
           <a:bodyPr>
-            <a:normAutofit fontScale="92500" lnSpcReduction="10000"/>
+            <a:normAutofit/>
           </a:bodyPr>
           <a:lstStyle/>
           <a:p>
-            <a:r>
-              <a:rPr lang="en-US" dirty="0" smtClean="0"/>
-              <a:t>What is Dapper?</a:t>
-            </a:r>
-          </a:p>
-          <a:p>
-            <a:r>
-              <a:rPr lang="en-US" dirty="0" smtClean="0"/>
-              <a:t>What is an ORM, Again?</a:t>
-            </a:r>
-          </a:p>
-          <a:p>
-            <a:r>
-              <a:rPr lang="en-US" dirty="0" smtClean="0"/>
-              <a:t>History</a:t>
-            </a:r>
-          </a:p>
-          <a:p>
-            <a:r>
-              <a:rPr lang="en-US" dirty="0" smtClean="0"/>
-              <a:t>Why a Micro ORM?</a:t>
-            </a:r>
-          </a:p>
-          <a:p>
-            <a:r>
-              <a:rPr lang="en-US" dirty="0" smtClean="0"/>
-              <a:t>Performance</a:t>
-            </a:r>
-          </a:p>
-          <a:p>
-            <a:r>
-              <a:rPr lang="en-US" dirty="0" smtClean="0"/>
-              <a:t>How it Works</a:t>
-            </a:r>
-          </a:p>
-          <a:p>
-            <a:r>
-              <a:rPr lang="en-US" dirty="0" smtClean="0"/>
-              <a:t>9 Feature Demos</a:t>
-            </a:r>
-          </a:p>
-          <a:p>
-            <a:r>
-              <a:rPr lang="en-US" dirty="0" smtClean="0"/>
-              <a:t>Dapper Extensions</a:t>
-            </a:r>
-          </a:p>
-          <a:p>
-            <a:r>
-              <a:rPr lang="en-US" dirty="0" smtClean="0"/>
-              <a:t>6 Extension Demos</a:t>
-            </a:r>
-          </a:p>
-          <a:p>
-            <a:r>
-              <a:rPr lang="en-US" dirty="0" smtClean="0"/>
-              <a:t>Other Micro ORMs</a:t>
-            </a:r>
-          </a:p>
-          <a:p>
-            <a:endParaRPr lang="en-US" dirty="0"/>
-          </a:p>
-          <a:p>
             <a:pPr marL="0" indent="0">
               <a:buNone/>
             </a:pPr>
             <a:r>
-              <a:rPr lang="en-US" dirty="0" smtClean="0"/>
-              <a:t>Code and slides </a:t>
-            </a:r>
+              <a:rPr lang="en-US" sz="3200" dirty="0"/>
+              <a:t>Jonathan "J." Tower</a:t>
+            </a:r>
+          </a:p>
+          <a:p>
+            <a:pPr marL="0" indent="0">
+              <a:buNone/>
+            </a:pPr>
             <a:r>
               <a:rPr lang="en-US" dirty="0"/>
-              <a:t>at </a:t>
-            </a:r>
-            <a:r>
-              <a:rPr lang="en-US" dirty="0">
-                <a:hlinkClick r:id="rId2"/>
-              </a:rPr>
-              <a:t>https://github.com/jonathantower/dapper</a:t>
-            </a:r>
-            <a:endParaRPr lang="en-US" dirty="0"/>
-          </a:p>
-        </p:txBody>
-      </p:sp>
-    </p:spTree>
-    <p:extLst>
-      <p:ext uri="{BB962C8B-B14F-4D97-AF65-F5344CB8AC3E}">
-        <p14:creationId xmlns:p14="http://schemas.microsoft.com/office/powerpoint/2010/main" val="3027418191"/>
-      </p:ext>
-    </p:extLst>
-  </p:cSld>
-  <p:clrMapOvr>
-    <a:masterClrMapping/>
-  </p:clrMapOvr>
-</p:sld>
-</file>
-
-<file path=ppt/slides/slide27.xml><?xml version="1.0" encoding="utf-8"?>
-<p:sld xmlns:a="http://schemas.openxmlformats.org/drawingml/2006/main" xmlns:r="http://schemas.openxmlformats.org/officeDocument/2006/relationships" xmlns:p="http://schemas.openxmlformats.org/presentationml/2006/main">
-  <p:cSld>
-    <p:spTree>
-      <p:nvGrpSpPr>
-        <p:cNvPr id="1" name=""/>
-        <p:cNvGrpSpPr/>
-        <p:nvPr/>
-      </p:nvGrpSpPr>
-      <p:grpSpPr>
-        <a:xfrm>
-          <a:off x="0" y="0"/>
-          <a:ext cx="0" cy="0"/>
-          <a:chOff x="0" y="0"/>
-          <a:chExt cx="0" cy="0"/>
-        </a:xfrm>
-      </p:grpSpPr>
-      <p:sp>
-        <p:nvSpPr>
-          <p:cNvPr id="2" name="Title 1"/>
-          <p:cNvSpPr>
-            <a:spLocks noGrp="1"/>
-          </p:cNvSpPr>
-          <p:nvPr>
-            <p:ph type="title"/>
-          </p:nvPr>
-        </p:nvSpPr>
-        <p:spPr/>
-        <p:txBody>
-          <a:bodyPr/>
-          <a:lstStyle/>
-          <a:p>
-            <a:r>
-              <a:rPr lang="en-US" dirty="0" smtClean="0"/>
-              <a:t>Thanks! Questions?</a:t>
-            </a:r>
-            <a:endParaRPr lang="en-US" dirty="0"/>
-          </a:p>
-        </p:txBody>
-      </p:sp>
-      <p:sp>
-        <p:nvSpPr>
-          <p:cNvPr id="3" name="Content Placeholder 2"/>
-          <p:cNvSpPr>
-            <a:spLocks noGrp="1"/>
-          </p:cNvSpPr>
-          <p:nvPr>
-            <p:ph idx="1"/>
-          </p:nvPr>
-        </p:nvSpPr>
-        <p:spPr/>
-        <p:txBody>
-          <a:bodyPr>
-            <a:normAutofit lnSpcReduction="10000"/>
-          </a:bodyPr>
-          <a:lstStyle/>
-          <a:p>
-            <a:pPr marL="0" indent="0">
-              <a:buNone/>
-            </a:pPr>
-            <a:r>
-              <a:rPr lang="en-US" sz="3200" dirty="0"/>
-              <a:t>Jonathan </a:t>
-            </a:r>
-            <a:r>
-              <a:rPr lang="en-US" sz="3200" dirty="0" smtClean="0"/>
-              <a:t>"J." </a:t>
-            </a:r>
-            <a:r>
-              <a:rPr lang="en-US" sz="3200" dirty="0"/>
-              <a:t>Tower</a:t>
-            </a:r>
-          </a:p>
-          <a:p>
-            <a:pPr marL="0" indent="0">
-              <a:buNone/>
-            </a:pPr>
-            <a:r>
+              <a:t>Principal Consultant</a:t>
+            </a:r>
+            <a:br>
               <a:rPr lang="en-US" dirty="0"/>
-              <a:t>Principal </a:t>
-            </a:r>
-            <a:r>
-              <a:rPr lang="en-US" dirty="0" smtClean="0"/>
-              <a:t>Consultant</a:t>
-            </a:r>
-            <a:br>
-              <a:rPr lang="en-US" dirty="0" smtClean="0"/>
             </a:br>
             <a:r>
-              <a:rPr lang="en-US" dirty="0" smtClean="0"/>
+              <a:rPr lang="en-US" dirty="0"/>
               <a:t>Trailhead Technology Partners</a:t>
             </a:r>
-            <a:endParaRPr lang="en-US" dirty="0"/>
           </a:p>
           <a:p>
             <a:pPr marL="0" indent="0">
@@ -15732,48 +15488,47 @@
               <a:buNone/>
             </a:pPr>
             <a:r>
-              <a:rPr lang="en-US" dirty="0" smtClean="0">
+              <a:rPr lang="en-US" dirty="0">
                 <a:latin typeface="FontAwesome" pitchFamily="2" charset="0"/>
               </a:rPr>
               <a:t> </a:t>
             </a:r>
             <a:r>
-              <a:rPr lang="en-US" sz="2400" dirty="0" smtClean="0">
+              <a:rPr lang="en-US" sz="2400" dirty="0">
                 <a:latin typeface="FontAwesome" pitchFamily="2" charset="0"/>
               </a:rPr>
               <a:t>  </a:t>
             </a:r>
             <a:r>
-              <a:rPr lang="en-US" sz="900" dirty="0" smtClean="0">
+              <a:rPr lang="en-US" sz="900" dirty="0">
                 <a:latin typeface="FontAwesome" pitchFamily="2" charset="0"/>
               </a:rPr>
               <a:t> </a:t>
             </a:r>
             <a:r>
-              <a:rPr lang="en-US" sz="2400" dirty="0" smtClean="0"/>
+              <a:rPr lang="en-US" sz="2400" dirty="0"/>
               <a:t>jtower@TrailheadTechnology.com</a:t>
             </a:r>
-            <a:endParaRPr lang="en-US" sz="2400" dirty="0"/>
           </a:p>
           <a:p>
             <a:pPr marL="0" indent="0">
               <a:buNone/>
             </a:pPr>
             <a:r>
-              <a:rPr lang="en-US" sz="2400" dirty="0" smtClean="0">
+              <a:rPr lang="en-US" sz="2400" dirty="0">
                 <a:latin typeface="FontAwesome" pitchFamily="2" charset="0"/>
               </a:rPr>
               <a:t>   </a:t>
             </a:r>
             <a:r>
-              <a:rPr lang="en-US" sz="1600" dirty="0" smtClean="0">
+              <a:rPr lang="en-US" sz="1600" dirty="0">
                 <a:latin typeface="FontAwesome" pitchFamily="2" charset="0"/>
               </a:rPr>
               <a:t> </a:t>
             </a:r>
             <a:r>
-              <a:rPr lang="en-US" sz="2400" dirty="0" smtClean="0"/>
-              <a:t>TrialheadTechnology.com</a:t>
+              <a:rPr lang="en-US" sz="2400" dirty="0"/>
+              <a:t>jtower.com</a:t>
             </a:r>
           </a:p>
           <a:p>
@@ -15781,58 +15536,20 @@
               <a:buNone/>
             </a:pPr>
             <a:r>
-              <a:rPr lang="en-US" sz="2400" dirty="0" smtClean="0">
+              <a:rPr lang="en-US" sz="2400">
                 <a:latin typeface="FontAwesome" pitchFamily="2" charset="0"/>
               </a:rPr>
-              <a:t>   </a:t>
-            </a:r>
-            <a:r>
-              <a:rPr lang="en-US" sz="1600" dirty="0" smtClean="0">
+              <a:t>   </a:t>
+            </a:r>
+            <a:r>
+              <a:rPr lang="en-US" sz="1400">
                 <a:latin typeface="FontAwesome" pitchFamily="2" charset="0"/>
               </a:rPr>
               <a:t> </a:t>
             </a:r>
             <a:r>
-              <a:rPr lang="en-US" sz="2400" dirty="0" smtClean="0"/>
-              <a:t>jtower.com</a:t>
-            </a:r>
-            <a:endParaRPr lang="en-US" sz="2400" dirty="0"/>
-          </a:p>
-          <a:p>
-            <a:pPr marL="0" indent="0">
-              <a:buNone/>
-            </a:pPr>
-            <a:r>
-              <a:rPr lang="en-US" sz="2400" dirty="0" smtClean="0">
-                <a:latin typeface="FontAwesome" pitchFamily="2" charset="0"/>
-              </a:rPr>
-              <a:t>   </a:t>
-            </a:r>
-            <a:r>
-              <a:rPr lang="en-US" sz="1400" dirty="0" smtClean="0">
-                <a:latin typeface="FontAwesome" pitchFamily="2" charset="0"/>
-              </a:rPr>
-              <a:t> </a:t>
-            </a:r>
-            <a:r>
-              <a:rPr lang="en-US" sz="2400" dirty="0" err="1" smtClean="0"/>
+              <a:rPr lang="en-US" sz="2400" dirty="0" err="1"/>
               <a:t>jtowermi</a:t>
-            </a:r>
-            <a:endParaRPr lang="en-US" sz="2400" dirty="0"/>
-          </a:p>
-          <a:p>
-            <a:pPr marL="0" indent="0">
-              <a:buNone/>
-            </a:pPr>
-            <a:r>
-              <a:rPr lang="en-US" sz="2400" dirty="0">
-                <a:latin typeface="FontAwesome" pitchFamily="2" charset="0"/>
-              </a:rPr>
-              <a:t>   </a:t>
-            </a:r>
-            <a:r>
-              <a:rPr lang="en-US" sz="2400" dirty="0" err="1" smtClean="0"/>
-              <a:t>trailheadtec</a:t>
             </a:r>
             <a:endParaRPr lang="en-US" sz="2400" dirty="0"/>
           </a:p>
@@ -15851,207 +15568,7 @@
 </p:sld>
 </file>
 
-<file path=ppt/slides/slide28.xml><?xml version="1.0" encoding="utf-8"?>
-<p:sld xmlns:a="http://schemas.openxmlformats.org/drawingml/2006/main" xmlns:r="http://schemas.openxmlformats.org/officeDocument/2006/relationships" xmlns:p="http://schemas.openxmlformats.org/presentationml/2006/main">
-  <p:cSld>
-    <p:spTree>
-      <p:nvGrpSpPr>
-        <p:cNvPr id="1" name=""/>
-        <p:cNvGrpSpPr/>
-        <p:nvPr/>
-      </p:nvGrpSpPr>
-      <p:grpSpPr>
-        <a:xfrm>
-          <a:off x="0" y="0"/>
-          <a:ext cx="0" cy="0"/>
-          <a:chOff x="0" y="0"/>
-          <a:chExt cx="0" cy="0"/>
-        </a:xfrm>
-      </p:grpSpPr>
-      <p:pic>
-        <p:nvPicPr>
-          <p:cNvPr id="2050" name="Picture 2" descr="http://new.grdevday.org/wp-content/uploads/2015/12/logo_large.png"/>
-          <p:cNvPicPr>
-            <a:picLocks noChangeAspect="1" noChangeArrowheads="1"/>
-          </p:cNvPicPr>
-          <p:nvPr/>
-        </p:nvPicPr>
-        <p:blipFill>
-          <a:blip r:embed="rId2">
-            <a:extLst>
-              <a:ext uri="{28A0092B-C50C-407E-A947-70E740481C1C}">
-                <a14:useLocalDpi xmlns:a14="http://schemas.microsoft.com/office/drawing/2010/main" val="0"/>
-              </a:ext>
-            </a:extLst>
-          </a:blip>
-          <a:srcRect/>
-          <a:stretch>
-            <a:fillRect/>
-          </a:stretch>
-        </p:blipFill>
-        <p:spPr bwMode="auto">
-          <a:xfrm>
-            <a:off x="2643492" y="1853248"/>
-            <a:ext cx="6757133" cy="1529290"/>
-          </a:xfrm>
-          <a:prstGeom prst="rect">
-            <a:avLst/>
-          </a:prstGeom>
-          <a:noFill/>
-          <a:extLst>
-            <a:ext uri="{909E8E84-426E-40DD-AFC4-6F175D3DCCD1}">
-              <a14:hiddenFill xmlns:a14="http://schemas.microsoft.com/office/drawing/2010/main">
-                <a:solidFill>
-                  <a:srgbClr val="FFFFFF"/>
-                </a:solidFill>
-              </a14:hiddenFill>
-            </a:ext>
-          </a:extLst>
-        </p:spPr>
-      </p:pic>
-      <p:sp>
-        <p:nvSpPr>
-          <p:cNvPr id="5" name="Content Placeholder 4"/>
-          <p:cNvSpPr>
-            <a:spLocks noGrp="1"/>
-          </p:cNvSpPr>
-          <p:nvPr>
-            <p:ph idx="1"/>
-          </p:nvPr>
-        </p:nvSpPr>
-        <p:spPr>
-          <a:xfrm>
-            <a:off x="1548789" y="2052918"/>
-            <a:ext cx="8946541" cy="4195481"/>
-          </a:xfrm>
-        </p:spPr>
-        <p:txBody>
-          <a:bodyPr/>
-          <a:lstStyle/>
-          <a:p>
-            <a:pPr marL="0" indent="0" algn="ctr">
-              <a:buNone/>
-            </a:pPr>
-            <a:endParaRPr lang="en-US" b="1" dirty="0" smtClean="0">
-              <a:solidFill>
-                <a:srgbClr val="FFCC00"/>
-              </a:solidFill>
-            </a:endParaRPr>
-          </a:p>
-          <a:p>
-            <a:pPr marL="0" indent="0" algn="ctr">
-              <a:buNone/>
-            </a:pPr>
-            <a:endParaRPr lang="en-US" b="1" dirty="0">
-              <a:solidFill>
-                <a:srgbClr val="FFCC00"/>
-              </a:solidFill>
-            </a:endParaRPr>
-          </a:p>
-          <a:p>
-            <a:pPr marL="0" indent="0" algn="ctr">
-              <a:buNone/>
-            </a:pPr>
-            <a:endParaRPr lang="en-US" b="1" dirty="0" smtClean="0">
-              <a:solidFill>
-                <a:srgbClr val="FFCC00"/>
-              </a:solidFill>
-            </a:endParaRPr>
-          </a:p>
-          <a:p>
-            <a:pPr marL="0" indent="0" algn="ctr">
-              <a:buNone/>
-            </a:pPr>
-            <a:r>
-              <a:rPr lang="en-US" b="1" dirty="0" smtClean="0">
-                <a:solidFill>
-                  <a:srgbClr val="FFCC00"/>
-                </a:solidFill>
-              </a:rPr>
-              <a:t>Saturday, March 12, 2015</a:t>
-            </a:r>
-            <a:br>
-              <a:rPr lang="en-US" b="1" dirty="0" smtClean="0">
-                <a:solidFill>
-                  <a:srgbClr val="FFCC00"/>
-                </a:solidFill>
-              </a:rPr>
-            </a:br>
-            <a:r>
-              <a:rPr lang="en-US" b="1" dirty="0" smtClean="0">
-                <a:solidFill>
-                  <a:srgbClr val="FFCC00"/>
-                </a:solidFill>
-              </a:rPr>
-              <a:t>35+ Sessions</a:t>
-            </a:r>
-            <a:br>
-              <a:rPr lang="en-US" b="1" dirty="0" smtClean="0">
-                <a:solidFill>
-                  <a:srgbClr val="FFCC00"/>
-                </a:solidFill>
-              </a:rPr>
-            </a:br>
-            <a:r>
-              <a:rPr lang="en-US" b="1" dirty="0" smtClean="0">
-                <a:solidFill>
-                  <a:srgbClr val="FFCC00"/>
-                </a:solidFill>
-              </a:rPr>
-              <a:t>$25, includes lunch</a:t>
-            </a:r>
-            <a:br>
-              <a:rPr lang="en-US" b="1" dirty="0" smtClean="0">
-                <a:solidFill>
-                  <a:srgbClr val="FFCC00"/>
-                </a:solidFill>
-              </a:rPr>
-            </a:br>
-            <a:r>
-              <a:rPr lang="en-US" b="1" dirty="0" smtClean="0">
-                <a:solidFill>
-                  <a:srgbClr val="FFCC00"/>
-                </a:solidFill>
-              </a:rPr>
-              <a:t/>
-            </a:r>
-            <a:br>
-              <a:rPr lang="en-US" b="1" dirty="0" smtClean="0">
-                <a:solidFill>
-                  <a:srgbClr val="FFCC00"/>
-                </a:solidFill>
-              </a:rPr>
-            </a:br>
-            <a:r>
-              <a:rPr lang="en-US" b="1" u="sng" dirty="0" smtClean="0">
-                <a:solidFill>
-                  <a:srgbClr val="FFCC00"/>
-                </a:solidFill>
-              </a:rPr>
-              <a:t>grdevday.org</a:t>
-            </a:r>
-            <a:endParaRPr lang="en-US" b="1" u="sng" dirty="0">
-              <a:solidFill>
-                <a:srgbClr val="FFCC00"/>
-              </a:solidFill>
-            </a:endParaRPr>
-          </a:p>
-        </p:txBody>
-      </p:sp>
-    </p:spTree>
-    <p:extLst>
-      <p:ext uri="{BB962C8B-B14F-4D97-AF65-F5344CB8AC3E}">
-        <p14:creationId xmlns:p14="http://schemas.microsoft.com/office/powerpoint/2010/main" val="898031712"/>
-      </p:ext>
-    </p:extLst>
-  </p:cSld>
-  <p:clrMapOvr>
-    <a:masterClrMapping/>
-  </p:clrMapOvr>
-</p:sld>
-</file>
-
-<file path=ppt/slides/slide29.xml><?xml version="1.0" encoding="utf-8"?>
+<file path=ppt/slides/slide27.xml><?xml version="1.0" encoding="utf-8"?>
 <p:sld xmlns:a="http://schemas.openxmlformats.org/drawingml/2006/main" xmlns:r="http://schemas.openxmlformats.org/officeDocument/2006/relationships" xmlns:p="http://schemas.openxmlformats.org/presentationml/2006/main">
   <p:cSld>
     <p:spTree>
@@ -16138,15 +15655,7 @@
                   <a:schemeClr val="tx1"/>
                 </a:solidFill>
               </a:rPr>
-              <a:t>If </a:t>
-            </a:r>
-            <a:r>
-              <a:rPr lang="en-US" dirty="0" smtClean="0">
-                <a:solidFill>
-                  <a:schemeClr val="tx1"/>
-                </a:solidFill>
-              </a:rPr>
-              <a:t>You Give $50, So Will I!</a:t>
+              <a:t>If You Give $50, So Will I!</a:t>
             </a:r>
             <a:endParaRPr lang="en-US" sz="3600" i="1" dirty="0">
               <a:solidFill>
@@ -16181,20 +15690,8 @@
             <a:pPr marL="0" indent="0" algn="ctr">
               <a:buNone/>
             </a:pPr>
-            <a:r>
-              <a:rPr lang="en-US" sz="2000" b="1" dirty="0" smtClean="0">
-                <a:effectLst>
-                  <a:outerShdw blurRad="50800" dist="38100" dir="2700000" algn="tl" rotWithShape="0">
-                    <a:prstClr val="black">
-                      <a:alpha val="40000"/>
-                    </a:prstClr>
-                  </a:outerShdw>
-                </a:effectLst>
-              </a:rPr>
-              <a:t/>
-            </a:r>
             <a:br>
-              <a:rPr lang="en-US" sz="2000" b="1" dirty="0" smtClean="0">
+              <a:rPr lang="en-US" sz="2000" b="1" dirty="0">
                 <a:effectLst>
                   <a:outerShdw blurRad="50800" dist="38100" dir="2700000" algn="tl" rotWithShape="0">
                     <a:prstClr val="black">
@@ -16205,18 +15702,6 @@
               </a:rPr>
             </a:br>
             <a:r>
-              <a:rPr lang="en-US" sz="4800" b="1" dirty="0" smtClean="0">
-                <a:effectLst>
-                  <a:outerShdw blurRad="50800" dist="38100" dir="8100000" algn="tr" rotWithShape="0">
-                    <a:prstClr val="black">
-                      <a:alpha val="40000"/>
-                    </a:prstClr>
-                  </a:outerShdw>
-                </a:effectLst>
-              </a:rPr>
-              <a:t>http</a:t>
-            </a:r>
-            <a:r>
               <a:rPr lang="en-US" sz="4800" b="1" dirty="0">
                 <a:effectLst>
                   <a:outerShdw blurRad="50800" dist="38100" dir="8100000" algn="tr" rotWithShape="0">
@@ -16226,10 +15711,10 @@
                   </a:outerShdw>
                 </a:effectLst>
               </a:rPr>
-              <a:t>://</a:t>
-            </a:r>
-            <a:r>
-              <a:rPr lang="en-US" sz="4800" b="1" dirty="0" smtClean="0">
+              <a:t>bit.ly/</a:t>
+            </a:r>
+            <a:r>
+              <a:rPr lang="en-US" sz="4800" b="1" dirty="0" err="1">
                 <a:effectLst>
                   <a:outerShdw blurRad="50800" dist="38100" dir="8100000" algn="tr" rotWithShape="0">
                     <a:prstClr val="black">
@@ -16238,7 +15723,19 @@
                   </a:outerShdw>
                 </a:effectLst>
               </a:rPr>
-              <a:t>bit.ly/gang-gives</a:t>
+              <a:t>aadnd</a:t>
+            </a:r>
+            <a:r>
+              <a:rPr lang="en-US" sz="4800" b="1" dirty="0">
+                <a:effectLst>
+                  <a:outerShdw blurRad="50800" dist="38100" dir="8100000" algn="tr" rotWithShape="0">
+                    <a:prstClr val="black">
+                      <a:alpha val="40000"/>
+                    </a:prstClr>
+                  </a:outerShdw>
+                </a:effectLst>
+              </a:rPr>
+              <a:t>-gives</a:t>
             </a:r>
             <a:endParaRPr lang="en-US" sz="4400" b="1" dirty="0">
               <a:effectLst>
@@ -16254,34 +15751,26 @@
             <a:pPr marL="0" indent="0" algn="just">
               <a:buNone/>
             </a:pPr>
-            <a:endParaRPr lang="en-US" sz="2400" i="1" dirty="0" smtClean="0"/>
+            <a:endParaRPr lang="en-US" sz="2400" i="1" dirty="0"/>
           </a:p>
           <a:p>
             <a:pPr marL="0" indent="0" algn="just">
               <a:buNone/>
             </a:pPr>
             <a:r>
-              <a:rPr lang="en-US" sz="2400" i="1" dirty="0" smtClean="0"/>
+              <a:rPr lang="en-US" sz="2400" i="1" dirty="0"/>
               <a:t>“</a:t>
             </a:r>
             <a:r>
-              <a:rPr lang="en-US" sz="2400" i="1" dirty="0" err="1" smtClean="0"/>
+              <a:rPr lang="en-US" sz="2400" i="1" dirty="0" err="1"/>
               <a:t>charity:water</a:t>
             </a:r>
             <a:r>
-              <a:rPr lang="en-US" sz="2400" i="1" dirty="0" smtClean="0"/>
-              <a:t> </a:t>
-            </a:r>
-            <a:r>
               <a:rPr lang="en-US" sz="2400" i="1" dirty="0"/>
-              <a:t>is a non-profit organization that provides clean and safe drinking water to people in developing nations. The organization was founded in 2006 and has helped fund 13,641 projects in 22 countries, benefiting over 4.6 million </a:t>
-            </a:r>
-            <a:r>
-              <a:rPr lang="en-US" sz="2400" i="1" dirty="0" smtClean="0"/>
-              <a:t>people.” </a:t>
-            </a:r>
-            <a:r>
-              <a:rPr lang="en-US" sz="2400" dirty="0" smtClean="0"/>
+              <a:t> is a non-profit organization that provides clean and safe drinking water to people in developing nations. The organization was founded in 2006 and has helped fund 13,641 projects in 22 countries, benefiting over 4.6 million people.” </a:t>
+            </a:r>
+            <a:r>
+              <a:rPr lang="en-US" sz="2400" dirty="0"/>
               <a:t>- Wikipedia</a:t>
             </a:r>
           </a:p>
@@ -16289,21 +15778,21 @@
             <a:pPr marL="0" indent="0" algn="just">
               <a:buNone/>
             </a:pPr>
-            <a:endParaRPr lang="en-US" sz="2400" dirty="0" smtClean="0"/>
+            <a:endParaRPr lang="en-US" sz="2400" dirty="0"/>
           </a:p>
           <a:p>
             <a:pPr marL="0" indent="0">
               <a:buNone/>
             </a:pPr>
             <a:r>
-              <a:rPr lang="en-US" sz="2400" i="1" dirty="0" smtClean="0"/>
+              <a:rPr lang="en-US" sz="2400" i="1" dirty="0"/>
               <a:t>“97.1/100” </a:t>
             </a:r>
             <a:br>
-              <a:rPr lang="en-US" sz="2400" i="1" dirty="0" smtClean="0"/>
+              <a:rPr lang="en-US" sz="2400" i="1" dirty="0"/>
             </a:br>
             <a:r>
-              <a:rPr lang="en-US" sz="2400" i="1" dirty="0" smtClean="0"/>
+              <a:rPr lang="en-US" sz="2400" i="1" dirty="0"/>
               <a:t>- CharityNavigator.org</a:t>
             </a:r>
           </a:p>
@@ -16482,7 +15971,7 @@
           <a:p>
             <a:pPr algn="ctr"/>
             <a:r>
-              <a:rPr lang="en-US" sz="3200" kern="2200" spc="300" dirty="0" smtClean="0">
+              <a:rPr lang="en-US" sz="3200" kern="2200" spc="300" dirty="0">
                 <a:solidFill>
                   <a:schemeClr val="bg1">
                     <a:lumMod val="65000"/>
@@ -16491,13 +15980,6 @@
               </a:rPr>
               <a:t>trailheadtechnology.com</a:t>
             </a:r>
-            <a:endParaRPr lang="en-US" sz="3200" kern="2200" spc="300" dirty="0">
-              <a:solidFill>
-                <a:schemeClr val="bg1">
-                  <a:lumMod val="65000"/>
-                </a:schemeClr>
-              </a:solidFill>
-            </a:endParaRPr>
           </a:p>
         </p:txBody>
       </p:sp>
@@ -16561,50 +16043,31 @@
           <a:chExt cx="0" cy="0"/>
         </a:xfrm>
       </p:grpSpPr>
-      <p:pic>
-        <p:nvPicPr>
-          <p:cNvPr id="2050" name="Picture 2" descr="http://new.grdevday.org/wp-content/uploads/2015/12/logo_large.png"/>
-          <p:cNvPicPr>
-            <a:picLocks noChangeAspect="1" noChangeArrowheads="1"/>
-          </p:cNvPicPr>
-          <p:nvPr/>
-        </p:nvPicPr>
-        <p:blipFill>
-          <a:blip r:embed="rId2">
-            <a:extLst>
-              <a:ext uri="{28A0092B-C50C-407E-A947-70E740481C1C}">
-                <a14:useLocalDpi xmlns:a14="http://schemas.microsoft.com/office/drawing/2010/main" val="0"/>
-              </a:ext>
-            </a:extLst>
-          </a:blip>
-          <a:srcRect/>
-          <a:stretch>
-            <a:fillRect/>
-          </a:stretch>
-        </p:blipFill>
-        <p:spPr bwMode="auto">
-          <a:xfrm>
-            <a:off x="2643492" y="1853248"/>
-            <a:ext cx="6757133" cy="1529290"/>
-          </a:xfrm>
-          <a:prstGeom prst="rect">
-            <a:avLst/>
-          </a:prstGeom>
-          <a:noFill/>
-          <a:extLst>
-            <a:ext uri="{909E8E84-426E-40DD-AFC4-6F175D3DCCD1}">
-              <a14:hiddenFill xmlns:a14="http://schemas.microsoft.com/office/drawing/2010/main">
-                <a:solidFill>
-                  <a:srgbClr val="FFFFFF"/>
-                </a:solidFill>
-              </a14:hiddenFill>
-            </a:ext>
-          </a:extLst>
-        </p:spPr>
-      </p:pic>
-      <p:sp>
-        <p:nvSpPr>
-          <p:cNvPr id="5" name="Content Placeholder 4"/>
+      <p:sp>
+        <p:nvSpPr>
+          <p:cNvPr id="2" name="Title 1"/>
+          <p:cNvSpPr>
+            <a:spLocks noGrp="1"/>
+          </p:cNvSpPr>
+          <p:nvPr>
+            <p:ph type="title"/>
+          </p:nvPr>
+        </p:nvSpPr>
+        <p:spPr/>
+        <p:txBody>
+          <a:bodyPr/>
+          <a:lstStyle/>
+          <a:p>
+            <a:r>
+              <a:rPr lang="en-US" dirty="0"/>
+              <a:t>What We’ll Cover</a:t>
+            </a:r>
+          </a:p>
+        </p:txBody>
+      </p:sp>
+      <p:sp>
+        <p:nvSpPr>
+          <p:cNvPr id="3" name="Content Placeholder 2"/>
           <p:cNvSpPr>
             <a:spLocks noGrp="1"/>
           </p:cNvSpPr>
@@ -16614,127 +16077,100 @@
         </p:nvSpPr>
         <p:spPr>
           <a:xfrm>
-            <a:off x="1548789" y="2052918"/>
-            <a:ext cx="8946541" cy="4195481"/>
+            <a:off x="1103312" y="1535724"/>
+            <a:ext cx="8946541" cy="4712676"/>
           </a:xfrm>
         </p:spPr>
         <p:txBody>
-          <a:bodyPr/>
+          <a:bodyPr>
+            <a:normAutofit fontScale="92500" lnSpcReduction="10000"/>
+          </a:bodyPr>
           <a:lstStyle/>
           <a:p>
-            <a:pPr marL="0" indent="0" algn="ctr">
+            <a:r>
+              <a:rPr lang="en-US" dirty="0"/>
+              <a:t>What is an ORM, Again?</a:t>
+            </a:r>
+          </a:p>
+          <a:p>
+            <a:r>
+              <a:rPr lang="en-US" dirty="0"/>
+              <a:t>What is Dapper?</a:t>
+            </a:r>
+          </a:p>
+          <a:p>
+            <a:r>
+              <a:rPr lang="en-US" dirty="0"/>
+              <a:t>History</a:t>
+            </a:r>
+          </a:p>
+          <a:p>
+            <a:r>
+              <a:rPr lang="en-US" dirty="0"/>
+              <a:t>Why a Micro ORM?</a:t>
+            </a:r>
+          </a:p>
+          <a:p>
+            <a:r>
+              <a:rPr lang="en-US" dirty="0"/>
+              <a:t>Performance</a:t>
+            </a:r>
+          </a:p>
+          <a:p>
+            <a:r>
+              <a:rPr lang="en-US" dirty="0"/>
+              <a:t>How it Works</a:t>
+            </a:r>
+          </a:p>
+          <a:p>
+            <a:r>
+              <a:rPr lang="en-US" dirty="0"/>
+              <a:t>9 Feature Demos</a:t>
+            </a:r>
+          </a:p>
+          <a:p>
+            <a:r>
+              <a:rPr lang="en-US" dirty="0"/>
+              <a:t>Dapper Extensions</a:t>
+            </a:r>
+          </a:p>
+          <a:p>
+            <a:r>
+              <a:rPr lang="en-US" dirty="0"/>
+              <a:t>6 Extension Demos</a:t>
+            </a:r>
+          </a:p>
+          <a:p>
+            <a:r>
+              <a:rPr lang="en-US" dirty="0"/>
+              <a:t>Other Micro ORMs</a:t>
+            </a:r>
+          </a:p>
+          <a:p>
+            <a:endParaRPr lang="en-US" dirty="0"/>
+          </a:p>
+          <a:p>
+            <a:pPr marL="0" indent="0">
               <a:buNone/>
             </a:pPr>
-            <a:endParaRPr lang="en-US" b="1" dirty="0" smtClean="0">
-              <a:solidFill>
-                <a:srgbClr val="FFCC00"/>
-              </a:solidFill>
-            </a:endParaRPr>
-          </a:p>
-          <a:p>
-            <a:pPr marL="0" indent="0" algn="ctr">
-              <a:buNone/>
-            </a:pPr>
-            <a:endParaRPr lang="en-US" b="1" dirty="0">
-              <a:solidFill>
-                <a:srgbClr val="FFCC00"/>
-              </a:solidFill>
-            </a:endParaRPr>
-          </a:p>
-          <a:p>
-            <a:pPr marL="0" indent="0" algn="ctr">
-              <a:buNone/>
-            </a:pPr>
-            <a:endParaRPr lang="en-US" b="1" dirty="0" smtClean="0">
-              <a:solidFill>
-                <a:srgbClr val="FFCC00"/>
-              </a:solidFill>
-            </a:endParaRPr>
-          </a:p>
-          <a:p>
-            <a:pPr marL="0" indent="0" algn="ctr">
-              <a:buNone/>
-            </a:pPr>
-            <a:r>
-              <a:rPr lang="en-US" b="1" dirty="0" smtClean="0">
-                <a:solidFill>
-                  <a:srgbClr val="FFCC00"/>
-                </a:solidFill>
+            <a:r>
+              <a:rPr lang="en-US" dirty="0"/>
+              <a:t>Code and slides at </a:t>
+            </a:r>
+            <a:r>
+              <a:rPr lang="en-US" dirty="0">
+                <a:hlinkClick r:id="rId2"/>
               </a:rPr>
-              <a:t>Saturday, March 12, 2015</a:t>
-            </a:r>
-            <a:br>
-              <a:rPr lang="en-US" b="1" dirty="0" smtClean="0">
-                <a:solidFill>
-                  <a:srgbClr val="FFCC00"/>
-                </a:solidFill>
-              </a:rPr>
-            </a:br>
-            <a:r>
-              <a:rPr lang="en-US" b="1" dirty="0" smtClean="0">
-                <a:solidFill>
-                  <a:srgbClr val="FFCC00"/>
-                </a:solidFill>
-              </a:rPr>
-              <a:t>35+ Sessions</a:t>
-            </a:r>
-            <a:br>
-              <a:rPr lang="en-US" b="1" dirty="0" smtClean="0">
-                <a:solidFill>
-                  <a:srgbClr val="FFCC00"/>
-                </a:solidFill>
-              </a:rPr>
-            </a:br>
-            <a:r>
-              <a:rPr lang="en-US" b="1" dirty="0" smtClean="0">
-                <a:solidFill>
-                  <a:srgbClr val="FFCC00"/>
-                </a:solidFill>
-              </a:rPr>
-              <a:t>$25, includes lunch</a:t>
-            </a:r>
-            <a:br>
-              <a:rPr lang="en-US" b="1" dirty="0" smtClean="0">
-                <a:solidFill>
-                  <a:srgbClr val="FFCC00"/>
-                </a:solidFill>
-              </a:rPr>
-            </a:br>
-            <a:r>
-              <a:rPr lang="en-US" b="1" dirty="0" smtClean="0">
-                <a:solidFill>
-                  <a:srgbClr val="FFCC00"/>
-                </a:solidFill>
-              </a:rPr>
-              <a:t/>
-            </a:r>
-            <a:br>
-              <a:rPr lang="en-US" b="1" dirty="0" smtClean="0">
-                <a:solidFill>
-                  <a:srgbClr val="FFCC00"/>
-                </a:solidFill>
-              </a:rPr>
-            </a:br>
-            <a:r>
-              <a:rPr lang="en-US" b="1" u="sng" dirty="0" smtClean="0">
-                <a:solidFill>
-                  <a:srgbClr val="FFCC00"/>
-                </a:solidFill>
-              </a:rPr>
-              <a:t>grdevday.org</a:t>
-            </a:r>
-            <a:endParaRPr lang="en-US" b="1" u="sng" dirty="0">
-              <a:solidFill>
-                <a:srgbClr val="FFCC00"/>
-              </a:solidFill>
-            </a:endParaRPr>
+              <a:t>https://github.com/jonathantower/dapper</a:t>
+            </a:r>
+            <a:endParaRPr lang="en-US" dirty="0"/>
           </a:p>
         </p:txBody>
       </p:sp>
     </p:spTree>
     <p:extLst>
       <p:ext uri="{BB962C8B-B14F-4D97-AF65-F5344CB8AC3E}">
-        <p14:creationId xmlns:p14="http://schemas.microsoft.com/office/powerpoint/2010/main" val="345922544"/>
+        <p14:creationId xmlns:p14="http://schemas.microsoft.com/office/powerpoint/2010/main" val="967592042"/>
       </p:ext>
     </p:extLst>
   </p:cSld>
@@ -16777,169 +16213,9 @@
           <a:lstStyle/>
           <a:p>
             <a:r>
-              <a:rPr lang="en-US" dirty="0" smtClean="0"/>
-              <a:t>What We’ll Cover</a:t>
-            </a:r>
-            <a:endParaRPr lang="en-US" dirty="0"/>
-          </a:p>
-        </p:txBody>
-      </p:sp>
-      <p:sp>
-        <p:nvSpPr>
-          <p:cNvPr id="3" name="Content Placeholder 2"/>
-          <p:cNvSpPr>
-            <a:spLocks noGrp="1"/>
-          </p:cNvSpPr>
-          <p:nvPr>
-            <p:ph idx="1"/>
-          </p:nvPr>
-        </p:nvSpPr>
-        <p:spPr>
-          <a:xfrm>
-            <a:off x="1103312" y="1535724"/>
-            <a:ext cx="8946541" cy="4712676"/>
-          </a:xfrm>
-        </p:spPr>
-        <p:txBody>
-          <a:bodyPr>
-            <a:normAutofit fontScale="92500" lnSpcReduction="10000"/>
-          </a:bodyPr>
-          <a:lstStyle/>
-          <a:p>
-            <a:r>
-              <a:rPr lang="en-US" dirty="0" smtClean="0"/>
-              <a:t>What is Dapper?</a:t>
-            </a:r>
-          </a:p>
-          <a:p>
-            <a:r>
-              <a:rPr lang="en-US" dirty="0" smtClean="0"/>
-              <a:t>What is an ORM, Again?</a:t>
-            </a:r>
-          </a:p>
-          <a:p>
-            <a:r>
-              <a:rPr lang="en-US" dirty="0" smtClean="0"/>
-              <a:t>History</a:t>
-            </a:r>
-          </a:p>
-          <a:p>
-            <a:r>
-              <a:rPr lang="en-US" dirty="0" smtClean="0"/>
-              <a:t>Why a Micro ORM?</a:t>
-            </a:r>
-          </a:p>
-          <a:p>
-            <a:r>
-              <a:rPr lang="en-US" dirty="0" smtClean="0"/>
-              <a:t>Performance</a:t>
-            </a:r>
-          </a:p>
-          <a:p>
-            <a:r>
-              <a:rPr lang="en-US" dirty="0" smtClean="0"/>
-              <a:t>How it Works</a:t>
-            </a:r>
-          </a:p>
-          <a:p>
-            <a:r>
-              <a:rPr lang="en-US" dirty="0" smtClean="0"/>
-              <a:t>9 Feature Demos</a:t>
-            </a:r>
-          </a:p>
-          <a:p>
-            <a:r>
-              <a:rPr lang="en-US" dirty="0" smtClean="0"/>
-              <a:t>Dapper Extensions</a:t>
-            </a:r>
-          </a:p>
-          <a:p>
-            <a:r>
-              <a:rPr lang="en-US" dirty="0" smtClean="0"/>
-              <a:t>6 Extension Demos</a:t>
-            </a:r>
-          </a:p>
-          <a:p>
-            <a:r>
-              <a:rPr lang="en-US" dirty="0" smtClean="0"/>
-              <a:t>Other Micro ORMs</a:t>
-            </a:r>
-          </a:p>
-          <a:p>
-            <a:endParaRPr lang="en-US" dirty="0"/>
-          </a:p>
-          <a:p>
-            <a:pPr marL="0" indent="0">
-              <a:buNone/>
-            </a:pPr>
-            <a:r>
-              <a:rPr lang="en-US" dirty="0" smtClean="0"/>
-              <a:t>Code and slides </a:t>
-            </a:r>
-            <a:r>
               <a:rPr lang="en-US" dirty="0"/>
-              <a:t>at </a:t>
-            </a:r>
-            <a:r>
-              <a:rPr lang="en-US" dirty="0">
-                <a:hlinkClick r:id="rId2"/>
-              </a:rPr>
-              <a:t>https://github.com/jonathantower/dapper</a:t>
-            </a:r>
-            <a:endParaRPr lang="en-US" dirty="0"/>
-          </a:p>
-        </p:txBody>
-      </p:sp>
-    </p:spTree>
-    <p:extLst>
-      <p:ext uri="{BB962C8B-B14F-4D97-AF65-F5344CB8AC3E}">
-        <p14:creationId xmlns:p14="http://schemas.microsoft.com/office/powerpoint/2010/main" val="967592042"/>
-      </p:ext>
-    </p:extLst>
-  </p:cSld>
-  <p:clrMapOvr>
-    <a:masterClrMapping/>
-  </p:clrMapOvr>
-</p:sld>
-</file>
-
-<file path=ppt/slides/slide6.xml><?xml version="1.0" encoding="utf-8"?>
-<p:sld xmlns:a="http://schemas.openxmlformats.org/drawingml/2006/main" xmlns:r="http://schemas.openxmlformats.org/officeDocument/2006/relationships" xmlns:p="http://schemas.openxmlformats.org/presentationml/2006/main">
-  <p:cSld>
-    <p:spTree>
-      <p:nvGrpSpPr>
-        <p:cNvPr id="1" name=""/>
-        <p:cNvGrpSpPr/>
-        <p:nvPr/>
-      </p:nvGrpSpPr>
-      <p:grpSpPr>
-        <a:xfrm>
-          <a:off x="0" y="0"/>
-          <a:ext cx="0" cy="0"/>
-          <a:chOff x="0" y="0"/>
-          <a:chExt cx="0" cy="0"/>
-        </a:xfrm>
-      </p:grpSpPr>
-      <p:sp>
-        <p:nvSpPr>
-          <p:cNvPr id="2" name="Title 1"/>
-          <p:cNvSpPr>
-            <a:spLocks noGrp="1"/>
-          </p:cNvSpPr>
-          <p:nvPr>
-            <p:ph type="title"/>
-          </p:nvPr>
-        </p:nvSpPr>
-        <p:spPr/>
-        <p:txBody>
-          <a:bodyPr/>
-          <a:lstStyle/>
-          <a:p>
-            <a:r>
-              <a:rPr lang="en-US" dirty="0" smtClean="0"/>
               <a:t>Let’s Get Started, but First…</a:t>
             </a:r>
-            <a:endParaRPr lang="en-US" dirty="0"/>
           </a:p>
         </p:txBody>
       </p:sp>
@@ -16956,7 +16232,7 @@
 </p:sld>
 </file>
 
-<file path=ppt/slides/slide7.xml><?xml version="1.0" encoding="utf-8"?>
+<file path=ppt/slides/slide6.xml><?xml version="1.0" encoding="utf-8"?>
 <p:sld xmlns:a="http://schemas.openxmlformats.org/drawingml/2006/main" xmlns:r="http://schemas.openxmlformats.org/officeDocument/2006/relationships" xmlns:p="http://schemas.openxmlformats.org/presentationml/2006/main">
   <p:cSld>
     <p:spTree>
@@ -17043,15 +16319,7 @@
                   <a:schemeClr val="tx1"/>
                 </a:solidFill>
               </a:rPr>
-              <a:t>If </a:t>
-            </a:r>
-            <a:r>
-              <a:rPr lang="en-US" dirty="0" smtClean="0">
-                <a:solidFill>
-                  <a:schemeClr val="tx1"/>
-                </a:solidFill>
-              </a:rPr>
-              <a:t>You Give $50, So Will I!</a:t>
+              <a:t>If You Give $50, So Will I!</a:t>
             </a:r>
             <a:endParaRPr lang="en-US" sz="3600" i="1" dirty="0">
               <a:solidFill>
@@ -17086,20 +16354,8 @@
             <a:pPr marL="0" indent="0" algn="ctr">
               <a:buNone/>
             </a:pPr>
-            <a:r>
-              <a:rPr lang="en-US" sz="2000" b="1" dirty="0" smtClean="0">
-                <a:effectLst>
-                  <a:outerShdw blurRad="50800" dist="38100" dir="2700000" algn="tl" rotWithShape="0">
-                    <a:prstClr val="black">
-                      <a:alpha val="40000"/>
-                    </a:prstClr>
-                  </a:outerShdw>
-                </a:effectLst>
-              </a:rPr>
-              <a:t/>
-            </a:r>
             <a:br>
-              <a:rPr lang="en-US" sz="2000" b="1" dirty="0" smtClean="0">
+              <a:rPr lang="en-US" sz="2000" b="1" dirty="0">
                 <a:effectLst>
                   <a:outerShdw blurRad="50800" dist="38100" dir="2700000" algn="tl" rotWithShape="0">
                     <a:prstClr val="black">
@@ -17110,18 +16366,6 @@
               </a:rPr>
             </a:br>
             <a:r>
-              <a:rPr lang="en-US" sz="4800" b="1" dirty="0" smtClean="0">
-                <a:effectLst>
-                  <a:outerShdw blurRad="50800" dist="38100" dir="8100000" algn="tr" rotWithShape="0">
-                    <a:prstClr val="black">
-                      <a:alpha val="40000"/>
-                    </a:prstClr>
-                  </a:outerShdw>
-                </a:effectLst>
-              </a:rPr>
-              <a:t>http</a:t>
-            </a:r>
-            <a:r>
               <a:rPr lang="en-US" sz="4800" b="1" dirty="0">
                 <a:effectLst>
                   <a:outerShdw blurRad="50800" dist="38100" dir="8100000" algn="tr" rotWithShape="0">
@@ -17131,10 +16375,10 @@
                   </a:outerShdw>
                 </a:effectLst>
               </a:rPr>
-              <a:t>://</a:t>
-            </a:r>
-            <a:r>
-              <a:rPr lang="en-US" sz="4800" b="1" dirty="0" smtClean="0">
+              <a:t>bit.ly/</a:t>
+            </a:r>
+            <a:r>
+              <a:rPr lang="en-US" sz="4800" b="1" dirty="0" err="1">
                 <a:effectLst>
                   <a:outerShdw blurRad="50800" dist="38100" dir="8100000" algn="tr" rotWithShape="0">
                     <a:prstClr val="black">
@@ -17143,7 +16387,19 @@
                   </a:outerShdw>
                 </a:effectLst>
               </a:rPr>
-              <a:t>bit.ly/gang-gives</a:t>
+              <a:t>aadnd</a:t>
+            </a:r>
+            <a:r>
+              <a:rPr lang="en-US" sz="4800" b="1" dirty="0">
+                <a:effectLst>
+                  <a:outerShdw blurRad="50800" dist="38100" dir="8100000" algn="tr" rotWithShape="0">
+                    <a:prstClr val="black">
+                      <a:alpha val="40000"/>
+                    </a:prstClr>
+                  </a:outerShdw>
+                </a:effectLst>
+              </a:rPr>
+              <a:t>-gives</a:t>
             </a:r>
             <a:endParaRPr lang="en-US" sz="4400" b="1" dirty="0">
               <a:effectLst>
@@ -17159,34 +16415,26 @@
             <a:pPr marL="0" indent="0" algn="just">
               <a:buNone/>
             </a:pPr>
-            <a:endParaRPr lang="en-US" sz="2400" i="1" dirty="0" smtClean="0"/>
+            <a:endParaRPr lang="en-US" sz="2400" i="1" dirty="0"/>
           </a:p>
           <a:p>
             <a:pPr marL="0" indent="0" algn="just">
               <a:buNone/>
             </a:pPr>
             <a:r>
-              <a:rPr lang="en-US" sz="2400" i="1" dirty="0" smtClean="0"/>
+              <a:rPr lang="en-US" sz="2400" i="1" dirty="0"/>
               <a:t>“</a:t>
             </a:r>
             <a:r>
-              <a:rPr lang="en-US" sz="2400" i="1" dirty="0" err="1" smtClean="0"/>
+              <a:rPr lang="en-US" sz="2400" i="1" dirty="0" err="1"/>
               <a:t>charity:water</a:t>
             </a:r>
             <a:r>
-              <a:rPr lang="en-US" sz="2400" i="1" dirty="0" smtClean="0"/>
-              <a:t> </a:t>
-            </a:r>
-            <a:r>
               <a:rPr lang="en-US" sz="2400" i="1" dirty="0"/>
-              <a:t>is a non-profit organization that provides clean and safe drinking water to people in developing nations. The organization was founded in 2006 and has helped fund 13,641 projects in 22 countries, benefiting over 4.6 million </a:t>
-            </a:r>
-            <a:r>
-              <a:rPr lang="en-US" sz="2400" i="1" dirty="0" smtClean="0"/>
-              <a:t>people.” </a:t>
-            </a:r>
-            <a:r>
-              <a:rPr lang="en-US" sz="2400" dirty="0" smtClean="0"/>
+              <a:t> is a non-profit organization that provides clean and safe drinking water to people in developing nations. The organization was founded in 2006 and has helped fund 13,641 projects in 22 countries, benefiting over 4.6 million people.” </a:t>
+            </a:r>
+            <a:r>
+              <a:rPr lang="en-US" sz="2400" dirty="0"/>
               <a:t>- Wikipedia</a:t>
             </a:r>
           </a:p>
@@ -17194,21 +16442,21 @@
             <a:pPr marL="0" indent="0" algn="just">
               <a:buNone/>
             </a:pPr>
-            <a:endParaRPr lang="en-US" sz="2400" dirty="0" smtClean="0"/>
+            <a:endParaRPr lang="en-US" sz="2400" dirty="0"/>
           </a:p>
           <a:p>
             <a:pPr marL="0" indent="0">
               <a:buNone/>
             </a:pPr>
             <a:r>
-              <a:rPr lang="en-US" sz="2400" i="1" dirty="0" smtClean="0"/>
+              <a:rPr lang="en-US" sz="2400" i="1" dirty="0"/>
               <a:t>“97.1/100” </a:t>
             </a:r>
             <a:br>
-              <a:rPr lang="en-US" sz="2400" i="1" dirty="0" smtClean="0"/>
+              <a:rPr lang="en-US" sz="2400" i="1" dirty="0"/>
             </a:br>
             <a:r>
-              <a:rPr lang="en-US" sz="2400" i="1" dirty="0" smtClean="0"/>
+              <a:rPr lang="en-US" sz="2400" i="1" dirty="0"/>
               <a:t>- CharityNavigator.org</a:t>
             </a:r>
           </a:p>
@@ -17322,6 +16570,137 @@
 </p:sld>
 </file>
 
+<file path=ppt/slides/slide7.xml><?xml version="1.0" encoding="utf-8"?>
+<p:sld xmlns:a="http://schemas.openxmlformats.org/drawingml/2006/main" xmlns:r="http://schemas.openxmlformats.org/officeDocument/2006/relationships" xmlns:p="http://schemas.openxmlformats.org/presentationml/2006/main">
+  <p:cSld>
+    <p:spTree>
+      <p:nvGrpSpPr>
+        <p:cNvPr id="1" name=""/>
+        <p:cNvGrpSpPr/>
+        <p:nvPr/>
+      </p:nvGrpSpPr>
+      <p:grpSpPr>
+        <a:xfrm>
+          <a:off x="0" y="0"/>
+          <a:ext cx="0" cy="0"/>
+          <a:chOff x="0" y="0"/>
+          <a:chExt cx="0" cy="0"/>
+        </a:xfrm>
+      </p:grpSpPr>
+      <p:sp>
+        <p:nvSpPr>
+          <p:cNvPr id="2" name="Title 1"/>
+          <p:cNvSpPr>
+            <a:spLocks noGrp="1"/>
+          </p:cNvSpPr>
+          <p:nvPr>
+            <p:ph type="title"/>
+          </p:nvPr>
+        </p:nvSpPr>
+        <p:spPr/>
+        <p:txBody>
+          <a:bodyPr/>
+          <a:lstStyle/>
+          <a:p>
+            <a:r>
+              <a:rPr lang="en-US" dirty="0"/>
+              <a:t>What is an ORM, Again?</a:t>
+            </a:r>
+          </a:p>
+        </p:txBody>
+      </p:sp>
+      <p:sp>
+        <p:nvSpPr>
+          <p:cNvPr id="3" name="Content Placeholder 2"/>
+          <p:cNvSpPr>
+            <a:spLocks noGrp="1"/>
+          </p:cNvSpPr>
+          <p:nvPr>
+            <p:ph idx="1"/>
+          </p:nvPr>
+        </p:nvSpPr>
+        <p:spPr/>
+        <p:txBody>
+          <a:bodyPr/>
+          <a:lstStyle/>
+          <a:p>
+            <a:r>
+              <a:rPr lang="en-US" dirty="0"/>
+              <a:t>Object-Relational Mapper</a:t>
+            </a:r>
+          </a:p>
+          <a:p>
+            <a:r>
+              <a:rPr lang="en-US" dirty="0"/>
+              <a:t>Maps Relational DBMSs to Object Graphs (and back)</a:t>
+            </a:r>
+          </a:p>
+          <a:p>
+            <a:r>
+              <a:rPr lang="en-US" dirty="0"/>
+              <a:t>Common features</a:t>
+            </a:r>
+          </a:p>
+          <a:p>
+            <a:pPr lvl="1"/>
+            <a:r>
+              <a:rPr lang="en-US" dirty="0"/>
+              <a:t>Build Queries</a:t>
+            </a:r>
+          </a:p>
+          <a:p>
+            <a:pPr lvl="1"/>
+            <a:r>
+              <a:rPr lang="en-US" dirty="0"/>
+              <a:t>CRUD operations</a:t>
+            </a:r>
+          </a:p>
+          <a:p>
+            <a:pPr lvl="1"/>
+            <a:r>
+              <a:rPr lang="en-US" dirty="0"/>
+              <a:t>Load related objects</a:t>
+            </a:r>
+          </a:p>
+          <a:p>
+            <a:pPr lvl="1"/>
+            <a:r>
+              <a:rPr lang="en-US" dirty="0"/>
+              <a:t>Change tracking</a:t>
+            </a:r>
+          </a:p>
+          <a:p>
+            <a:pPr lvl="1"/>
+            <a:r>
+              <a:rPr lang="en-US" dirty="0"/>
+              <a:t>DB/Object mapping conventions (and custom configuration)</a:t>
+            </a:r>
+          </a:p>
+          <a:p>
+            <a:pPr lvl="1"/>
+            <a:r>
+              <a:rPr lang="en-US" dirty="0"/>
+              <a:t>Transaction support</a:t>
+            </a:r>
+          </a:p>
+          <a:p>
+            <a:endParaRPr lang="en-US" dirty="0"/>
+          </a:p>
+        </p:txBody>
+      </p:sp>
+    </p:spTree>
+    <p:extLst>
+      <p:ext uri="{BB962C8B-B14F-4D97-AF65-F5344CB8AC3E}">
+        <p14:creationId xmlns:p14="http://schemas.microsoft.com/office/powerpoint/2010/main" val="181661653"/>
+      </p:ext>
+    </p:extLst>
+  </p:cSld>
+  <p:clrMapOvr>
+    <a:masterClrMapping/>
+  </p:clrMapOvr>
+</p:sld>
+</file>
+
 <file path=ppt/slides/slide8.xml><?xml version="1.0" encoding="utf-8"?>
 <p:sld xmlns:a="http://schemas.openxmlformats.org/drawingml/2006/main" xmlns:r="http://schemas.openxmlformats.org/officeDocument/2006/relationships" xmlns:p="http://schemas.openxmlformats.org/presentationml/2006/main">
   <p:cSld>
@@ -17355,10 +16734,9 @@
           <a:lstStyle/>
           <a:p>
             <a:r>
-              <a:rPr lang="en-US" dirty="0" smtClean="0"/>
+              <a:rPr lang="en-US" dirty="0"/>
               <a:t>What is Dapper</a:t>
             </a:r>
-            <a:endParaRPr lang="en-US" dirty="0"/>
           </a:p>
         </p:txBody>
       </p:sp>
@@ -17378,43 +16756,35 @@
           <a:lstStyle/>
           <a:p>
             <a:r>
-              <a:rPr lang="en-US" dirty="0" smtClean="0"/>
+              <a:rPr lang="en-US" dirty="0"/>
               <a:t>Micro ORM for .NET</a:t>
             </a:r>
           </a:p>
           <a:p>
             <a:r>
-              <a:rPr lang="en-US" dirty="0" smtClean="0"/>
+              <a:rPr lang="en-US" dirty="0"/>
               <a:t>Maps SQL queries to POCOs and back again</a:t>
             </a:r>
           </a:p>
           <a:p>
             <a:r>
-              <a:rPr lang="en-US" dirty="0" smtClean="0"/>
-              <a:t>Free </a:t>
-            </a:r>
-            <a:r>
               <a:rPr lang="en-US" dirty="0"/>
-              <a:t>and Open-Source (Apache License 2.0 or </a:t>
-            </a:r>
-            <a:r>
-              <a:rPr lang="en-US" dirty="0" smtClean="0"/>
-              <a:t>MIT License)</a:t>
-            </a:r>
-          </a:p>
-          <a:p>
-            <a:r>
-              <a:rPr lang="en-US" dirty="0" smtClean="0"/>
+              <a:t>Free and Open-Source (Apache License 2.0 or MIT License)</a:t>
+            </a:r>
+          </a:p>
+          <a:p>
+            <a:r>
+              <a:rPr lang="en-US" dirty="0"/>
               <a:t>Available via </a:t>
             </a:r>
             <a:r>
-              <a:rPr lang="en-US" dirty="0" err="1" smtClean="0"/>
+              <a:rPr lang="en-US" dirty="0" err="1"/>
               <a:t>Nuget</a:t>
             </a:r>
-            <a:endParaRPr lang="en-US" dirty="0" smtClean="0"/>
-          </a:p>
-          <a:p>
-            <a:endParaRPr lang="en-US" dirty="0" smtClean="0">
+            <a:endParaRPr lang="en-US" dirty="0"/>
+          </a:p>
+          <a:p>
+            <a:endParaRPr lang="en-US" dirty="0">
               <a:latin typeface="Consolas" panose="020B0609020204030204" pitchFamily="49" charset="0"/>
             </a:endParaRPr>
           </a:p>
@@ -17526,29 +16896,20 @@
           <a:lstStyle/>
           <a:p>
             <a:r>
-              <a:rPr lang="en-US" dirty="0" smtClean="0"/>
-              <a:t>What </a:t>
-            </a:r>
-            <a:r>
               <a:rPr lang="en-US" dirty="0"/>
-              <a:t>i</a:t>
-            </a:r>
-            <a:r>
-              <a:rPr lang="en-US" dirty="0" smtClean="0"/>
-              <a:t>s an ORM, Again?</a:t>
-            </a:r>
-            <a:endParaRPr lang="en-US" dirty="0"/>
-          </a:p>
-        </p:txBody>
-      </p:sp>
-      <p:sp>
-        <p:nvSpPr>
-          <p:cNvPr id="3" name="Content Placeholder 2"/>
-          <p:cNvSpPr>
-            <a:spLocks noGrp="1"/>
-          </p:cNvSpPr>
-          <p:nvPr>
-            <p:ph idx="1"/>
+              <a:t>Demo</a:t>
+            </a:r>
+          </a:p>
+        </p:txBody>
+      </p:sp>
+      <p:sp>
+        <p:nvSpPr>
+          <p:cNvPr id="4" name="Text Placeholder 3"/>
+          <p:cNvSpPr>
+            <a:spLocks noGrp="1"/>
+          </p:cNvSpPr>
+          <p:nvPr>
+            <p:ph type="body" idx="1"/>
           </p:nvPr>
         </p:nvSpPr>
         <p:spPr/>
@@ -17557,73 +16918,16 @@
           <a:lstStyle/>
           <a:p>
             <a:r>
-              <a:rPr lang="en-US" dirty="0" smtClean="0"/>
-              <a:t>Object-Relational Mapper</a:t>
-            </a:r>
-          </a:p>
-          <a:p>
-            <a:r>
-              <a:rPr lang="en-US" dirty="0" smtClean="0"/>
-              <a:t>Maps Relational DBMSs to Object Graphs (and back)</a:t>
-            </a:r>
-          </a:p>
-          <a:p>
-            <a:r>
-              <a:rPr lang="en-US" dirty="0" smtClean="0"/>
-              <a:t>Common features</a:t>
-            </a:r>
-          </a:p>
-          <a:p>
-            <a:pPr lvl="1"/>
-            <a:r>
-              <a:rPr lang="en-US" dirty="0" smtClean="0"/>
-              <a:t>Build Queries</a:t>
-            </a:r>
-          </a:p>
-          <a:p>
-            <a:pPr lvl="1"/>
-            <a:r>
-              <a:rPr lang="en-US" dirty="0" smtClean="0"/>
-              <a:t>CRUD operations</a:t>
-            </a:r>
-          </a:p>
-          <a:p>
-            <a:pPr lvl="1"/>
-            <a:r>
-              <a:rPr lang="en-US" dirty="0" smtClean="0"/>
-              <a:t>Load related objects</a:t>
-            </a:r>
-          </a:p>
-          <a:p>
-            <a:pPr lvl="1"/>
-            <a:r>
-              <a:rPr lang="en-US" dirty="0" smtClean="0"/>
-              <a:t>Change tracking</a:t>
-            </a:r>
-          </a:p>
-          <a:p>
-            <a:pPr lvl="1"/>
-            <a:r>
-              <a:rPr lang="en-US" dirty="0" smtClean="0"/>
-              <a:t>DB/Object mapping conventions (and custom configuration)</a:t>
-            </a:r>
-          </a:p>
-          <a:p>
-            <a:pPr lvl="1"/>
-            <a:r>
-              <a:rPr lang="en-US" dirty="0" smtClean="0"/>
-              <a:t>Transaction support</a:t>
-            </a:r>
-          </a:p>
-          <a:p>
-            <a:endParaRPr lang="en-US" dirty="0" smtClean="0"/>
+              <a:rPr lang="en-US" dirty="0"/>
+              <a:t>Hello, World with Dapper</a:t>
+            </a:r>
           </a:p>
         </p:txBody>
       </p:sp>
     </p:spTree>
     <p:extLst>
       <p:ext uri="{BB962C8B-B14F-4D97-AF65-F5344CB8AC3E}">
-        <p14:creationId xmlns:p14="http://schemas.microsoft.com/office/powerpoint/2010/main" val="181661653"/>
+        <p14:creationId xmlns:p14="http://schemas.microsoft.com/office/powerpoint/2010/main" val="459550569"/>
       </p:ext>
     </p:extLst>
   </p:cSld>
